--- a/자기소개서.pptx
+++ b/자기소개서.pptx
@@ -6,10 +6,11 @@
   </p:sldMasterIdLst>
   <p:sldIdLst>
     <p:sldId id="289" r:id="rId2"/>
-    <p:sldId id="285" r:id="rId3"/>
-    <p:sldId id="288" r:id="rId4"/>
-    <p:sldId id="292" r:id="rId5"/>
-    <p:sldId id="293" r:id="rId6"/>
+    <p:sldId id="294" r:id="rId3"/>
+    <p:sldId id="285" r:id="rId4"/>
+    <p:sldId id="288" r:id="rId5"/>
+    <p:sldId id="292" r:id="rId6"/>
+    <p:sldId id="293" r:id="rId7"/>
   </p:sldIdLst>
   <p:sldSz cx="12192000" cy="6858000"/>
   <p:notesSz cx="6735763" cy="9866313"/>
@@ -152,6 +153,947 @@
     </p:extLst>
   </p:cmAuthor>
 </p:cmAuthorLst>
+</file>
+
+<file path=ppt/charts/chart1.xml><?xml version="1.0" encoding="utf-8"?>
+<c:chartSpace xmlns:c="http://schemas.openxmlformats.org/drawingml/2006/chart" xmlns:a="http://schemas.openxmlformats.org/drawingml/2006/main" xmlns:r="http://schemas.openxmlformats.org/officeDocument/2006/relationships" xmlns:c16r2="http://schemas.microsoft.com/office/drawing/2015/06/chart">
+  <c:date1904 val="0"/>
+  <c:lang val="ko-KR"/>
+  <c:roundedCorners val="0"/>
+  <mc:AlternateContent xmlns:mc="http://schemas.openxmlformats.org/markup-compatibility/2006">
+    <mc:Choice xmlns:c14="http://schemas.microsoft.com/office/drawing/2007/8/2/chart" Requires="c14">
+      <c14:style val="102"/>
+    </mc:Choice>
+    <mc:Fallback>
+      <c:style val="2"/>
+    </mc:Fallback>
+  </mc:AlternateContent>
+  <c:chart>
+    <c:title>
+      <c:tx>
+        <c:rich>
+          <a:bodyPr rot="0" spcFirstLastPara="1" vertOverflow="ellipsis" vert="horz" wrap="square" anchor="ctr" anchorCtr="1"/>
+          <a:lstStyle/>
+          <a:p>
+            <a:pPr>
+              <a:defRPr sz="1862" b="0" i="0" u="none" strike="noStrike" kern="1200" cap="none" spc="0" baseline="0">
+                <a:ln w="0">
+                  <a:solidFill>
+                    <a:schemeClr val="bg1"/>
+                  </a:solidFill>
+                </a:ln>
+                <a:solidFill>
+                  <a:schemeClr val="bg1"/>
+                </a:solidFill>
+                <a:effectLst>
+                  <a:outerShdw blurRad="50800" dist="38100" dir="5400000" algn="t" rotWithShape="0">
+                    <a:prstClr val="black">
+                      <a:alpha val="40000"/>
+                    </a:prstClr>
+                  </a:outerShdw>
+                </a:effectLst>
+                <a:latin typeface="Spoqa Han Sans Neo Bold" panose="020B0800000000000000" pitchFamily="50" charset="-127"/>
+                <a:ea typeface="Spoqa Han Sans Neo Bold" panose="020B0800000000000000" pitchFamily="50" charset="-127"/>
+                <a:cs typeface="+mn-cs"/>
+              </a:defRPr>
+            </a:pPr>
+            <a:r>
+              <a:rPr lang="ko-KR">
+                <a:latin typeface="Spoqa Han Sans Neo Bold" panose="020B0800000000000000" pitchFamily="50" charset="-127"/>
+                <a:ea typeface="Spoqa Han Sans Neo Bold" panose="020B0800000000000000" pitchFamily="50" charset="-127"/>
+              </a:rPr>
+              <a:t>핵심역량</a:t>
+            </a:r>
+          </a:p>
+        </c:rich>
+      </c:tx>
+      <c:overlay val="0"/>
+      <c:spPr>
+        <a:noFill/>
+        <a:ln>
+          <a:noFill/>
+        </a:ln>
+        <a:effectLst/>
+      </c:spPr>
+      <c:txPr>
+        <a:bodyPr rot="0" spcFirstLastPara="1" vertOverflow="ellipsis" vert="horz" wrap="square" anchor="ctr" anchorCtr="1"/>
+        <a:lstStyle/>
+        <a:p>
+          <a:pPr>
+            <a:defRPr sz="1862" b="0" i="0" u="none" strike="noStrike" kern="1200" cap="none" spc="0" baseline="0">
+              <a:ln w="0">
+                <a:solidFill>
+                  <a:schemeClr val="bg1"/>
+                </a:solidFill>
+              </a:ln>
+              <a:solidFill>
+                <a:schemeClr val="bg1"/>
+              </a:solidFill>
+              <a:effectLst>
+                <a:outerShdw blurRad="50800" dist="38100" dir="5400000" algn="t" rotWithShape="0">
+                  <a:prstClr val="black">
+                    <a:alpha val="40000"/>
+                  </a:prstClr>
+                </a:outerShdw>
+              </a:effectLst>
+              <a:latin typeface="Spoqa Han Sans Neo Bold" panose="020B0800000000000000" pitchFamily="50" charset="-127"/>
+              <a:ea typeface="Spoqa Han Sans Neo Bold" panose="020B0800000000000000" pitchFamily="50" charset="-127"/>
+              <a:cs typeface="+mn-cs"/>
+            </a:defRPr>
+          </a:pPr>
+          <a:endParaRPr lang="ko-KR"/>
+        </a:p>
+      </c:txPr>
+    </c:title>
+    <c:autoTitleDeleted val="0"/>
+    <c:plotArea>
+      <c:layout/>
+      <c:radarChart>
+        <c:radarStyle val="marker"/>
+        <c:varyColors val="0"/>
+        <c:ser>
+          <c:idx val="0"/>
+          <c:order val="0"/>
+          <c:tx>
+            <c:strRef>
+              <c:f>Sheet1!$B$1</c:f>
+              <c:strCache>
+                <c:ptCount val="1"/>
+                <c:pt idx="0">
+                  <c:v>계열 1</c:v>
+                </c:pt>
+              </c:strCache>
+            </c:strRef>
+          </c:tx>
+          <c:spPr>
+            <a:ln w="34925" cap="rnd">
+              <a:solidFill>
+                <a:schemeClr val="accent1"/>
+              </a:solidFill>
+              <a:round/>
+            </a:ln>
+            <a:effectLst>
+              <a:outerShdw blurRad="57150" dist="19050" dir="5400000" algn="ctr" rotWithShape="0">
+                <a:srgbClr val="000000">
+                  <a:alpha val="63000"/>
+                </a:srgbClr>
+              </a:outerShdw>
+            </a:effectLst>
+          </c:spPr>
+          <c:marker>
+            <c:symbol val="circle"/>
+            <c:size val="6"/>
+            <c:spPr>
+              <a:gradFill rotWithShape="1">
+                <a:gsLst>
+                  <a:gs pos="0">
+                    <a:schemeClr val="accent1">
+                      <a:satMod val="103000"/>
+                      <a:lumMod val="102000"/>
+                      <a:tint val="94000"/>
+                    </a:schemeClr>
+                  </a:gs>
+                  <a:gs pos="50000">
+                    <a:schemeClr val="accent1">
+                      <a:satMod val="110000"/>
+                      <a:lumMod val="100000"/>
+                      <a:shade val="100000"/>
+                    </a:schemeClr>
+                  </a:gs>
+                  <a:gs pos="100000">
+                    <a:schemeClr val="accent1">
+                      <a:lumMod val="99000"/>
+                      <a:satMod val="120000"/>
+                      <a:shade val="78000"/>
+                    </a:schemeClr>
+                  </a:gs>
+                </a:gsLst>
+                <a:lin ang="5400000" scaled="0"/>
+              </a:gradFill>
+              <a:ln w="9525">
+                <a:solidFill>
+                  <a:schemeClr val="accent1"/>
+                </a:solidFill>
+                <a:round/>
+              </a:ln>
+              <a:effectLst>
+                <a:outerShdw blurRad="57150" dist="19050" dir="5400000" algn="ctr" rotWithShape="0">
+                  <a:srgbClr val="000000">
+                    <a:alpha val="63000"/>
+                  </a:srgbClr>
+                </a:outerShdw>
+              </a:effectLst>
+            </c:spPr>
+          </c:marker>
+          <c:cat>
+            <c:strRef>
+              <c:f>Sheet1!$A$2:$A$7</c:f>
+              <c:strCache>
+                <c:ptCount val="6"/>
+                <c:pt idx="0">
+                  <c:v>리더십</c:v>
+                </c:pt>
+                <c:pt idx="1">
+                  <c:v>체력</c:v>
+                </c:pt>
+                <c:pt idx="2">
+                  <c:v>커뮤니케이션</c:v>
+                </c:pt>
+                <c:pt idx="3">
+                  <c:v>창의력</c:v>
+                </c:pt>
+                <c:pt idx="4">
+                  <c:v>분석력</c:v>
+                </c:pt>
+                <c:pt idx="5">
+                  <c:v>기획력</c:v>
+                </c:pt>
+              </c:strCache>
+            </c:strRef>
+          </c:cat>
+          <c:val>
+            <c:numRef>
+              <c:f>Sheet1!$B$2:$B$7</c:f>
+              <c:numCache>
+                <c:formatCode>General</c:formatCode>
+                <c:ptCount val="6"/>
+                <c:pt idx="0">
+                  <c:v>90</c:v>
+                </c:pt>
+                <c:pt idx="1">
+                  <c:v>70</c:v>
+                </c:pt>
+                <c:pt idx="2">
+                  <c:v>100</c:v>
+                </c:pt>
+                <c:pt idx="3">
+                  <c:v>80</c:v>
+                </c:pt>
+                <c:pt idx="4">
+                  <c:v>90</c:v>
+                </c:pt>
+                <c:pt idx="5">
+                  <c:v>80</c:v>
+                </c:pt>
+              </c:numCache>
+            </c:numRef>
+          </c:val>
+          <c:extLst>
+            <c:ext xmlns:c16="http://schemas.microsoft.com/office/drawing/2014/chart" uri="{C3380CC4-5D6E-409C-BE32-E72D297353CC}">
+              <c16:uniqueId val="{00000000-32D9-49AF-BB25-57F5D6AEBCF0}"/>
+            </c:ext>
+          </c:extLst>
+        </c:ser>
+        <c:dLbls>
+          <c:showLegendKey val="0"/>
+          <c:showVal val="0"/>
+          <c:showCatName val="0"/>
+          <c:showSerName val="0"/>
+          <c:showPercent val="0"/>
+          <c:showBubbleSize val="0"/>
+        </c:dLbls>
+        <c:axId val="2104819967"/>
+        <c:axId val="2104815807"/>
+      </c:radarChart>
+      <c:catAx>
+        <c:axId val="2104819967"/>
+        <c:scaling>
+          <c:orientation val="minMax"/>
+        </c:scaling>
+        <c:delete val="0"/>
+        <c:axPos val="b"/>
+        <c:numFmt formatCode="General" sourceLinked="1"/>
+        <c:majorTickMark val="none"/>
+        <c:minorTickMark val="none"/>
+        <c:tickLblPos val="nextTo"/>
+        <c:spPr>
+          <a:noFill/>
+          <a:ln w="12700" cap="flat" cmpd="sng" algn="ctr">
+            <a:solidFill>
+              <a:schemeClr val="lt1">
+                <a:lumMod val="95000"/>
+                <a:alpha val="54000"/>
+              </a:schemeClr>
+            </a:solidFill>
+            <a:round/>
+          </a:ln>
+          <a:effectLst/>
+        </c:spPr>
+        <c:txPr>
+          <a:bodyPr rot="-60000000" spcFirstLastPara="1" vertOverflow="ellipsis" vert="horz" wrap="square" anchor="ctr" anchorCtr="1"/>
+          <a:lstStyle/>
+          <a:p>
+            <a:pPr>
+              <a:defRPr sz="1197" b="0" i="0" u="none" strike="noStrike" kern="1200" cap="none" spc="0" baseline="0">
+                <a:ln w="0">
+                  <a:solidFill>
+                    <a:schemeClr val="bg1"/>
+                  </a:solidFill>
+                </a:ln>
+                <a:solidFill>
+                  <a:schemeClr val="bg1"/>
+                </a:solidFill>
+                <a:effectLst>
+                  <a:outerShdw blurRad="50800" dist="38100" dir="5400000" algn="t" rotWithShape="0">
+                    <a:prstClr val="black">
+                      <a:alpha val="40000"/>
+                    </a:prstClr>
+                  </a:outerShdw>
+                </a:effectLst>
+                <a:latin typeface="Spoqa Han Sans Neo Light" panose="020B0300000000000000" pitchFamily="50" charset="-127"/>
+                <a:ea typeface="Spoqa Han Sans Neo Light" panose="020B0300000000000000" pitchFamily="50" charset="-127"/>
+                <a:cs typeface="+mn-cs"/>
+              </a:defRPr>
+            </a:pPr>
+            <a:endParaRPr lang="ko-KR"/>
+          </a:p>
+        </c:txPr>
+        <c:crossAx val="2104815807"/>
+        <c:crosses val="autoZero"/>
+        <c:auto val="1"/>
+        <c:lblAlgn val="ctr"/>
+        <c:lblOffset val="100"/>
+        <c:noMultiLvlLbl val="0"/>
+      </c:catAx>
+      <c:valAx>
+        <c:axId val="2104815807"/>
+        <c:scaling>
+          <c:orientation val="minMax"/>
+        </c:scaling>
+        <c:delete val="1"/>
+        <c:axPos val="l"/>
+        <c:majorGridlines>
+          <c:spPr>
+            <a:ln w="9525" cap="flat" cmpd="sng" algn="ctr">
+              <a:solidFill>
+                <a:schemeClr val="lt1">
+                  <a:lumMod val="95000"/>
+                  <a:alpha val="10000"/>
+                </a:schemeClr>
+              </a:solidFill>
+              <a:round/>
+            </a:ln>
+            <a:effectLst/>
+          </c:spPr>
+        </c:majorGridlines>
+        <c:numFmt formatCode="General" sourceLinked="1"/>
+        <c:majorTickMark val="none"/>
+        <c:minorTickMark val="none"/>
+        <c:tickLblPos val="nextTo"/>
+        <c:crossAx val="2104819967"/>
+        <c:crosses val="autoZero"/>
+        <c:crossBetween val="between"/>
+      </c:valAx>
+      <c:spPr>
+        <a:noFill/>
+        <a:ln>
+          <a:noFill/>
+        </a:ln>
+        <a:effectLst/>
+      </c:spPr>
+    </c:plotArea>
+    <c:plotVisOnly val="1"/>
+    <c:dispBlanksAs val="gap"/>
+    <c:extLst>
+      <c:ext xmlns:c16r3="http://schemas.microsoft.com/office/drawing/2017/03/chart" uri="{56B9EC1D-385E-4148-901F-78D8002777C0}">
+        <c16r3:dataDisplayOptions16>
+          <c16r3:dispNaAsBlank val="1"/>
+        </c16r3:dataDisplayOptions16>
+      </c:ext>
+    </c:extLst>
+    <c:showDLblsOverMax val="0"/>
+  </c:chart>
+  <c:spPr>
+    <a:gradFill flip="none" rotWithShape="1">
+      <a:gsLst>
+        <a:gs pos="0">
+          <a:schemeClr val="dk1">
+            <a:lumMod val="65000"/>
+            <a:lumOff val="35000"/>
+          </a:schemeClr>
+        </a:gs>
+        <a:gs pos="100000">
+          <a:schemeClr val="dk1">
+            <a:lumMod val="85000"/>
+            <a:lumOff val="15000"/>
+          </a:schemeClr>
+        </a:gs>
+      </a:gsLst>
+      <a:path path="circle">
+        <a:fillToRect l="50000" t="50000" r="50000" b="50000"/>
+      </a:path>
+      <a:tileRect/>
+    </a:gradFill>
+    <a:ln>
+      <a:noFill/>
+    </a:ln>
+    <a:effectLst>
+      <a:softEdge rad="635000"/>
+    </a:effectLst>
+  </c:spPr>
+  <c:txPr>
+    <a:bodyPr/>
+    <a:lstStyle/>
+    <a:p>
+      <a:pPr>
+        <a:defRPr b="0" cap="none" spc="0">
+          <a:ln w="0">
+            <a:solidFill>
+              <a:schemeClr val="bg1"/>
+            </a:solidFill>
+          </a:ln>
+          <a:solidFill>
+            <a:schemeClr val="bg1"/>
+          </a:solidFill>
+          <a:effectLst>
+            <a:outerShdw blurRad="50800" dist="38100" dir="5400000" algn="t" rotWithShape="0">
+              <a:prstClr val="black">
+                <a:alpha val="40000"/>
+              </a:prstClr>
+            </a:outerShdw>
+          </a:effectLst>
+          <a:latin typeface="Spoqa Han Sans Neo Light" panose="020B0300000000000000" pitchFamily="50" charset="-127"/>
+          <a:ea typeface="Spoqa Han Sans Neo Light" panose="020B0300000000000000" pitchFamily="50" charset="-127"/>
+        </a:defRPr>
+      </a:pPr>
+      <a:endParaRPr lang="ko-KR"/>
+    </a:p>
+  </c:txPr>
+  <c:externalData r:id="rId3">
+    <c:autoUpdate val="0"/>
+  </c:externalData>
+</c:chartSpace>
+</file>
+
+<file path=ppt/charts/colors1.xml><?xml version="1.0" encoding="utf-8"?>
+<cs:colorStyle xmlns:cs="http://schemas.microsoft.com/office/drawing/2012/chartStyle" xmlns:a="http://schemas.openxmlformats.org/drawingml/2006/main" meth="cycle" id="10">
+  <a:schemeClr val="accent1"/>
+  <a:schemeClr val="accent2"/>
+  <a:schemeClr val="accent3"/>
+  <a:schemeClr val="accent4"/>
+  <a:schemeClr val="accent5"/>
+  <a:schemeClr val="accent6"/>
+  <cs:variation/>
+  <cs:variation>
+    <a:lumMod val="60000"/>
+  </cs:variation>
+  <cs:variation>
+    <a:lumMod val="80000"/>
+    <a:lumOff val="20000"/>
+  </cs:variation>
+  <cs:variation>
+    <a:lumMod val="80000"/>
+  </cs:variation>
+  <cs:variation>
+    <a:lumMod val="60000"/>
+    <a:lumOff val="40000"/>
+  </cs:variation>
+  <cs:variation>
+    <a:lumMod val="50000"/>
+  </cs:variation>
+  <cs:variation>
+    <a:lumMod val="70000"/>
+    <a:lumOff val="30000"/>
+  </cs:variation>
+  <cs:variation>
+    <a:lumMod val="70000"/>
+  </cs:variation>
+  <cs:variation>
+    <a:lumMod val="50000"/>
+    <a:lumOff val="50000"/>
+  </cs:variation>
+</cs:colorStyle>
+</file>
+
+<file path=ppt/charts/style1.xml><?xml version="1.0" encoding="utf-8"?>
+<cs:chartStyle xmlns:cs="http://schemas.microsoft.com/office/drawing/2012/chartStyle" xmlns:a="http://schemas.openxmlformats.org/drawingml/2006/main" id="321">
+  <cs:axisTitle>
+    <cs:lnRef idx="0"/>
+    <cs:fillRef idx="0"/>
+    <cs:effectRef idx="0"/>
+    <cs:fontRef idx="minor">
+      <a:schemeClr val="lt1">
+        <a:lumMod val="85000"/>
+      </a:schemeClr>
+    </cs:fontRef>
+    <cs:defRPr sz="1197" b="1" kern="1200" cap="all"/>
+  </cs:axisTitle>
+  <cs:categoryAxis>
+    <cs:lnRef idx="0"/>
+    <cs:fillRef idx="0"/>
+    <cs:effectRef idx="0"/>
+    <cs:fontRef idx="minor">
+      <a:schemeClr val="lt1">
+        <a:lumMod val="85000"/>
+      </a:schemeClr>
+    </cs:fontRef>
+    <cs:spPr>
+      <a:ln w="12700" cap="flat" cmpd="sng" algn="ctr">
+        <a:solidFill>
+          <a:schemeClr val="lt1">
+            <a:lumMod val="95000"/>
+            <a:alpha val="54000"/>
+          </a:schemeClr>
+        </a:solidFill>
+        <a:round/>
+      </a:ln>
+    </cs:spPr>
+    <cs:defRPr sz="1197" kern="1200"/>
+  </cs:categoryAxis>
+  <cs:chartArea>
+    <cs:lnRef idx="0"/>
+    <cs:fillRef idx="0"/>
+    <cs:effectRef idx="0"/>
+    <cs:fontRef idx="minor">
+      <a:schemeClr val="dk1"/>
+    </cs:fontRef>
+    <cs:spPr>
+      <a:gradFill flip="none" rotWithShape="1">
+        <a:gsLst>
+          <a:gs pos="0">
+            <a:schemeClr val="dk1">
+              <a:lumMod val="65000"/>
+              <a:lumOff val="35000"/>
+            </a:schemeClr>
+          </a:gs>
+          <a:gs pos="100000">
+            <a:schemeClr val="dk1">
+              <a:lumMod val="85000"/>
+              <a:lumOff val="15000"/>
+            </a:schemeClr>
+          </a:gs>
+        </a:gsLst>
+        <a:path path="circle">
+          <a:fillToRect l="50000" t="50000" r="50000" b="50000"/>
+        </a:path>
+        <a:tileRect/>
+      </a:gradFill>
+    </cs:spPr>
+    <cs:defRPr sz="1330" kern="1200"/>
+  </cs:chartArea>
+  <cs:dataLabel>
+    <cs:lnRef idx="0"/>
+    <cs:fillRef idx="0"/>
+    <cs:effectRef idx="0"/>
+    <cs:fontRef idx="minor">
+      <a:schemeClr val="lt1"/>
+    </cs:fontRef>
+    <cs:defRPr sz="1197" kern="1200"/>
+  </cs:dataLabel>
+  <cs:dataLabelCallout>
+    <cs:lnRef idx="0"/>
+    <cs:fillRef idx="0"/>
+    <cs:effectRef idx="0"/>
+    <cs:fontRef idx="minor">
+      <a:schemeClr val="lt1">
+        <a:lumMod val="15000"/>
+        <a:lumOff val="85000"/>
+      </a:schemeClr>
+    </cs:fontRef>
+    <cs:spPr>
+      <a:solidFill>
+        <a:schemeClr val="dk1">
+          <a:lumMod val="65000"/>
+          <a:lumOff val="35000"/>
+        </a:schemeClr>
+      </a:solidFill>
+    </cs:spPr>
+    <cs:defRPr sz="1197" kern="1200"/>
+    <cs:bodyPr rot="0" spcFirstLastPara="1" vertOverflow="clip" horzOverflow="clip" vert="horz" wrap="square" lIns="36576" tIns="18288" rIns="36576" bIns="18288" anchor="ctr" anchorCtr="1">
+      <a:spAutoFit/>
+    </cs:bodyPr>
+  </cs:dataLabelCallout>
+  <cs:dataPoint>
+    <cs:lnRef idx="0"/>
+    <cs:fillRef idx="3">
+      <cs:styleClr val="auto"/>
+    </cs:fillRef>
+    <cs:effectRef idx="3"/>
+    <cs:fontRef idx="minor">
+      <a:schemeClr val="lt1"/>
+    </cs:fontRef>
+  </cs:dataPoint>
+  <cs:dataPoint3D>
+    <cs:lnRef idx="0"/>
+    <cs:fillRef idx="3">
+      <cs:styleClr val="auto"/>
+    </cs:fillRef>
+    <cs:effectRef idx="3"/>
+    <cs:fontRef idx="minor">
+      <a:schemeClr val="lt1"/>
+    </cs:fontRef>
+  </cs:dataPoint3D>
+  <cs:dataPointLine>
+    <cs:lnRef idx="0">
+      <cs:styleClr val="auto"/>
+    </cs:lnRef>
+    <cs:fillRef idx="3"/>
+    <cs:effectRef idx="3"/>
+    <cs:fontRef idx="minor">
+      <a:schemeClr val="lt1"/>
+    </cs:fontRef>
+    <cs:spPr>
+      <a:ln w="34925" cap="rnd">
+        <a:solidFill>
+          <a:schemeClr val="phClr"/>
+        </a:solidFill>
+        <a:round/>
+      </a:ln>
+    </cs:spPr>
+  </cs:dataPointLine>
+  <cs:dataPointMarker>
+    <cs:lnRef idx="0">
+      <cs:styleClr val="auto"/>
+    </cs:lnRef>
+    <cs:fillRef idx="3">
+      <cs:styleClr val="auto"/>
+    </cs:fillRef>
+    <cs:effectRef idx="3"/>
+    <cs:fontRef idx="minor">
+      <a:schemeClr val="lt1"/>
+    </cs:fontRef>
+    <cs:spPr>
+      <a:ln w="9525">
+        <a:solidFill>
+          <a:schemeClr val="phClr"/>
+        </a:solidFill>
+        <a:round/>
+      </a:ln>
+    </cs:spPr>
+  </cs:dataPointMarker>
+  <cs:dataPointMarkerLayout symbol="circle" size="6"/>
+  <cs:dataPointWireframe>
+    <cs:lnRef idx="0">
+      <cs:styleClr val="auto"/>
+    </cs:lnRef>
+    <cs:fillRef idx="3"/>
+    <cs:effectRef idx="3"/>
+    <cs:fontRef idx="minor">
+      <a:schemeClr val="lt1"/>
+    </cs:fontRef>
+    <cs:spPr>
+      <a:ln w="9525" cap="rnd">
+        <a:solidFill>
+          <a:schemeClr val="phClr"/>
+        </a:solidFill>
+        <a:round/>
+      </a:ln>
+    </cs:spPr>
+  </cs:dataPointWireframe>
+  <cs:dataTable>
+    <cs:lnRef idx="0"/>
+    <cs:fillRef idx="0"/>
+    <cs:effectRef idx="0"/>
+    <cs:fontRef idx="minor">
+      <a:schemeClr val="lt1">
+        <a:lumMod val="85000"/>
+      </a:schemeClr>
+    </cs:fontRef>
+    <cs:spPr>
+      <a:ln w="9525">
+        <a:solidFill>
+          <a:schemeClr val="lt1">
+            <a:lumMod val="95000"/>
+            <a:alpha val="54000"/>
+          </a:schemeClr>
+        </a:solidFill>
+      </a:ln>
+    </cs:spPr>
+    <cs:defRPr sz="1197" kern="1200"/>
+  </cs:dataTable>
+  <cs:downBar>
+    <cs:lnRef idx="0"/>
+    <cs:fillRef idx="0"/>
+    <cs:effectRef idx="0"/>
+    <cs:fontRef idx="minor">
+      <a:schemeClr val="lt1"/>
+    </cs:fontRef>
+    <cs:spPr>
+      <a:solidFill>
+        <a:schemeClr val="dk1">
+          <a:lumMod val="75000"/>
+          <a:lumOff val="25000"/>
+        </a:schemeClr>
+      </a:solidFill>
+      <a:ln w="9525">
+        <a:solidFill>
+          <a:schemeClr val="lt1">
+            <a:lumMod val="95000"/>
+            <a:alpha val="54000"/>
+          </a:schemeClr>
+        </a:solidFill>
+      </a:ln>
+    </cs:spPr>
+  </cs:downBar>
+  <cs:dropLine>
+    <cs:lnRef idx="0"/>
+    <cs:fillRef idx="0"/>
+    <cs:effectRef idx="0"/>
+    <cs:fontRef idx="minor">
+      <a:schemeClr val="lt1"/>
+    </cs:fontRef>
+    <cs:spPr>
+      <a:ln w="9525">
+        <a:solidFill>
+          <a:schemeClr val="lt1">
+            <a:lumMod val="95000"/>
+            <a:alpha val="54000"/>
+          </a:schemeClr>
+        </a:solidFill>
+        <a:prstDash val="dash"/>
+      </a:ln>
+    </cs:spPr>
+  </cs:dropLine>
+  <cs:errorBar>
+    <cs:lnRef idx="0"/>
+    <cs:fillRef idx="0"/>
+    <cs:effectRef idx="0"/>
+    <cs:fontRef idx="minor">
+      <a:schemeClr val="lt1"/>
+    </cs:fontRef>
+    <cs:spPr>
+      <a:ln w="9525" cap="flat" cmpd="sng" algn="ctr">
+        <a:solidFill>
+          <a:schemeClr val="lt1">
+            <a:lumMod val="95000"/>
+          </a:schemeClr>
+        </a:solidFill>
+        <a:round/>
+      </a:ln>
+    </cs:spPr>
+  </cs:errorBar>
+  <cs:floor>
+    <cs:lnRef idx="0"/>
+    <cs:fillRef idx="0"/>
+    <cs:effectRef idx="0"/>
+    <cs:fontRef idx="minor">
+      <a:schemeClr val="lt1"/>
+    </cs:fontRef>
+  </cs:floor>
+  <cs:gridlineMajor>
+    <cs:lnRef idx="0"/>
+    <cs:fillRef idx="0"/>
+    <cs:effectRef idx="0"/>
+    <cs:fontRef idx="minor">
+      <a:schemeClr val="lt1"/>
+    </cs:fontRef>
+    <cs:spPr>
+      <a:ln w="9525" cap="flat" cmpd="sng" algn="ctr">
+        <a:solidFill>
+          <a:schemeClr val="lt1">
+            <a:lumMod val="95000"/>
+            <a:alpha val="10000"/>
+          </a:schemeClr>
+        </a:solidFill>
+        <a:round/>
+      </a:ln>
+    </cs:spPr>
+  </cs:gridlineMajor>
+  <cs:gridlineMinor>
+    <cs:lnRef idx="0"/>
+    <cs:fillRef idx="0"/>
+    <cs:effectRef idx="0"/>
+    <cs:fontRef idx="minor">
+      <a:schemeClr val="lt1"/>
+    </cs:fontRef>
+    <cs:spPr>
+      <a:ln>
+        <a:solidFill>
+          <a:schemeClr val="lt1">
+            <a:lumMod val="95000"/>
+            <a:alpha val="5000"/>
+          </a:schemeClr>
+        </a:solidFill>
+      </a:ln>
+    </cs:spPr>
+  </cs:gridlineMinor>
+  <cs:hiLoLine>
+    <cs:lnRef idx="0"/>
+    <cs:fillRef idx="0"/>
+    <cs:effectRef idx="0"/>
+    <cs:fontRef idx="minor">
+      <a:schemeClr val="lt1"/>
+    </cs:fontRef>
+    <cs:spPr>
+      <a:ln w="9525">
+        <a:solidFill>
+          <a:schemeClr val="lt1">
+            <a:lumMod val="95000"/>
+            <a:alpha val="54000"/>
+          </a:schemeClr>
+        </a:solidFill>
+        <a:prstDash val="dash"/>
+      </a:ln>
+    </cs:spPr>
+  </cs:hiLoLine>
+  <cs:leaderLine>
+    <cs:lnRef idx="0"/>
+    <cs:fillRef idx="0"/>
+    <cs:effectRef idx="0"/>
+    <cs:fontRef idx="minor">
+      <a:schemeClr val="lt1"/>
+    </cs:fontRef>
+    <cs:spPr>
+      <a:ln w="9525">
+        <a:solidFill>
+          <a:schemeClr val="lt1">
+            <a:lumMod val="95000"/>
+            <a:alpha val="54000"/>
+          </a:schemeClr>
+        </a:solidFill>
+      </a:ln>
+    </cs:spPr>
+  </cs:leaderLine>
+  <cs:legend>
+    <cs:lnRef idx="0"/>
+    <cs:fillRef idx="0"/>
+    <cs:effectRef idx="0"/>
+    <cs:fontRef idx="minor">
+      <a:schemeClr val="lt1">
+        <a:lumMod val="85000"/>
+      </a:schemeClr>
+    </cs:fontRef>
+    <cs:defRPr sz="1197" kern="1200"/>
+  </cs:legend>
+  <cs:plotArea>
+    <cs:lnRef idx="0"/>
+    <cs:fillRef idx="0"/>
+    <cs:effectRef idx="0"/>
+    <cs:fontRef idx="minor">
+      <a:schemeClr val="lt1"/>
+    </cs:fontRef>
+  </cs:plotArea>
+  <cs:plotArea3D>
+    <cs:lnRef idx="0"/>
+    <cs:fillRef idx="0"/>
+    <cs:effectRef idx="0"/>
+    <cs:fontRef idx="minor">
+      <a:schemeClr val="lt1"/>
+    </cs:fontRef>
+  </cs:plotArea3D>
+  <cs:seriesAxis>
+    <cs:lnRef idx="0"/>
+    <cs:fillRef idx="0"/>
+    <cs:effectRef idx="0"/>
+    <cs:fontRef idx="minor">
+      <a:schemeClr val="lt1">
+        <a:lumMod val="85000"/>
+      </a:schemeClr>
+    </cs:fontRef>
+    <cs:spPr>
+      <a:ln w="12700" cap="flat" cmpd="sng" algn="ctr">
+        <a:solidFill>
+          <a:schemeClr val="lt1">
+            <a:lumMod val="95000"/>
+            <a:alpha val="54000"/>
+          </a:schemeClr>
+        </a:solidFill>
+        <a:round/>
+      </a:ln>
+    </cs:spPr>
+    <cs:defRPr sz="1197" kern="1200"/>
+  </cs:seriesAxis>
+  <cs:seriesLine>
+    <cs:lnRef idx="0"/>
+    <cs:fillRef idx="0"/>
+    <cs:effectRef idx="0"/>
+    <cs:fontRef idx="minor">
+      <a:schemeClr val="lt1"/>
+    </cs:fontRef>
+    <cs:spPr>
+      <a:ln w="9525" cap="flat" cmpd="sng" algn="ctr">
+        <a:solidFill>
+          <a:schemeClr val="lt1">
+            <a:lumMod val="95000"/>
+            <a:alpha val="54000"/>
+          </a:schemeClr>
+        </a:solidFill>
+        <a:round/>
+      </a:ln>
+    </cs:spPr>
+  </cs:seriesLine>
+  <cs:title>
+    <cs:lnRef idx="0"/>
+    <cs:fillRef idx="0"/>
+    <cs:effectRef idx="0"/>
+    <cs:fontRef idx="minor">
+      <a:schemeClr val="lt1">
+        <a:lumMod val="85000"/>
+      </a:schemeClr>
+    </cs:fontRef>
+    <cs:defRPr sz="1862" b="1" kern="1200" cap="none" baseline="0"/>
+  </cs:title>
+  <cs:trendline>
+    <cs:lnRef idx="0">
+      <cs:styleClr val="auto"/>
+    </cs:lnRef>
+    <cs:fillRef idx="0"/>
+    <cs:effectRef idx="0"/>
+    <cs:fontRef idx="minor">
+      <a:schemeClr val="lt1"/>
+    </cs:fontRef>
+    <cs:spPr>
+      <a:ln w="25400" cap="rnd">
+        <a:solidFill>
+          <a:schemeClr val="phClr">
+            <a:alpha val="50000"/>
+          </a:schemeClr>
+        </a:solidFill>
+      </a:ln>
+    </cs:spPr>
+  </cs:trendline>
+  <cs:trendlineLabel>
+    <cs:lnRef idx="0"/>
+    <cs:fillRef idx="0"/>
+    <cs:effectRef idx="0"/>
+    <cs:fontRef idx="minor">
+      <a:schemeClr val="lt1">
+        <a:lumMod val="85000"/>
+      </a:schemeClr>
+    </cs:fontRef>
+    <cs:defRPr sz="1197" kern="1200"/>
+  </cs:trendlineLabel>
+  <cs:upBar>
+    <cs:lnRef idx="0"/>
+    <cs:fillRef idx="0"/>
+    <cs:effectRef idx="0"/>
+    <cs:fontRef idx="minor">
+      <a:schemeClr val="lt1"/>
+    </cs:fontRef>
+    <cs:spPr>
+      <a:solidFill>
+        <a:schemeClr val="lt1"/>
+      </a:solidFill>
+      <a:ln w="9525">
+        <a:solidFill>
+          <a:schemeClr val="lt1">
+            <a:lumMod val="95000"/>
+            <a:alpha val="54000"/>
+          </a:schemeClr>
+        </a:solidFill>
+      </a:ln>
+    </cs:spPr>
+  </cs:upBar>
+  <cs:valueAxis>
+    <cs:lnRef idx="0"/>
+    <cs:fillRef idx="0"/>
+    <cs:effectRef idx="0"/>
+    <cs:fontRef idx="minor">
+      <a:schemeClr val="lt1">
+        <a:lumMod val="75000"/>
+      </a:schemeClr>
+    </cs:fontRef>
+    <cs:defRPr sz="1197" kern="1200"/>
+  </cs:valueAxis>
+  <cs:wall>
+    <cs:lnRef idx="0"/>
+    <cs:fillRef idx="0"/>
+    <cs:effectRef idx="0"/>
+    <cs:fontRef idx="minor">
+      <a:schemeClr val="lt1"/>
+    </cs:fontRef>
+  </cs:wall>
+</cs:chartStyle>
 </file>
 
 <file path=ppt/slideLayouts/slideLayout1.xml><?xml version="1.0" encoding="utf-8"?>
@@ -4341,6 +5283,472 @@
           <a:chExt cx="0" cy="0"/>
         </a:xfrm>
       </p:grpSpPr>
+      <p:sp>
+        <p:nvSpPr>
+          <p:cNvPr id="7" name="TextBox 6">
+            <a:hlinkClick r:id="" action="ppaction://noaction"/>
+            <a:extLst>
+              <a:ext uri="{FF2B5EF4-FFF2-40B4-BE49-F238E27FC236}">
+                <a16:creationId xmlns:a16="http://schemas.microsoft.com/office/drawing/2014/main" id="{6672FD4D-335F-4D95-A518-897330F23A09}"/>
+              </a:ext>
+            </a:extLst>
+          </p:cNvPr>
+          <p:cNvSpPr txBox="1"/>
+          <p:nvPr/>
+        </p:nvSpPr>
+        <p:spPr>
+          <a:xfrm>
+            <a:off x="426448" y="3134134"/>
+            <a:ext cx="612000" cy="396000"/>
+          </a:xfrm>
+          <a:prstGeom prst="rect">
+            <a:avLst/>
+          </a:prstGeom>
+          <a:noFill/>
+        </p:spPr>
+        <p:txBody>
+          <a:bodyPr wrap="none" rtlCol="0" anchor="t">
+            <a:noAutofit/>
+          </a:bodyPr>
+          <a:lstStyle>
+            <a:defPPr>
+              <a:defRPr lang="ko-KR"/>
+            </a:defPPr>
+            <a:lvl1pPr>
+              <a:lnSpc>
+                <a:spcPct val="150000"/>
+              </a:lnSpc>
+              <a:defRPr sz="1500" spc="-50">
+                <a:ln>
+                  <a:solidFill>
+                    <a:schemeClr val="accent1">
+                      <a:shade val="50000"/>
+                      <a:alpha val="0"/>
+                    </a:schemeClr>
+                  </a:solidFill>
+                </a:ln>
+                <a:solidFill>
+                  <a:schemeClr val="bg1">
+                    <a:lumMod val="85000"/>
+                  </a:schemeClr>
+                </a:solidFill>
+                <a:latin typeface="KoPubWorld돋움체 Bold" panose="00000800000000000000" pitchFamily="2" charset="-127"/>
+                <a:ea typeface="KoPubWorld돋움체 Bold" panose="00000800000000000000" pitchFamily="2" charset="-127"/>
+                <a:cs typeface="KoPubWorld돋움체 Bold" panose="00000800000000000000" pitchFamily="2" charset="-127"/>
+              </a:defRPr>
+            </a:lvl1pPr>
+          </a:lstStyle>
+          <a:p>
+            <a:r>
+              <a:rPr lang="ko-KR" altLang="en-US" sz="1300" spc="-20" dirty="0">
+                <a:solidFill>
+                  <a:schemeClr val="tx1">
+                    <a:lumMod val="50000"/>
+                    <a:lumOff val="50000"/>
+                  </a:schemeClr>
+                </a:solidFill>
+                <a:latin typeface="Spoqa Han Sans Neo Light" panose="020B0300000000000000" pitchFamily="34" charset="-127"/>
+                <a:ea typeface="Spoqa Han Sans Neo Light" panose="020B0300000000000000" pitchFamily="34" charset="-127"/>
+                <a:cs typeface="KoPubWorld바탕체 Medium" panose="00000600000000000000" pitchFamily="2" charset="-127"/>
+              </a:rPr>
+              <a:t>이력</a:t>
+            </a:r>
+            <a:endParaRPr lang="en-US" altLang="ko-KR" sz="1300" spc="-20" dirty="0">
+              <a:solidFill>
+                <a:schemeClr val="tx1">
+                  <a:lumMod val="50000"/>
+                  <a:lumOff val="50000"/>
+                </a:schemeClr>
+              </a:solidFill>
+              <a:latin typeface="Spoqa Han Sans Neo Light" panose="020B0300000000000000" pitchFamily="34" charset="-127"/>
+              <a:ea typeface="Spoqa Han Sans Neo Light" panose="020B0300000000000000" pitchFamily="34" charset="-127"/>
+              <a:cs typeface="KoPubWorld바탕체 Medium" panose="00000600000000000000" pitchFamily="2" charset="-127"/>
+            </a:endParaRPr>
+          </a:p>
+        </p:txBody>
+      </p:sp>
+      <p:sp>
+        <p:nvSpPr>
+          <p:cNvPr id="8" name="TextBox 7">
+            <a:hlinkClick r:id="" action="ppaction://noaction"/>
+            <a:extLst>
+              <a:ext uri="{FF2B5EF4-FFF2-40B4-BE49-F238E27FC236}">
+                <a16:creationId xmlns:a16="http://schemas.microsoft.com/office/drawing/2014/main" id="{C94FE97D-2339-4638-8101-DAB0B79A052D}"/>
+              </a:ext>
+            </a:extLst>
+          </p:cNvPr>
+          <p:cNvSpPr txBox="1"/>
+          <p:nvPr/>
+        </p:nvSpPr>
+        <p:spPr>
+          <a:xfrm>
+            <a:off x="426448" y="4436125"/>
+            <a:ext cx="612000" cy="396000"/>
+          </a:xfrm>
+          <a:prstGeom prst="rect">
+            <a:avLst/>
+          </a:prstGeom>
+          <a:noFill/>
+        </p:spPr>
+        <p:txBody>
+          <a:bodyPr wrap="none" rtlCol="0" anchor="t">
+            <a:noAutofit/>
+          </a:bodyPr>
+          <a:lstStyle>
+            <a:defPPr>
+              <a:defRPr lang="ko-KR"/>
+            </a:defPPr>
+            <a:lvl1pPr>
+              <a:lnSpc>
+                <a:spcPct val="150000"/>
+              </a:lnSpc>
+              <a:defRPr sz="1500" spc="-50">
+                <a:ln>
+                  <a:solidFill>
+                    <a:schemeClr val="accent1">
+                      <a:shade val="50000"/>
+                      <a:alpha val="0"/>
+                    </a:schemeClr>
+                  </a:solidFill>
+                </a:ln>
+                <a:solidFill>
+                  <a:schemeClr val="bg1">
+                    <a:lumMod val="85000"/>
+                  </a:schemeClr>
+                </a:solidFill>
+                <a:latin typeface="KoPubWorld돋움체 Bold" panose="00000800000000000000" pitchFamily="2" charset="-127"/>
+                <a:ea typeface="KoPubWorld돋움체 Bold" panose="00000800000000000000" pitchFamily="2" charset="-127"/>
+                <a:cs typeface="KoPubWorld돋움체 Bold" panose="00000800000000000000" pitchFamily="2" charset="-127"/>
+              </a:defRPr>
+            </a:lvl1pPr>
+          </a:lstStyle>
+          <a:p>
+            <a:r>
+              <a:rPr lang="ko-KR" altLang="en-US" sz="1300" spc="-20" dirty="0">
+                <a:solidFill>
+                  <a:schemeClr val="tx1">
+                    <a:lumMod val="50000"/>
+                    <a:lumOff val="50000"/>
+                  </a:schemeClr>
+                </a:solidFill>
+                <a:latin typeface="Spoqa Han Sans Neo Light" panose="020B0300000000000000" pitchFamily="34" charset="-127"/>
+                <a:ea typeface="Spoqa Han Sans Neo Light" panose="020B0300000000000000" pitchFamily="34" charset="-127"/>
+                <a:cs typeface="KoPubWorld바탕체 Medium" panose="00000600000000000000" pitchFamily="2" charset="-127"/>
+              </a:rPr>
+              <a:t>동기</a:t>
+            </a:r>
+          </a:p>
+        </p:txBody>
+      </p:sp>
+      <p:sp>
+        <p:nvSpPr>
+          <p:cNvPr id="9" name="TextBox 8">
+            <a:hlinkClick r:id="" action="ppaction://noaction"/>
+            <a:extLst>
+              <a:ext uri="{FF2B5EF4-FFF2-40B4-BE49-F238E27FC236}">
+                <a16:creationId xmlns:a16="http://schemas.microsoft.com/office/drawing/2014/main" id="{0A4F64AA-3CE4-4944-B4F9-564170E70624}"/>
+              </a:ext>
+            </a:extLst>
+          </p:cNvPr>
+          <p:cNvSpPr txBox="1"/>
+          <p:nvPr/>
+        </p:nvSpPr>
+        <p:spPr>
+          <a:xfrm>
+            <a:off x="445498" y="5503189"/>
+            <a:ext cx="612000" cy="396000"/>
+          </a:xfrm>
+          <a:prstGeom prst="rect">
+            <a:avLst/>
+          </a:prstGeom>
+          <a:noFill/>
+        </p:spPr>
+        <p:txBody>
+          <a:bodyPr wrap="none" rtlCol="0" anchor="t">
+            <a:noAutofit/>
+          </a:bodyPr>
+          <a:lstStyle>
+            <a:defPPr>
+              <a:defRPr lang="ko-KR"/>
+            </a:defPPr>
+            <a:lvl1pPr>
+              <a:lnSpc>
+                <a:spcPct val="150000"/>
+              </a:lnSpc>
+              <a:defRPr sz="1500" spc="-50">
+                <a:ln>
+                  <a:solidFill>
+                    <a:schemeClr val="accent1">
+                      <a:shade val="50000"/>
+                      <a:alpha val="0"/>
+                    </a:schemeClr>
+                  </a:solidFill>
+                </a:ln>
+                <a:solidFill>
+                  <a:schemeClr val="bg1">
+                    <a:lumMod val="85000"/>
+                  </a:schemeClr>
+                </a:solidFill>
+                <a:latin typeface="KoPubWorld돋움체 Bold" panose="00000800000000000000" pitchFamily="2" charset="-127"/>
+                <a:ea typeface="KoPubWorld돋움체 Bold" panose="00000800000000000000" pitchFamily="2" charset="-127"/>
+                <a:cs typeface="KoPubWorld돋움체 Bold" panose="00000800000000000000" pitchFamily="2" charset="-127"/>
+              </a:defRPr>
+            </a:lvl1pPr>
+          </a:lstStyle>
+          <a:p>
+            <a:r>
+              <a:rPr lang="en-US" altLang="ko-KR" sz="1300" spc="-20" dirty="0">
+                <a:solidFill>
+                  <a:schemeClr val="tx1">
+                    <a:lumMod val="50000"/>
+                    <a:lumOff val="50000"/>
+                  </a:schemeClr>
+                </a:solidFill>
+                <a:latin typeface="Spoqa Han Sans Neo Light" panose="020B0300000000000000" pitchFamily="34" charset="-127"/>
+                <a:ea typeface="Spoqa Han Sans Neo Light" panose="020B0300000000000000" pitchFamily="34" charset="-127"/>
+                <a:cs typeface="KoPubWorld바탕체 Medium" panose="00000600000000000000" pitchFamily="2" charset="-127"/>
+              </a:rPr>
+              <a:t>PR</a:t>
+            </a:r>
+            <a:endParaRPr lang="ko-KR" altLang="en-US" sz="1300" spc="-20" dirty="0">
+              <a:solidFill>
+                <a:schemeClr val="tx1">
+                  <a:lumMod val="50000"/>
+                  <a:lumOff val="50000"/>
+                </a:schemeClr>
+              </a:solidFill>
+              <a:latin typeface="Spoqa Han Sans Neo Light" panose="020B0300000000000000" pitchFamily="34" charset="-127"/>
+              <a:ea typeface="Spoqa Han Sans Neo Light" panose="020B0300000000000000" pitchFamily="34" charset="-127"/>
+              <a:cs typeface="KoPubWorld바탕체 Medium" panose="00000600000000000000" pitchFamily="2" charset="-127"/>
+            </a:endParaRPr>
+          </a:p>
+        </p:txBody>
+      </p:sp>
+      <p:sp>
+        <p:nvSpPr>
+          <p:cNvPr id="12" name="TextBox 11">
+            <a:hlinkClick r:id="rId2" action="ppaction://hlinksldjump"/>
+            <a:extLst>
+              <a:ext uri="{FF2B5EF4-FFF2-40B4-BE49-F238E27FC236}">
+                <a16:creationId xmlns:a16="http://schemas.microsoft.com/office/drawing/2014/main" id="{B31C2DE1-8362-4030-9FCC-52291D8CAF95}"/>
+              </a:ext>
+            </a:extLst>
+          </p:cNvPr>
+          <p:cNvSpPr txBox="1"/>
+          <p:nvPr/>
+        </p:nvSpPr>
+        <p:spPr>
+          <a:xfrm>
+            <a:off x="426448" y="2018505"/>
+            <a:ext cx="612000" cy="396000"/>
+          </a:xfrm>
+          <a:prstGeom prst="rect">
+            <a:avLst/>
+          </a:prstGeom>
+          <a:noFill/>
+        </p:spPr>
+        <p:txBody>
+          <a:bodyPr wrap="none" rtlCol="0" anchor="t">
+            <a:noAutofit/>
+          </a:bodyPr>
+          <a:lstStyle>
+            <a:defPPr>
+              <a:defRPr lang="ko-KR"/>
+            </a:defPPr>
+            <a:lvl1pPr>
+              <a:lnSpc>
+                <a:spcPct val="150000"/>
+              </a:lnSpc>
+              <a:defRPr sz="1500" spc="-50">
+                <a:ln>
+                  <a:solidFill>
+                    <a:schemeClr val="accent1">
+                      <a:shade val="50000"/>
+                      <a:alpha val="0"/>
+                    </a:schemeClr>
+                  </a:solidFill>
+                </a:ln>
+                <a:solidFill>
+                  <a:schemeClr val="bg1">
+                    <a:lumMod val="85000"/>
+                  </a:schemeClr>
+                </a:solidFill>
+                <a:latin typeface="KoPubWorld돋움체 Bold" panose="00000800000000000000" pitchFamily="2" charset="-127"/>
+                <a:ea typeface="KoPubWorld돋움체 Bold" panose="00000800000000000000" pitchFamily="2" charset="-127"/>
+                <a:cs typeface="KoPubWorld돋움체 Bold" panose="00000800000000000000" pitchFamily="2" charset="-127"/>
+              </a:defRPr>
+            </a:lvl1pPr>
+          </a:lstStyle>
+          <a:p>
+            <a:pPr>
+              <a:lnSpc>
+                <a:spcPct val="140000"/>
+              </a:lnSpc>
+            </a:pPr>
+            <a:r>
+              <a:rPr lang="ko-KR" altLang="en-US" sz="1300" dirty="0">
+                <a:solidFill>
+                  <a:schemeClr val="bg1"/>
+                </a:solidFill>
+                <a:latin typeface="Spoqa Han Sans Neo Bold" panose="020B0800000000000000" pitchFamily="34" charset="-127"/>
+                <a:ea typeface="Spoqa Han Sans Neo Bold" panose="020B0800000000000000" pitchFamily="34" charset="-127"/>
+                <a:cs typeface="KoPubWorld바탕체 Medium" panose="00000600000000000000" pitchFamily="2" charset="-127"/>
+              </a:rPr>
+              <a:t>역량</a:t>
+            </a:r>
+            <a:endParaRPr lang="en-US" altLang="ko-KR" sz="1300" dirty="0">
+              <a:solidFill>
+                <a:schemeClr val="bg1"/>
+              </a:solidFill>
+              <a:latin typeface="Spoqa Han Sans Neo Bold" panose="020B0800000000000000" pitchFamily="34" charset="-127"/>
+              <a:ea typeface="Spoqa Han Sans Neo Bold" panose="020B0800000000000000" pitchFamily="34" charset="-127"/>
+              <a:cs typeface="KoPubWorld바탕체 Medium" panose="00000600000000000000" pitchFamily="2" charset="-127"/>
+            </a:endParaRPr>
+          </a:p>
+        </p:txBody>
+      </p:sp>
+      <p:sp>
+        <p:nvSpPr>
+          <p:cNvPr id="14" name="TextBox 13">
+            <a:hlinkClick r:id="rId2" action="ppaction://hlinksldjump"/>
+            <a:extLst>
+              <a:ext uri="{FF2B5EF4-FFF2-40B4-BE49-F238E27FC236}">
+                <a16:creationId xmlns:a16="http://schemas.microsoft.com/office/drawing/2014/main" id="{E474B627-DBE0-4A1A-A6BC-1FCD36686FA2}"/>
+              </a:ext>
+            </a:extLst>
+          </p:cNvPr>
+          <p:cNvSpPr txBox="1"/>
+          <p:nvPr/>
+        </p:nvSpPr>
+        <p:spPr>
+          <a:xfrm>
+            <a:off x="445498" y="902700"/>
+            <a:ext cx="612000" cy="396000"/>
+          </a:xfrm>
+          <a:prstGeom prst="rect">
+            <a:avLst/>
+          </a:prstGeom>
+          <a:noFill/>
+        </p:spPr>
+        <p:txBody>
+          <a:bodyPr wrap="none" rtlCol="0" anchor="t">
+            <a:noAutofit/>
+          </a:bodyPr>
+          <a:lstStyle>
+            <a:defPPr>
+              <a:defRPr lang="ko-KR"/>
+            </a:defPPr>
+            <a:lvl1pPr>
+              <a:lnSpc>
+                <a:spcPct val="150000"/>
+              </a:lnSpc>
+              <a:defRPr sz="1500" spc="-50">
+                <a:ln>
+                  <a:solidFill>
+                    <a:schemeClr val="accent1">
+                      <a:shade val="50000"/>
+                      <a:alpha val="0"/>
+                    </a:schemeClr>
+                  </a:solidFill>
+                </a:ln>
+                <a:solidFill>
+                  <a:schemeClr val="bg1">
+                    <a:lumMod val="85000"/>
+                  </a:schemeClr>
+                </a:solidFill>
+                <a:latin typeface="KoPubWorld돋움체 Bold" panose="00000800000000000000" pitchFamily="2" charset="-127"/>
+                <a:ea typeface="KoPubWorld돋움체 Bold" panose="00000800000000000000" pitchFamily="2" charset="-127"/>
+                <a:cs typeface="KoPubWorld돋움체 Bold" panose="00000800000000000000" pitchFamily="2" charset="-127"/>
+              </a:defRPr>
+            </a:lvl1pPr>
+          </a:lstStyle>
+          <a:p>
+            <a:r>
+              <a:rPr lang="ko-KR" altLang="en-US" sz="1300" spc="-20" dirty="0">
+                <a:solidFill>
+                  <a:schemeClr val="tx1">
+                    <a:lumMod val="50000"/>
+                    <a:lumOff val="50000"/>
+                  </a:schemeClr>
+                </a:solidFill>
+                <a:latin typeface="Spoqa Han Sans Neo Light" panose="020B0300000000000000" pitchFamily="34" charset="-127"/>
+                <a:ea typeface="Spoqa Han Sans Neo Light" panose="020B0300000000000000" pitchFamily="34" charset="-127"/>
+                <a:cs typeface="KoPubWorld바탕체 Medium" panose="00000600000000000000" pitchFamily="2" charset="-127"/>
+              </a:rPr>
+              <a:t>지원</a:t>
+            </a:r>
+            <a:endParaRPr lang="en-US" altLang="ko-KR" sz="1300" spc="-20" dirty="0">
+              <a:solidFill>
+                <a:schemeClr val="tx1">
+                  <a:lumMod val="50000"/>
+                  <a:lumOff val="50000"/>
+                </a:schemeClr>
+              </a:solidFill>
+              <a:latin typeface="Spoqa Han Sans Neo Light" panose="020B0300000000000000" pitchFamily="34" charset="-127"/>
+              <a:ea typeface="Spoqa Han Sans Neo Light" panose="020B0300000000000000" pitchFamily="34" charset="-127"/>
+              <a:cs typeface="KoPubWorld바탕체 Medium" panose="00000600000000000000" pitchFamily="2" charset="-127"/>
+            </a:endParaRPr>
+          </a:p>
+        </p:txBody>
+      </p:sp>
+      <p:graphicFrame>
+        <p:nvGraphicFramePr>
+          <p:cNvPr id="4" name="차트 3">
+            <a:extLst>
+              <a:ext uri="{FF2B5EF4-FFF2-40B4-BE49-F238E27FC236}">
+                <a16:creationId xmlns:a16="http://schemas.microsoft.com/office/drawing/2014/main" id="{D2E8F0BB-A0AA-47A8-8A38-2DF5AF278F7E}"/>
+              </a:ext>
+            </a:extLst>
+          </p:cNvPr>
+          <p:cNvGraphicFramePr/>
+          <p:nvPr>
+            <p:extLst>
+              <p:ext uri="{D42A27DB-BD31-4B8C-83A1-F6EECF244321}">
+                <p14:modId xmlns:p14="http://schemas.microsoft.com/office/powerpoint/2010/main" val="2944084515"/>
+              </p:ext>
+            </p:extLst>
+          </p:nvPr>
+        </p:nvGraphicFramePr>
+        <p:xfrm>
+          <a:off x="1641475" y="1048780"/>
+          <a:ext cx="4254500" cy="4566708"/>
+        </p:xfrm>
+        <a:graphic>
+          <a:graphicData uri="http://schemas.openxmlformats.org/drawingml/2006/chart">
+            <c:chart xmlns:c="http://schemas.openxmlformats.org/drawingml/2006/chart" xmlns:r="http://schemas.openxmlformats.org/officeDocument/2006/relationships" r:id="rId3"/>
+          </a:graphicData>
+        </a:graphic>
+      </p:graphicFrame>
+    </p:spTree>
+    <p:extLst>
+      <p:ext uri="{BB962C8B-B14F-4D97-AF65-F5344CB8AC3E}">
+        <p14:creationId xmlns:p14="http://schemas.microsoft.com/office/powerpoint/2010/main" val="1714890176"/>
+      </p:ext>
+    </p:extLst>
+  </p:cSld>
+  <p:clrMapOvr>
+    <a:masterClrMapping/>
+  </p:clrMapOvr>
+</p:sld>
+</file>
+
+<file path=ppt/slides/slide3.xml><?xml version="1.0" encoding="utf-8"?>
+<p:sld xmlns:a="http://schemas.openxmlformats.org/drawingml/2006/main" xmlns:r="http://schemas.openxmlformats.org/officeDocument/2006/relationships" xmlns:p="http://schemas.openxmlformats.org/presentationml/2006/main">
+  <p:cSld>
+    <p:spTree>
+      <p:nvGrpSpPr>
+        <p:cNvPr id="1" name=""/>
+        <p:cNvGrpSpPr/>
+        <p:nvPr/>
+      </p:nvGrpSpPr>
+      <p:grpSpPr>
+        <a:xfrm>
+          <a:off x="0" y="0"/>
+          <a:ext cx="0" cy="0"/>
+          <a:chOff x="0" y="0"/>
+          <a:chExt cx="0" cy="0"/>
+        </a:xfrm>
+      </p:grpSpPr>
       <p:graphicFrame>
         <p:nvGraphicFramePr>
           <p:cNvPr id="10" name="표 5">
@@ -5540,7 +6948,7 @@
         </p:nvSpPr>
         <p:spPr>
           <a:xfrm>
-            <a:off x="445498" y="2479580"/>
+            <a:off x="445498" y="3155855"/>
             <a:ext cx="612000" cy="396000"/>
           </a:xfrm>
           <a:prstGeom prst="rect">
@@ -5589,247 +6997,6 @@
             <a:endParaRPr lang="en-US" altLang="ko-KR" dirty="0">
               <a:latin typeface="Spoqa Han Sans Neo Bold" panose="020B0800000000000000" pitchFamily="34" charset="-127"/>
               <a:ea typeface="Spoqa Han Sans Neo Bold" panose="020B0800000000000000" pitchFamily="34" charset="-127"/>
-            </a:endParaRPr>
-          </a:p>
-        </p:txBody>
-      </p:sp>
-      <p:sp>
-        <p:nvSpPr>
-          <p:cNvPr id="9" name="TextBox 8">
-            <a:hlinkClick r:id="" action="ppaction://noaction"/>
-            <a:extLst>
-              <a:ext uri="{FF2B5EF4-FFF2-40B4-BE49-F238E27FC236}">
-                <a16:creationId xmlns:a16="http://schemas.microsoft.com/office/drawing/2014/main" id="{607D955B-FB37-417E-B808-FA7D5C3DEBBC}"/>
-              </a:ext>
-            </a:extLst>
-          </p:cNvPr>
-          <p:cNvSpPr txBox="1"/>
-          <p:nvPr/>
-        </p:nvSpPr>
-        <p:spPr>
-          <a:xfrm>
-            <a:off x="445498" y="3991384"/>
-            <a:ext cx="612000" cy="396000"/>
-          </a:xfrm>
-          <a:prstGeom prst="rect">
-            <a:avLst/>
-          </a:prstGeom>
-          <a:noFill/>
-        </p:spPr>
-        <p:txBody>
-          <a:bodyPr wrap="none" rtlCol="0" anchor="t">
-            <a:noAutofit/>
-          </a:bodyPr>
-          <a:lstStyle>
-            <a:defPPr>
-              <a:defRPr lang="ko-KR"/>
-            </a:defPPr>
-            <a:lvl1pPr>
-              <a:lnSpc>
-                <a:spcPct val="150000"/>
-              </a:lnSpc>
-              <a:defRPr sz="1500" spc="-50">
-                <a:ln>
-                  <a:solidFill>
-                    <a:schemeClr val="accent1">
-                      <a:shade val="50000"/>
-                      <a:alpha val="0"/>
-                    </a:schemeClr>
-                  </a:solidFill>
-                </a:ln>
-                <a:solidFill>
-                  <a:schemeClr val="bg1">
-                    <a:lumMod val="85000"/>
-                  </a:schemeClr>
-                </a:solidFill>
-                <a:latin typeface="KoPubWorld돋움체 Bold" panose="00000800000000000000" pitchFamily="2" charset="-127"/>
-                <a:ea typeface="KoPubWorld돋움체 Bold" panose="00000800000000000000" pitchFamily="2" charset="-127"/>
-                <a:cs typeface="KoPubWorld돋움체 Bold" panose="00000800000000000000" pitchFamily="2" charset="-127"/>
-              </a:defRPr>
-            </a:lvl1pPr>
-          </a:lstStyle>
-          <a:p>
-            <a:r>
-              <a:rPr lang="ko-KR" altLang="en-US" sz="1300" spc="-20" dirty="0">
-                <a:solidFill>
-                  <a:schemeClr val="tx1">
-                    <a:lumMod val="50000"/>
-                    <a:lumOff val="50000"/>
-                  </a:schemeClr>
-                </a:solidFill>
-                <a:latin typeface="Spoqa Han Sans Neo Light" panose="020B0300000000000000" pitchFamily="34" charset="-127"/>
-                <a:ea typeface="Spoqa Han Sans Neo Light" panose="020B0300000000000000" pitchFamily="34" charset="-127"/>
-                <a:cs typeface="KoPubWorld바탕체 Medium" panose="00000600000000000000" pitchFamily="2" charset="-127"/>
-              </a:rPr>
-              <a:t>동기</a:t>
-            </a:r>
-          </a:p>
-        </p:txBody>
-      </p:sp>
-      <p:sp>
-        <p:nvSpPr>
-          <p:cNvPr id="11" name="TextBox 10">
-            <a:hlinkClick r:id="" action="ppaction://noaction"/>
-            <a:extLst>
-              <a:ext uri="{FF2B5EF4-FFF2-40B4-BE49-F238E27FC236}">
-                <a16:creationId xmlns:a16="http://schemas.microsoft.com/office/drawing/2014/main" id="{90CC8754-60BF-40FC-AF8F-C3716D8CA95E}"/>
-              </a:ext>
-            </a:extLst>
-          </p:cNvPr>
-          <p:cNvSpPr txBox="1"/>
-          <p:nvPr/>
-        </p:nvSpPr>
-        <p:spPr>
-          <a:xfrm>
-            <a:off x="445498" y="5503189"/>
-            <a:ext cx="612000" cy="396000"/>
-          </a:xfrm>
-          <a:prstGeom prst="rect">
-            <a:avLst/>
-          </a:prstGeom>
-          <a:noFill/>
-        </p:spPr>
-        <p:txBody>
-          <a:bodyPr wrap="none" rtlCol="0" anchor="t">
-            <a:noAutofit/>
-          </a:bodyPr>
-          <a:lstStyle>
-            <a:defPPr>
-              <a:defRPr lang="ko-KR"/>
-            </a:defPPr>
-            <a:lvl1pPr>
-              <a:lnSpc>
-                <a:spcPct val="150000"/>
-              </a:lnSpc>
-              <a:defRPr sz="1500" spc="-50">
-                <a:ln>
-                  <a:solidFill>
-                    <a:schemeClr val="accent1">
-                      <a:shade val="50000"/>
-                      <a:alpha val="0"/>
-                    </a:schemeClr>
-                  </a:solidFill>
-                </a:ln>
-                <a:solidFill>
-                  <a:schemeClr val="bg1">
-                    <a:lumMod val="85000"/>
-                  </a:schemeClr>
-                </a:solidFill>
-                <a:latin typeface="KoPubWorld돋움체 Bold" panose="00000800000000000000" pitchFamily="2" charset="-127"/>
-                <a:ea typeface="KoPubWorld돋움체 Bold" panose="00000800000000000000" pitchFamily="2" charset="-127"/>
-                <a:cs typeface="KoPubWorld돋움체 Bold" panose="00000800000000000000" pitchFamily="2" charset="-127"/>
-              </a:defRPr>
-            </a:lvl1pPr>
-          </a:lstStyle>
-          <a:p>
-            <a:r>
-              <a:rPr lang="en-US" altLang="ko-KR" sz="1300" spc="-20" dirty="0">
-                <a:solidFill>
-                  <a:schemeClr val="tx1">
-                    <a:lumMod val="50000"/>
-                    <a:lumOff val="50000"/>
-                  </a:schemeClr>
-                </a:solidFill>
-                <a:latin typeface="Spoqa Han Sans Neo Light" panose="020B0300000000000000" pitchFamily="34" charset="-127"/>
-                <a:ea typeface="Spoqa Han Sans Neo Light" panose="020B0300000000000000" pitchFamily="34" charset="-127"/>
-                <a:cs typeface="KoPubWorld바탕체 Medium" panose="00000600000000000000" pitchFamily="2" charset="-127"/>
-              </a:rPr>
-              <a:t>PR</a:t>
-            </a:r>
-            <a:endParaRPr lang="ko-KR" altLang="en-US" sz="1300" spc="-20" dirty="0">
-              <a:solidFill>
-                <a:schemeClr val="tx1">
-                  <a:lumMod val="50000"/>
-                  <a:lumOff val="50000"/>
-                </a:schemeClr>
-              </a:solidFill>
-              <a:latin typeface="Spoqa Han Sans Neo Light" panose="020B0300000000000000" pitchFamily="34" charset="-127"/>
-              <a:ea typeface="Spoqa Han Sans Neo Light" panose="020B0300000000000000" pitchFamily="34" charset="-127"/>
-              <a:cs typeface="KoPubWorld바탕체 Medium" panose="00000600000000000000" pitchFamily="2" charset="-127"/>
-            </a:endParaRPr>
-          </a:p>
-        </p:txBody>
-      </p:sp>
-      <p:sp>
-        <p:nvSpPr>
-          <p:cNvPr id="12" name="TextBox 11">
-            <a:hlinkClick r:id="rId2" action="ppaction://hlinksldjump"/>
-            <a:extLst>
-              <a:ext uri="{FF2B5EF4-FFF2-40B4-BE49-F238E27FC236}">
-                <a16:creationId xmlns:a16="http://schemas.microsoft.com/office/drawing/2014/main" id="{E7E8BFC1-B7AC-472A-9C6D-7DE92065FA65}"/>
-              </a:ext>
-            </a:extLst>
-          </p:cNvPr>
-          <p:cNvSpPr txBox="1"/>
-          <p:nvPr/>
-        </p:nvSpPr>
-        <p:spPr>
-          <a:xfrm>
-            <a:off x="445498" y="902700"/>
-            <a:ext cx="612000" cy="396000"/>
-          </a:xfrm>
-          <a:prstGeom prst="rect">
-            <a:avLst/>
-          </a:prstGeom>
-          <a:noFill/>
-        </p:spPr>
-        <p:txBody>
-          <a:bodyPr wrap="none" rtlCol="0" anchor="t">
-            <a:noAutofit/>
-          </a:bodyPr>
-          <a:lstStyle>
-            <a:defPPr>
-              <a:defRPr lang="ko-KR"/>
-            </a:defPPr>
-            <a:lvl1pPr>
-              <a:lnSpc>
-                <a:spcPct val="150000"/>
-              </a:lnSpc>
-              <a:defRPr sz="1500" spc="-50">
-                <a:ln>
-                  <a:solidFill>
-                    <a:schemeClr val="accent1">
-                      <a:shade val="50000"/>
-                      <a:alpha val="0"/>
-                    </a:schemeClr>
-                  </a:solidFill>
-                </a:ln>
-                <a:solidFill>
-                  <a:schemeClr val="bg1">
-                    <a:lumMod val="85000"/>
-                  </a:schemeClr>
-                </a:solidFill>
-                <a:latin typeface="KoPubWorld돋움체 Bold" panose="00000800000000000000" pitchFamily="2" charset="-127"/>
-                <a:ea typeface="KoPubWorld돋움체 Bold" panose="00000800000000000000" pitchFamily="2" charset="-127"/>
-                <a:cs typeface="KoPubWorld돋움체 Bold" panose="00000800000000000000" pitchFamily="2" charset="-127"/>
-              </a:defRPr>
-            </a:lvl1pPr>
-          </a:lstStyle>
-          <a:p>
-            <a:r>
-              <a:rPr lang="ko-KR" altLang="en-US" sz="1300" spc="-20">
-                <a:solidFill>
-                  <a:schemeClr val="tx1">
-                    <a:lumMod val="50000"/>
-                    <a:lumOff val="50000"/>
-                  </a:schemeClr>
-                </a:solidFill>
-                <a:latin typeface="Spoqa Han Sans Neo Light" panose="020B0300000000000000" pitchFamily="34" charset="-127"/>
-                <a:ea typeface="Spoqa Han Sans Neo Light" panose="020B0300000000000000" pitchFamily="34" charset="-127"/>
-                <a:cs typeface="KoPubWorld바탕체 Medium" panose="00000600000000000000" pitchFamily="2" charset="-127"/>
-              </a:rPr>
-              <a:t>지원</a:t>
-            </a:r>
-            <a:endParaRPr lang="en-US" altLang="ko-KR" sz="1300" spc="-20">
-              <a:solidFill>
-                <a:schemeClr val="tx1">
-                  <a:lumMod val="50000"/>
-                  <a:lumOff val="50000"/>
-                </a:schemeClr>
-              </a:solidFill>
-              <a:latin typeface="Spoqa Han Sans Neo Light" panose="020B0300000000000000" pitchFamily="34" charset="-127"/>
-              <a:ea typeface="Spoqa Han Sans Neo Light" panose="020B0300000000000000" pitchFamily="34" charset="-127"/>
-              <a:cs typeface="KoPubWorld바탕체 Medium" panose="00000600000000000000" pitchFamily="2" charset="-127"/>
             </a:endParaRPr>
           </a:p>
         </p:txBody>
@@ -7480,6 +8647,331 @@
           </a:graphicData>
         </a:graphic>
       </p:graphicFrame>
+      <p:sp>
+        <p:nvSpPr>
+          <p:cNvPr id="16" name="TextBox 15">
+            <a:hlinkClick r:id="" action="ppaction://noaction"/>
+            <a:extLst>
+              <a:ext uri="{FF2B5EF4-FFF2-40B4-BE49-F238E27FC236}">
+                <a16:creationId xmlns:a16="http://schemas.microsoft.com/office/drawing/2014/main" id="{A95F72B6-0C79-4234-ACB1-971ABFCB6A04}"/>
+              </a:ext>
+            </a:extLst>
+          </p:cNvPr>
+          <p:cNvSpPr txBox="1"/>
+          <p:nvPr/>
+        </p:nvSpPr>
+        <p:spPr>
+          <a:xfrm>
+            <a:off x="426448" y="4436125"/>
+            <a:ext cx="612000" cy="396000"/>
+          </a:xfrm>
+          <a:prstGeom prst="rect">
+            <a:avLst/>
+          </a:prstGeom>
+          <a:noFill/>
+        </p:spPr>
+        <p:txBody>
+          <a:bodyPr wrap="none" rtlCol="0" anchor="t">
+            <a:noAutofit/>
+          </a:bodyPr>
+          <a:lstStyle>
+            <a:defPPr>
+              <a:defRPr lang="ko-KR"/>
+            </a:defPPr>
+            <a:lvl1pPr>
+              <a:lnSpc>
+                <a:spcPct val="150000"/>
+              </a:lnSpc>
+              <a:defRPr sz="1500" spc="-50">
+                <a:ln>
+                  <a:solidFill>
+                    <a:schemeClr val="accent1">
+                      <a:shade val="50000"/>
+                      <a:alpha val="0"/>
+                    </a:schemeClr>
+                  </a:solidFill>
+                </a:ln>
+                <a:solidFill>
+                  <a:schemeClr val="bg1">
+                    <a:lumMod val="85000"/>
+                  </a:schemeClr>
+                </a:solidFill>
+                <a:latin typeface="KoPubWorld돋움체 Bold" panose="00000800000000000000" pitchFamily="2" charset="-127"/>
+                <a:ea typeface="KoPubWorld돋움체 Bold" panose="00000800000000000000" pitchFamily="2" charset="-127"/>
+                <a:cs typeface="KoPubWorld돋움체 Bold" panose="00000800000000000000" pitchFamily="2" charset="-127"/>
+              </a:defRPr>
+            </a:lvl1pPr>
+          </a:lstStyle>
+          <a:p>
+            <a:r>
+              <a:rPr lang="ko-KR" altLang="en-US" sz="1300" spc="-20" dirty="0">
+                <a:solidFill>
+                  <a:schemeClr val="tx1">
+                    <a:lumMod val="50000"/>
+                    <a:lumOff val="50000"/>
+                  </a:schemeClr>
+                </a:solidFill>
+                <a:latin typeface="Spoqa Han Sans Neo Light" panose="020B0300000000000000" pitchFamily="34" charset="-127"/>
+                <a:ea typeface="Spoqa Han Sans Neo Light" panose="020B0300000000000000" pitchFamily="34" charset="-127"/>
+                <a:cs typeface="KoPubWorld바탕체 Medium" panose="00000600000000000000" pitchFamily="2" charset="-127"/>
+              </a:rPr>
+              <a:t>동기</a:t>
+            </a:r>
+          </a:p>
+        </p:txBody>
+      </p:sp>
+      <p:sp>
+        <p:nvSpPr>
+          <p:cNvPr id="17" name="TextBox 16">
+            <a:hlinkClick r:id="" action="ppaction://noaction"/>
+            <a:extLst>
+              <a:ext uri="{FF2B5EF4-FFF2-40B4-BE49-F238E27FC236}">
+                <a16:creationId xmlns:a16="http://schemas.microsoft.com/office/drawing/2014/main" id="{237F2B61-53D6-4BA8-B3CF-D79035C4502B}"/>
+              </a:ext>
+            </a:extLst>
+          </p:cNvPr>
+          <p:cNvSpPr txBox="1"/>
+          <p:nvPr/>
+        </p:nvSpPr>
+        <p:spPr>
+          <a:xfrm>
+            <a:off x="445498" y="5503189"/>
+            <a:ext cx="612000" cy="396000"/>
+          </a:xfrm>
+          <a:prstGeom prst="rect">
+            <a:avLst/>
+          </a:prstGeom>
+          <a:noFill/>
+        </p:spPr>
+        <p:txBody>
+          <a:bodyPr wrap="none" rtlCol="0" anchor="t">
+            <a:noAutofit/>
+          </a:bodyPr>
+          <a:lstStyle>
+            <a:defPPr>
+              <a:defRPr lang="ko-KR"/>
+            </a:defPPr>
+            <a:lvl1pPr>
+              <a:lnSpc>
+                <a:spcPct val="150000"/>
+              </a:lnSpc>
+              <a:defRPr sz="1500" spc="-50">
+                <a:ln>
+                  <a:solidFill>
+                    <a:schemeClr val="accent1">
+                      <a:shade val="50000"/>
+                      <a:alpha val="0"/>
+                    </a:schemeClr>
+                  </a:solidFill>
+                </a:ln>
+                <a:solidFill>
+                  <a:schemeClr val="bg1">
+                    <a:lumMod val="85000"/>
+                  </a:schemeClr>
+                </a:solidFill>
+                <a:latin typeface="KoPubWorld돋움체 Bold" panose="00000800000000000000" pitchFamily="2" charset="-127"/>
+                <a:ea typeface="KoPubWorld돋움체 Bold" panose="00000800000000000000" pitchFamily="2" charset="-127"/>
+                <a:cs typeface="KoPubWorld돋움체 Bold" panose="00000800000000000000" pitchFamily="2" charset="-127"/>
+              </a:defRPr>
+            </a:lvl1pPr>
+          </a:lstStyle>
+          <a:p>
+            <a:r>
+              <a:rPr lang="en-US" altLang="ko-KR" sz="1300" spc="-20" dirty="0">
+                <a:solidFill>
+                  <a:schemeClr val="tx1">
+                    <a:lumMod val="50000"/>
+                    <a:lumOff val="50000"/>
+                  </a:schemeClr>
+                </a:solidFill>
+                <a:latin typeface="Spoqa Han Sans Neo Light" panose="020B0300000000000000" pitchFamily="34" charset="-127"/>
+                <a:ea typeface="Spoqa Han Sans Neo Light" panose="020B0300000000000000" pitchFamily="34" charset="-127"/>
+                <a:cs typeface="KoPubWorld바탕체 Medium" panose="00000600000000000000" pitchFamily="2" charset="-127"/>
+              </a:rPr>
+              <a:t>PR</a:t>
+            </a:r>
+            <a:endParaRPr lang="ko-KR" altLang="en-US" sz="1300" spc="-20" dirty="0">
+              <a:solidFill>
+                <a:schemeClr val="tx1">
+                  <a:lumMod val="50000"/>
+                  <a:lumOff val="50000"/>
+                </a:schemeClr>
+              </a:solidFill>
+              <a:latin typeface="Spoqa Han Sans Neo Light" panose="020B0300000000000000" pitchFamily="34" charset="-127"/>
+              <a:ea typeface="Spoqa Han Sans Neo Light" panose="020B0300000000000000" pitchFamily="34" charset="-127"/>
+              <a:cs typeface="KoPubWorld바탕체 Medium" panose="00000600000000000000" pitchFamily="2" charset="-127"/>
+            </a:endParaRPr>
+          </a:p>
+        </p:txBody>
+      </p:sp>
+      <p:sp>
+        <p:nvSpPr>
+          <p:cNvPr id="19" name="TextBox 18">
+            <a:hlinkClick r:id="rId2" action="ppaction://hlinksldjump"/>
+            <a:extLst>
+              <a:ext uri="{FF2B5EF4-FFF2-40B4-BE49-F238E27FC236}">
+                <a16:creationId xmlns:a16="http://schemas.microsoft.com/office/drawing/2014/main" id="{6A32F380-7F67-4800-B2FA-643E004AEB04}"/>
+              </a:ext>
+            </a:extLst>
+          </p:cNvPr>
+          <p:cNvSpPr txBox="1"/>
+          <p:nvPr/>
+        </p:nvSpPr>
+        <p:spPr>
+          <a:xfrm>
+            <a:off x="445498" y="902700"/>
+            <a:ext cx="612000" cy="396000"/>
+          </a:xfrm>
+          <a:prstGeom prst="rect">
+            <a:avLst/>
+          </a:prstGeom>
+          <a:noFill/>
+        </p:spPr>
+        <p:txBody>
+          <a:bodyPr wrap="none" rtlCol="0" anchor="t">
+            <a:noAutofit/>
+          </a:bodyPr>
+          <a:lstStyle>
+            <a:defPPr>
+              <a:defRPr lang="ko-KR"/>
+            </a:defPPr>
+            <a:lvl1pPr>
+              <a:lnSpc>
+                <a:spcPct val="150000"/>
+              </a:lnSpc>
+              <a:defRPr sz="1500" spc="-50">
+                <a:ln>
+                  <a:solidFill>
+                    <a:schemeClr val="accent1">
+                      <a:shade val="50000"/>
+                      <a:alpha val="0"/>
+                    </a:schemeClr>
+                  </a:solidFill>
+                </a:ln>
+                <a:solidFill>
+                  <a:schemeClr val="bg1">
+                    <a:lumMod val="85000"/>
+                  </a:schemeClr>
+                </a:solidFill>
+                <a:latin typeface="KoPubWorld돋움체 Bold" panose="00000800000000000000" pitchFamily="2" charset="-127"/>
+                <a:ea typeface="KoPubWorld돋움체 Bold" panose="00000800000000000000" pitchFamily="2" charset="-127"/>
+                <a:cs typeface="KoPubWorld돋움체 Bold" panose="00000800000000000000" pitchFamily="2" charset="-127"/>
+              </a:defRPr>
+            </a:lvl1pPr>
+          </a:lstStyle>
+          <a:p>
+            <a:r>
+              <a:rPr lang="ko-KR" altLang="en-US" sz="1300" spc="-20" dirty="0">
+                <a:solidFill>
+                  <a:schemeClr val="tx1">
+                    <a:lumMod val="50000"/>
+                    <a:lumOff val="50000"/>
+                  </a:schemeClr>
+                </a:solidFill>
+                <a:latin typeface="Spoqa Han Sans Neo Light" panose="020B0300000000000000" pitchFamily="34" charset="-127"/>
+                <a:ea typeface="Spoqa Han Sans Neo Light" panose="020B0300000000000000" pitchFamily="34" charset="-127"/>
+                <a:cs typeface="KoPubWorld바탕체 Medium" panose="00000600000000000000" pitchFamily="2" charset="-127"/>
+              </a:rPr>
+              <a:t>지원</a:t>
+            </a:r>
+            <a:endParaRPr lang="en-US" altLang="ko-KR" sz="1300" spc="-20" dirty="0">
+              <a:solidFill>
+                <a:schemeClr val="tx1">
+                  <a:lumMod val="50000"/>
+                  <a:lumOff val="50000"/>
+                </a:schemeClr>
+              </a:solidFill>
+              <a:latin typeface="Spoqa Han Sans Neo Light" panose="020B0300000000000000" pitchFamily="34" charset="-127"/>
+              <a:ea typeface="Spoqa Han Sans Neo Light" panose="020B0300000000000000" pitchFamily="34" charset="-127"/>
+              <a:cs typeface="KoPubWorld바탕체 Medium" panose="00000600000000000000" pitchFamily="2" charset="-127"/>
+            </a:endParaRPr>
+          </a:p>
+        </p:txBody>
+      </p:sp>
+      <p:sp>
+        <p:nvSpPr>
+          <p:cNvPr id="20" name="TextBox 19">
+            <a:hlinkClick r:id="rId2" action="ppaction://hlinksldjump"/>
+            <a:extLst>
+              <a:ext uri="{FF2B5EF4-FFF2-40B4-BE49-F238E27FC236}">
+                <a16:creationId xmlns:a16="http://schemas.microsoft.com/office/drawing/2014/main" id="{19973964-721E-4E5E-A230-D352713E0563}"/>
+              </a:ext>
+            </a:extLst>
+          </p:cNvPr>
+          <p:cNvSpPr txBox="1"/>
+          <p:nvPr/>
+        </p:nvSpPr>
+        <p:spPr>
+          <a:xfrm>
+            <a:off x="445498" y="2007600"/>
+            <a:ext cx="612000" cy="396000"/>
+          </a:xfrm>
+          <a:prstGeom prst="rect">
+            <a:avLst/>
+          </a:prstGeom>
+          <a:noFill/>
+        </p:spPr>
+        <p:txBody>
+          <a:bodyPr wrap="none" rtlCol="0" anchor="t">
+            <a:noAutofit/>
+          </a:bodyPr>
+          <a:lstStyle>
+            <a:defPPr>
+              <a:defRPr lang="ko-KR"/>
+            </a:defPPr>
+            <a:lvl1pPr>
+              <a:lnSpc>
+                <a:spcPct val="150000"/>
+              </a:lnSpc>
+              <a:defRPr sz="1500" spc="-50">
+                <a:ln>
+                  <a:solidFill>
+                    <a:schemeClr val="accent1">
+                      <a:shade val="50000"/>
+                      <a:alpha val="0"/>
+                    </a:schemeClr>
+                  </a:solidFill>
+                </a:ln>
+                <a:solidFill>
+                  <a:schemeClr val="bg1">
+                    <a:lumMod val="85000"/>
+                  </a:schemeClr>
+                </a:solidFill>
+                <a:latin typeface="KoPubWorld돋움체 Bold" panose="00000800000000000000" pitchFamily="2" charset="-127"/>
+                <a:ea typeface="KoPubWorld돋움체 Bold" panose="00000800000000000000" pitchFamily="2" charset="-127"/>
+                <a:cs typeface="KoPubWorld돋움체 Bold" panose="00000800000000000000" pitchFamily="2" charset="-127"/>
+              </a:defRPr>
+            </a:lvl1pPr>
+          </a:lstStyle>
+          <a:p>
+            <a:r>
+              <a:rPr lang="ko-KR" altLang="en-US" sz="1300" spc="-20" dirty="0">
+                <a:solidFill>
+                  <a:schemeClr val="tx1">
+                    <a:lumMod val="50000"/>
+                    <a:lumOff val="50000"/>
+                  </a:schemeClr>
+                </a:solidFill>
+                <a:latin typeface="Spoqa Han Sans Neo Light" panose="020B0300000000000000" pitchFamily="34" charset="-127"/>
+                <a:ea typeface="Spoqa Han Sans Neo Light" panose="020B0300000000000000" pitchFamily="34" charset="-127"/>
+                <a:cs typeface="KoPubWorld바탕체 Medium" panose="00000600000000000000" pitchFamily="2" charset="-127"/>
+              </a:rPr>
+              <a:t>역량</a:t>
+            </a:r>
+            <a:endParaRPr lang="en-US" altLang="ko-KR" sz="1300" spc="-20" dirty="0">
+              <a:solidFill>
+                <a:schemeClr val="tx1">
+                  <a:lumMod val="50000"/>
+                  <a:lumOff val="50000"/>
+                </a:schemeClr>
+              </a:solidFill>
+              <a:latin typeface="Spoqa Han Sans Neo Light" panose="020B0300000000000000" pitchFamily="34" charset="-127"/>
+              <a:ea typeface="Spoqa Han Sans Neo Light" panose="020B0300000000000000" pitchFamily="34" charset="-127"/>
+              <a:cs typeface="KoPubWorld바탕체 Medium" panose="00000600000000000000" pitchFamily="2" charset="-127"/>
+            </a:endParaRPr>
+          </a:p>
+        </p:txBody>
+      </p:sp>
     </p:spTree>
     <p:extLst>
       <p:ext uri="{BB962C8B-B14F-4D97-AF65-F5344CB8AC3E}">
@@ -7493,7 +8985,7 @@
 </p:sld>
 </file>
 
-<file path=ppt/slides/slide3.xml><?xml version="1.0" encoding="utf-8"?>
+<file path=ppt/slides/slide4.xml><?xml version="1.0" encoding="utf-8"?>
 <p:sld xmlns:a="http://schemas.openxmlformats.org/drawingml/2006/main" xmlns:r="http://schemas.openxmlformats.org/officeDocument/2006/relationships" xmlns:p="http://schemas.openxmlformats.org/presentationml/2006/main">
   <p:cSld>
     <p:spTree>
@@ -8683,11 +10175,11 @@
       </p:sp>
       <p:sp>
         <p:nvSpPr>
-          <p:cNvPr id="7" name="TextBox 6">
+          <p:cNvPr id="12" name="TextBox 11">
             <a:hlinkClick r:id="" action="ppaction://noaction"/>
             <a:extLst>
               <a:ext uri="{FF2B5EF4-FFF2-40B4-BE49-F238E27FC236}">
-                <a16:creationId xmlns:a16="http://schemas.microsoft.com/office/drawing/2014/main" id="{7E757CFF-1709-4058-93CA-D79D5394286C}"/>
+                <a16:creationId xmlns:a16="http://schemas.microsoft.com/office/drawing/2014/main" id="{19834F35-9A5C-4747-BB05-22D19134C3D6}"/>
               </a:ext>
             </a:extLst>
           </p:cNvPr>
@@ -8696,7 +10188,7 @@
         </p:nvSpPr>
         <p:spPr>
           <a:xfrm>
-            <a:off x="445498" y="2479580"/>
+            <a:off x="445498" y="3155855"/>
             <a:ext cx="612000" cy="396000"/>
           </a:xfrm>
           <a:prstGeom prst="rect">
@@ -8736,38 +10228,36 @@
           </a:lstStyle>
           <a:p>
             <a:r>
-              <a:rPr lang="ko-KR" altLang="en-US" spc="-20" dirty="0">
-                <a:solidFill>
-                  <a:schemeClr val="tx1">
+              <a:rPr lang="ko-KR" altLang="en-US" dirty="0">
+                <a:solidFill>
+                  <a:schemeClr val="bg2">
                     <a:lumMod val="50000"/>
-                    <a:lumOff val="50000"/>
                   </a:schemeClr>
                 </a:solidFill>
-                <a:latin typeface="Spoqa Han Sans Neo Light" panose="020B0300000000000000" pitchFamily="34" charset="-127"/>
-                <a:ea typeface="Spoqa Han Sans Neo Light" panose="020B0300000000000000" pitchFamily="34" charset="-127"/>
+                <a:latin typeface="Spoqa Han Sans Neo Light" panose="020B0300000000000000" pitchFamily="50" charset="-127"/>
+                <a:ea typeface="Spoqa Han Sans Neo Light" panose="020B0300000000000000" pitchFamily="50" charset="-127"/>
               </a:rPr>
               <a:t>이력</a:t>
             </a:r>
-            <a:endParaRPr lang="en-US" altLang="ko-KR" spc="-20" dirty="0">
+            <a:endParaRPr lang="en-US" altLang="ko-KR" dirty="0">
               <a:solidFill>
-                <a:schemeClr val="tx1">
+                <a:schemeClr val="bg2">
                   <a:lumMod val="50000"/>
-                  <a:lumOff val="50000"/>
                 </a:schemeClr>
               </a:solidFill>
-              <a:latin typeface="Spoqa Han Sans Neo Light" panose="020B0300000000000000" pitchFamily="34" charset="-127"/>
-              <a:ea typeface="Spoqa Han Sans Neo Light" panose="020B0300000000000000" pitchFamily="34" charset="-127"/>
+              <a:latin typeface="Spoqa Han Sans Neo Light" panose="020B0300000000000000" pitchFamily="50" charset="-127"/>
+              <a:ea typeface="Spoqa Han Sans Neo Light" panose="020B0300000000000000" pitchFamily="50" charset="-127"/>
             </a:endParaRPr>
           </a:p>
         </p:txBody>
       </p:sp>
       <p:sp>
         <p:nvSpPr>
-          <p:cNvPr id="9" name="TextBox 8">
+          <p:cNvPr id="13" name="TextBox 12">
             <a:hlinkClick r:id="" action="ppaction://noaction"/>
             <a:extLst>
               <a:ext uri="{FF2B5EF4-FFF2-40B4-BE49-F238E27FC236}">
-                <a16:creationId xmlns:a16="http://schemas.microsoft.com/office/drawing/2014/main" id="{85EA9951-7114-417B-9003-B638141F1E7F}"/>
+                <a16:creationId xmlns:a16="http://schemas.microsoft.com/office/drawing/2014/main" id="{D491DBC4-60CE-4C33-A6DC-012DCB7FCA3C}"/>
               </a:ext>
             </a:extLst>
           </p:cNvPr>
@@ -8776,7 +10266,7 @@
         </p:nvSpPr>
         <p:spPr>
           <a:xfrm>
-            <a:off x="445498" y="3991384"/>
+            <a:off x="426448" y="4436125"/>
             <a:ext cx="612000" cy="396000"/>
           </a:xfrm>
           <a:prstGeom prst="rect">
@@ -8817,18 +10307,13 @@
             </a:lvl1pPr>
           </a:lstStyle>
           <a:p>
-            <a:pPr>
-              <a:lnSpc>
-                <a:spcPct val="140000"/>
-              </a:lnSpc>
-            </a:pPr>
-            <a:r>
-              <a:rPr lang="ko-KR" altLang="en-US" sz="1300" dirty="0">
-                <a:solidFill>
-                  <a:schemeClr val="bg1"/>
-                </a:solidFill>
-                <a:latin typeface="Spoqa Han Sans Neo Bold" panose="020B0800000000000000" pitchFamily="34" charset="-127"/>
-                <a:ea typeface="Spoqa Han Sans Neo Bold" panose="020B0800000000000000" pitchFamily="34" charset="-127"/>
+            <a:r>
+              <a:rPr lang="ko-KR" altLang="en-US" sz="1300" spc="-20" dirty="0">
+                <a:solidFill>
+                  <a:schemeClr val="bg1"/>
+                </a:solidFill>
+                <a:latin typeface="Spoqa Han Sans Neo Bold" panose="020B0800000000000000" pitchFamily="50" charset="-127"/>
+                <a:ea typeface="Spoqa Han Sans Neo Bold" panose="020B0800000000000000" pitchFamily="50" charset="-127"/>
                 <a:cs typeface="KoPubWorld바탕체 Medium" panose="00000600000000000000" pitchFamily="2" charset="-127"/>
               </a:rPr>
               <a:t>동기</a:t>
@@ -8838,11 +10323,11 @@
       </p:sp>
       <p:sp>
         <p:nvSpPr>
-          <p:cNvPr id="10" name="TextBox 9">
+          <p:cNvPr id="14" name="TextBox 13">
             <a:hlinkClick r:id="" action="ppaction://noaction"/>
             <a:extLst>
               <a:ext uri="{FF2B5EF4-FFF2-40B4-BE49-F238E27FC236}">
-                <a16:creationId xmlns:a16="http://schemas.microsoft.com/office/drawing/2014/main" id="{A4490756-A1C7-4932-BAC5-FCBA0EC728A9}"/>
+                <a16:creationId xmlns:a16="http://schemas.microsoft.com/office/drawing/2014/main" id="{73D894EA-9C9D-4727-B28F-633481B45081}"/>
               </a:ext>
             </a:extLst>
           </p:cNvPr>
@@ -8922,11 +10407,11 @@
       </p:sp>
       <p:sp>
         <p:nvSpPr>
-          <p:cNvPr id="11" name="TextBox 10">
+          <p:cNvPr id="15" name="TextBox 14">
             <a:hlinkClick r:id="rId2" action="ppaction://hlinksldjump"/>
             <a:extLst>
               <a:ext uri="{FF2B5EF4-FFF2-40B4-BE49-F238E27FC236}">
-                <a16:creationId xmlns:a16="http://schemas.microsoft.com/office/drawing/2014/main" id="{696E72CC-C8E7-4324-BF10-02D17594F640}"/>
+                <a16:creationId xmlns:a16="http://schemas.microsoft.com/office/drawing/2014/main" id="{40E80788-1D36-4A3B-9BFD-2557ED842C18}"/>
               </a:ext>
             </a:extLst>
           </p:cNvPr>
@@ -8977,7 +10462,7 @@
           </a:lstStyle>
           <a:p>
             <a:r>
-              <a:rPr lang="ko-KR" altLang="en-US" sz="1300" spc="-20">
+              <a:rPr lang="ko-KR" altLang="en-US" sz="1300" spc="-20" dirty="0">
                 <a:solidFill>
                   <a:schemeClr val="tx1">
                     <a:lumMod val="50000"/>
@@ -8990,7 +10475,91 @@
               </a:rPr>
               <a:t>지원</a:t>
             </a:r>
-            <a:endParaRPr lang="en-US" altLang="ko-KR" sz="1300" spc="-20">
+            <a:endParaRPr lang="en-US" altLang="ko-KR" sz="1300" spc="-20" dirty="0">
+              <a:solidFill>
+                <a:schemeClr val="tx1">
+                  <a:lumMod val="50000"/>
+                  <a:lumOff val="50000"/>
+                </a:schemeClr>
+              </a:solidFill>
+              <a:latin typeface="Spoqa Han Sans Neo Light" panose="020B0300000000000000" pitchFamily="34" charset="-127"/>
+              <a:ea typeface="Spoqa Han Sans Neo Light" panose="020B0300000000000000" pitchFamily="34" charset="-127"/>
+              <a:cs typeface="KoPubWorld바탕체 Medium" panose="00000600000000000000" pitchFamily="2" charset="-127"/>
+            </a:endParaRPr>
+          </a:p>
+        </p:txBody>
+      </p:sp>
+      <p:sp>
+        <p:nvSpPr>
+          <p:cNvPr id="16" name="TextBox 15">
+            <a:hlinkClick r:id="rId2" action="ppaction://hlinksldjump"/>
+            <a:extLst>
+              <a:ext uri="{FF2B5EF4-FFF2-40B4-BE49-F238E27FC236}">
+                <a16:creationId xmlns:a16="http://schemas.microsoft.com/office/drawing/2014/main" id="{55A5D747-0A5A-46BD-B66D-B81B89DCFC5A}"/>
+              </a:ext>
+            </a:extLst>
+          </p:cNvPr>
+          <p:cNvSpPr txBox="1"/>
+          <p:nvPr/>
+        </p:nvSpPr>
+        <p:spPr>
+          <a:xfrm>
+            <a:off x="445498" y="2007600"/>
+            <a:ext cx="612000" cy="396000"/>
+          </a:xfrm>
+          <a:prstGeom prst="rect">
+            <a:avLst/>
+          </a:prstGeom>
+          <a:noFill/>
+        </p:spPr>
+        <p:txBody>
+          <a:bodyPr wrap="none" rtlCol="0" anchor="t">
+            <a:noAutofit/>
+          </a:bodyPr>
+          <a:lstStyle>
+            <a:defPPr>
+              <a:defRPr lang="ko-KR"/>
+            </a:defPPr>
+            <a:lvl1pPr>
+              <a:lnSpc>
+                <a:spcPct val="150000"/>
+              </a:lnSpc>
+              <a:defRPr sz="1500" spc="-50">
+                <a:ln>
+                  <a:solidFill>
+                    <a:schemeClr val="accent1">
+                      <a:shade val="50000"/>
+                      <a:alpha val="0"/>
+                    </a:schemeClr>
+                  </a:solidFill>
+                </a:ln>
+                <a:solidFill>
+                  <a:schemeClr val="bg1">
+                    <a:lumMod val="85000"/>
+                  </a:schemeClr>
+                </a:solidFill>
+                <a:latin typeface="KoPubWorld돋움체 Bold" panose="00000800000000000000" pitchFamily="2" charset="-127"/>
+                <a:ea typeface="KoPubWorld돋움체 Bold" panose="00000800000000000000" pitchFamily="2" charset="-127"/>
+                <a:cs typeface="KoPubWorld돋움체 Bold" panose="00000800000000000000" pitchFamily="2" charset="-127"/>
+              </a:defRPr>
+            </a:lvl1pPr>
+          </a:lstStyle>
+          <a:p>
+            <a:r>
+              <a:rPr lang="ko-KR" altLang="en-US" sz="1300" spc="-20" dirty="0">
+                <a:solidFill>
+                  <a:schemeClr val="tx1">
+                    <a:lumMod val="50000"/>
+                    <a:lumOff val="50000"/>
+                  </a:schemeClr>
+                </a:solidFill>
+                <a:latin typeface="Spoqa Han Sans Neo Light" panose="020B0300000000000000" pitchFamily="34" charset="-127"/>
+                <a:ea typeface="Spoqa Han Sans Neo Light" panose="020B0300000000000000" pitchFamily="34" charset="-127"/>
+                <a:cs typeface="KoPubWorld바탕체 Medium" panose="00000600000000000000" pitchFamily="2" charset="-127"/>
+              </a:rPr>
+              <a:t>역량</a:t>
+            </a:r>
+            <a:endParaRPr lang="en-US" altLang="ko-KR" sz="1300" spc="-20" dirty="0">
               <a:solidFill>
                 <a:schemeClr val="tx1">
                   <a:lumMod val="50000"/>
@@ -9017,7 +10586,7 @@
 </p:sld>
 </file>
 
-<file path=ppt/slides/slide4.xml><?xml version="1.0" encoding="utf-8"?>
+<file path=ppt/slides/slide5.xml><?xml version="1.0" encoding="utf-8"?>
 <p:sld xmlns:a="http://schemas.openxmlformats.org/drawingml/2006/main" xmlns:r="http://schemas.openxmlformats.org/officeDocument/2006/relationships" xmlns:p="http://schemas.openxmlformats.org/presentationml/2006/main">
   <p:cSld>
     <p:spTree>
@@ -9034,331 +10603,6 @@
           <a:chExt cx="0" cy="0"/>
         </a:xfrm>
       </p:grpSpPr>
-      <p:sp>
-        <p:nvSpPr>
-          <p:cNvPr id="7" name="TextBox 6">
-            <a:hlinkClick r:id="" action="ppaction://noaction"/>
-            <a:extLst>
-              <a:ext uri="{FF2B5EF4-FFF2-40B4-BE49-F238E27FC236}">
-                <a16:creationId xmlns:a16="http://schemas.microsoft.com/office/drawing/2014/main" id="{7E757CFF-1709-4058-93CA-D79D5394286C}"/>
-              </a:ext>
-            </a:extLst>
-          </p:cNvPr>
-          <p:cNvSpPr txBox="1"/>
-          <p:nvPr/>
-        </p:nvSpPr>
-        <p:spPr>
-          <a:xfrm>
-            <a:off x="445498" y="2479580"/>
-            <a:ext cx="612000" cy="396000"/>
-          </a:xfrm>
-          <a:prstGeom prst="rect">
-            <a:avLst/>
-          </a:prstGeom>
-          <a:noFill/>
-        </p:spPr>
-        <p:txBody>
-          <a:bodyPr wrap="none" rtlCol="0" anchor="t">
-            <a:noAutofit/>
-          </a:bodyPr>
-          <a:lstStyle>
-            <a:defPPr>
-              <a:defRPr lang="ko-KR"/>
-            </a:defPPr>
-            <a:lvl1pPr>
-              <a:lnSpc>
-                <a:spcPct val="140000"/>
-              </a:lnSpc>
-              <a:defRPr sz="1300" spc="-50">
-                <a:ln>
-                  <a:solidFill>
-                    <a:schemeClr val="accent1">
-                      <a:shade val="50000"/>
-                      <a:alpha val="0"/>
-                    </a:schemeClr>
-                  </a:solidFill>
-                </a:ln>
-                <a:solidFill>
-                  <a:schemeClr val="bg1"/>
-                </a:solidFill>
-                <a:latin typeface="SpoqaHanSans-Bold" panose="020B0800000000000000" pitchFamily="50" charset="-127"/>
-                <a:ea typeface="SpoqaHanSans-Bold" panose="020B0800000000000000" pitchFamily="50" charset="-127"/>
-                <a:cs typeface="KoPubWorld바탕체 Medium" panose="00000600000000000000" pitchFamily="2" charset="-127"/>
-              </a:defRPr>
-            </a:lvl1pPr>
-          </a:lstStyle>
-          <a:p>
-            <a:r>
-              <a:rPr lang="ko-KR" altLang="en-US" spc="-20">
-                <a:solidFill>
-                  <a:schemeClr val="tx1">
-                    <a:lumMod val="50000"/>
-                    <a:lumOff val="50000"/>
-                  </a:schemeClr>
-                </a:solidFill>
-                <a:latin typeface="Spoqa Han Sans Neo Light" panose="020B0300000000000000" pitchFamily="34" charset="-127"/>
-                <a:ea typeface="Spoqa Han Sans Neo Light" panose="020B0300000000000000" pitchFamily="34" charset="-127"/>
-              </a:rPr>
-              <a:t>이력</a:t>
-            </a:r>
-            <a:endParaRPr lang="en-US" altLang="ko-KR" spc="-20">
-              <a:solidFill>
-                <a:schemeClr val="tx1">
-                  <a:lumMod val="50000"/>
-                  <a:lumOff val="50000"/>
-                </a:schemeClr>
-              </a:solidFill>
-              <a:latin typeface="Spoqa Han Sans Neo Light" panose="020B0300000000000000" pitchFamily="34" charset="-127"/>
-              <a:ea typeface="Spoqa Han Sans Neo Light" panose="020B0300000000000000" pitchFamily="34" charset="-127"/>
-            </a:endParaRPr>
-          </a:p>
-        </p:txBody>
-      </p:sp>
-      <p:sp>
-        <p:nvSpPr>
-          <p:cNvPr id="9" name="TextBox 8">
-            <a:hlinkClick r:id="" action="ppaction://noaction"/>
-            <a:extLst>
-              <a:ext uri="{FF2B5EF4-FFF2-40B4-BE49-F238E27FC236}">
-                <a16:creationId xmlns:a16="http://schemas.microsoft.com/office/drawing/2014/main" id="{85EA9951-7114-417B-9003-B638141F1E7F}"/>
-              </a:ext>
-            </a:extLst>
-          </p:cNvPr>
-          <p:cNvSpPr txBox="1"/>
-          <p:nvPr/>
-        </p:nvSpPr>
-        <p:spPr>
-          <a:xfrm>
-            <a:off x="445498" y="3991384"/>
-            <a:ext cx="612000" cy="396000"/>
-          </a:xfrm>
-          <a:prstGeom prst="rect">
-            <a:avLst/>
-          </a:prstGeom>
-          <a:noFill/>
-        </p:spPr>
-        <p:txBody>
-          <a:bodyPr wrap="none" rtlCol="0" anchor="t">
-            <a:noAutofit/>
-          </a:bodyPr>
-          <a:lstStyle>
-            <a:defPPr>
-              <a:defRPr lang="ko-KR"/>
-            </a:defPPr>
-            <a:lvl1pPr>
-              <a:lnSpc>
-                <a:spcPct val="150000"/>
-              </a:lnSpc>
-              <a:defRPr sz="1500" spc="-50">
-                <a:ln>
-                  <a:solidFill>
-                    <a:schemeClr val="accent1">
-                      <a:shade val="50000"/>
-                      <a:alpha val="0"/>
-                    </a:schemeClr>
-                  </a:solidFill>
-                </a:ln>
-                <a:solidFill>
-                  <a:schemeClr val="bg1">
-                    <a:lumMod val="85000"/>
-                  </a:schemeClr>
-                </a:solidFill>
-                <a:latin typeface="KoPubWorld돋움체 Bold" panose="00000800000000000000" pitchFamily="2" charset="-127"/>
-                <a:ea typeface="KoPubWorld돋움체 Bold" panose="00000800000000000000" pitchFamily="2" charset="-127"/>
-                <a:cs typeface="KoPubWorld돋움체 Bold" panose="00000800000000000000" pitchFamily="2" charset="-127"/>
-              </a:defRPr>
-            </a:lvl1pPr>
-          </a:lstStyle>
-          <a:p>
-            <a:pPr>
-              <a:lnSpc>
-                <a:spcPct val="140000"/>
-              </a:lnSpc>
-            </a:pPr>
-            <a:r>
-              <a:rPr lang="ko-KR" altLang="en-US" sz="1300" spc="-20">
-                <a:solidFill>
-                  <a:schemeClr val="tx1">
-                    <a:lumMod val="50000"/>
-                    <a:lumOff val="50000"/>
-                  </a:schemeClr>
-                </a:solidFill>
-                <a:latin typeface="Spoqa Han Sans Neo Light" panose="020B0300000000000000" pitchFamily="34" charset="-127"/>
-                <a:ea typeface="Spoqa Han Sans Neo Light" panose="020B0300000000000000" pitchFamily="34" charset="-127"/>
-                <a:cs typeface="KoPubWorld바탕체 Medium" panose="00000600000000000000" pitchFamily="2" charset="-127"/>
-              </a:rPr>
-              <a:t>동기</a:t>
-            </a:r>
-          </a:p>
-        </p:txBody>
-      </p:sp>
-      <p:sp>
-        <p:nvSpPr>
-          <p:cNvPr id="10" name="TextBox 9">
-            <a:hlinkClick r:id="" action="ppaction://noaction"/>
-            <a:extLst>
-              <a:ext uri="{FF2B5EF4-FFF2-40B4-BE49-F238E27FC236}">
-                <a16:creationId xmlns:a16="http://schemas.microsoft.com/office/drawing/2014/main" id="{A4490756-A1C7-4932-BAC5-FCBA0EC728A9}"/>
-              </a:ext>
-            </a:extLst>
-          </p:cNvPr>
-          <p:cNvSpPr txBox="1"/>
-          <p:nvPr/>
-        </p:nvSpPr>
-        <p:spPr>
-          <a:xfrm>
-            <a:off x="445498" y="5503189"/>
-            <a:ext cx="612000" cy="396000"/>
-          </a:xfrm>
-          <a:prstGeom prst="rect">
-            <a:avLst/>
-          </a:prstGeom>
-          <a:noFill/>
-        </p:spPr>
-        <p:txBody>
-          <a:bodyPr wrap="none" rtlCol="0" anchor="t">
-            <a:noAutofit/>
-          </a:bodyPr>
-          <a:lstStyle>
-            <a:defPPr>
-              <a:defRPr lang="ko-KR"/>
-            </a:defPPr>
-            <a:lvl1pPr>
-              <a:lnSpc>
-                <a:spcPct val="150000"/>
-              </a:lnSpc>
-              <a:defRPr sz="1500" spc="-50">
-                <a:ln>
-                  <a:solidFill>
-                    <a:schemeClr val="accent1">
-                      <a:shade val="50000"/>
-                      <a:alpha val="0"/>
-                    </a:schemeClr>
-                  </a:solidFill>
-                </a:ln>
-                <a:solidFill>
-                  <a:schemeClr val="bg1">
-                    <a:lumMod val="85000"/>
-                  </a:schemeClr>
-                </a:solidFill>
-                <a:latin typeface="KoPubWorld돋움체 Bold" panose="00000800000000000000" pitchFamily="2" charset="-127"/>
-                <a:ea typeface="KoPubWorld돋움체 Bold" panose="00000800000000000000" pitchFamily="2" charset="-127"/>
-                <a:cs typeface="KoPubWorld돋움체 Bold" panose="00000800000000000000" pitchFamily="2" charset="-127"/>
-              </a:defRPr>
-            </a:lvl1pPr>
-          </a:lstStyle>
-          <a:p>
-            <a:pPr>
-              <a:lnSpc>
-                <a:spcPct val="140000"/>
-              </a:lnSpc>
-            </a:pPr>
-            <a:r>
-              <a:rPr lang="en-US" altLang="ko-KR" sz="1300" dirty="0">
-                <a:solidFill>
-                  <a:schemeClr val="bg1"/>
-                </a:solidFill>
-                <a:latin typeface="Spoqa Han Sans Neo Bold" panose="020B0800000000000000" pitchFamily="34" charset="-127"/>
-                <a:ea typeface="Spoqa Han Sans Neo Bold" panose="020B0800000000000000" pitchFamily="34" charset="-127"/>
-                <a:cs typeface="KoPubWorld바탕체 Medium" panose="00000600000000000000" pitchFamily="2" charset="-127"/>
-              </a:rPr>
-              <a:t>PR</a:t>
-            </a:r>
-            <a:endParaRPr lang="ko-KR" altLang="en-US" sz="1300" dirty="0">
-              <a:solidFill>
-                <a:schemeClr val="bg1"/>
-              </a:solidFill>
-              <a:latin typeface="Spoqa Han Sans Neo Bold" panose="020B0800000000000000" pitchFamily="34" charset="-127"/>
-              <a:ea typeface="Spoqa Han Sans Neo Bold" panose="020B0800000000000000" pitchFamily="34" charset="-127"/>
-              <a:cs typeface="KoPubWorld바탕체 Medium" panose="00000600000000000000" pitchFamily="2" charset="-127"/>
-            </a:endParaRPr>
-          </a:p>
-        </p:txBody>
-      </p:sp>
-      <p:sp>
-        <p:nvSpPr>
-          <p:cNvPr id="11" name="TextBox 10">
-            <a:hlinkClick r:id="rId2" action="ppaction://hlinksldjump"/>
-            <a:extLst>
-              <a:ext uri="{FF2B5EF4-FFF2-40B4-BE49-F238E27FC236}">
-                <a16:creationId xmlns:a16="http://schemas.microsoft.com/office/drawing/2014/main" id="{696E72CC-C8E7-4324-BF10-02D17594F640}"/>
-              </a:ext>
-            </a:extLst>
-          </p:cNvPr>
-          <p:cNvSpPr txBox="1"/>
-          <p:nvPr/>
-        </p:nvSpPr>
-        <p:spPr>
-          <a:xfrm>
-            <a:off x="445498" y="902700"/>
-            <a:ext cx="612000" cy="396000"/>
-          </a:xfrm>
-          <a:prstGeom prst="rect">
-            <a:avLst/>
-          </a:prstGeom>
-          <a:noFill/>
-        </p:spPr>
-        <p:txBody>
-          <a:bodyPr wrap="none" rtlCol="0" anchor="t">
-            <a:noAutofit/>
-          </a:bodyPr>
-          <a:lstStyle>
-            <a:defPPr>
-              <a:defRPr lang="ko-KR"/>
-            </a:defPPr>
-            <a:lvl1pPr>
-              <a:lnSpc>
-                <a:spcPct val="150000"/>
-              </a:lnSpc>
-              <a:defRPr sz="1500" spc="-50">
-                <a:ln>
-                  <a:solidFill>
-                    <a:schemeClr val="accent1">
-                      <a:shade val="50000"/>
-                      <a:alpha val="0"/>
-                    </a:schemeClr>
-                  </a:solidFill>
-                </a:ln>
-                <a:solidFill>
-                  <a:schemeClr val="bg1">
-                    <a:lumMod val="85000"/>
-                  </a:schemeClr>
-                </a:solidFill>
-                <a:latin typeface="KoPubWorld돋움체 Bold" panose="00000800000000000000" pitchFamily="2" charset="-127"/>
-                <a:ea typeface="KoPubWorld돋움체 Bold" panose="00000800000000000000" pitchFamily="2" charset="-127"/>
-                <a:cs typeface="KoPubWorld돋움체 Bold" panose="00000800000000000000" pitchFamily="2" charset="-127"/>
-              </a:defRPr>
-            </a:lvl1pPr>
-          </a:lstStyle>
-          <a:p>
-            <a:r>
-              <a:rPr lang="ko-KR" altLang="en-US" sz="1300" spc="-20">
-                <a:solidFill>
-                  <a:schemeClr val="tx1">
-                    <a:lumMod val="50000"/>
-                    <a:lumOff val="50000"/>
-                  </a:schemeClr>
-                </a:solidFill>
-                <a:latin typeface="Spoqa Han Sans Neo Light" panose="020B0300000000000000" pitchFamily="34" charset="-127"/>
-                <a:ea typeface="Spoqa Han Sans Neo Light" panose="020B0300000000000000" pitchFamily="34" charset="-127"/>
-                <a:cs typeface="KoPubWorld바탕체 Medium" panose="00000600000000000000" pitchFamily="2" charset="-127"/>
-              </a:rPr>
-              <a:t>지원</a:t>
-            </a:r>
-            <a:endParaRPr lang="en-US" altLang="ko-KR" sz="1300" spc="-20">
-              <a:solidFill>
-                <a:schemeClr val="tx1">
-                  <a:lumMod val="50000"/>
-                  <a:lumOff val="50000"/>
-                </a:schemeClr>
-              </a:solidFill>
-              <a:latin typeface="Spoqa Han Sans Neo Light" panose="020B0300000000000000" pitchFamily="34" charset="-127"/>
-              <a:ea typeface="Spoqa Han Sans Neo Light" panose="020B0300000000000000" pitchFamily="34" charset="-127"/>
-              <a:cs typeface="KoPubWorld바탕체 Medium" panose="00000600000000000000" pitchFamily="2" charset="-127"/>
-            </a:endParaRPr>
-          </a:p>
-        </p:txBody>
-      </p:sp>
       <p:sp>
         <p:nvSpPr>
           <p:cNvPr id="13" name="TextBox 12">
@@ -10851,43 +12095,13 @@
           </a:p>
         </p:txBody>
       </p:sp>
-    </p:spTree>
-    <p:extLst>
-      <p:ext uri="{BB962C8B-B14F-4D97-AF65-F5344CB8AC3E}">
-        <p14:creationId xmlns:p14="http://schemas.microsoft.com/office/powerpoint/2010/main" val="2360214509"/>
-      </p:ext>
-    </p:extLst>
-  </p:cSld>
-  <p:clrMapOvr>
-    <a:masterClrMapping/>
-  </p:clrMapOvr>
-</p:sld>
-</file>
-
-<file path=ppt/slides/slide5.xml><?xml version="1.0" encoding="utf-8"?>
-<p:sld xmlns:a="http://schemas.openxmlformats.org/drawingml/2006/main" xmlns:r="http://schemas.openxmlformats.org/officeDocument/2006/relationships" xmlns:p="http://schemas.openxmlformats.org/presentationml/2006/main">
-  <p:cSld>
-    <p:spTree>
-      <p:nvGrpSpPr>
-        <p:cNvPr id="1" name=""/>
-        <p:cNvGrpSpPr/>
-        <p:nvPr/>
-      </p:nvGrpSpPr>
-      <p:grpSpPr>
-        <a:xfrm>
-          <a:off x="0" y="0"/>
-          <a:ext cx="0" cy="0"/>
-          <a:chOff x="0" y="0"/>
-          <a:chExt cx="0" cy="0"/>
-        </a:xfrm>
-      </p:grpSpPr>
       <p:sp>
         <p:nvSpPr>
-          <p:cNvPr id="7" name="TextBox 6">
+          <p:cNvPr id="8" name="TextBox 7">
             <a:hlinkClick r:id="" action="ppaction://noaction"/>
             <a:extLst>
               <a:ext uri="{FF2B5EF4-FFF2-40B4-BE49-F238E27FC236}">
-                <a16:creationId xmlns:a16="http://schemas.microsoft.com/office/drawing/2014/main" id="{7E757CFF-1709-4058-93CA-D79D5394286C}"/>
+                <a16:creationId xmlns:a16="http://schemas.microsoft.com/office/drawing/2014/main" id="{34737B8A-99C7-4D68-9CD8-A2B552C13D5E}"/>
               </a:ext>
             </a:extLst>
           </p:cNvPr>
@@ -10896,7 +12110,7 @@
         </p:nvSpPr>
         <p:spPr>
           <a:xfrm>
-            <a:off x="445498" y="2479580"/>
+            <a:off x="445498" y="3155855"/>
             <a:ext cx="612000" cy="396000"/>
           </a:xfrm>
           <a:prstGeom prst="rect">
@@ -10936,38 +12150,36 @@
           </a:lstStyle>
           <a:p>
             <a:r>
-              <a:rPr lang="ko-KR" altLang="en-US" spc="-20">
-                <a:solidFill>
-                  <a:schemeClr val="tx1">
+              <a:rPr lang="ko-KR" altLang="en-US" dirty="0">
+                <a:solidFill>
+                  <a:schemeClr val="bg2">
                     <a:lumMod val="50000"/>
-                    <a:lumOff val="50000"/>
                   </a:schemeClr>
                 </a:solidFill>
-                <a:latin typeface="Spoqa Han Sans Neo Light" panose="020B0300000000000000" pitchFamily="34" charset="-127"/>
-                <a:ea typeface="Spoqa Han Sans Neo Light" panose="020B0300000000000000" pitchFamily="34" charset="-127"/>
+                <a:latin typeface="Spoqa Han Sans Neo Light" panose="020B0300000000000000" pitchFamily="50" charset="-127"/>
+                <a:ea typeface="Spoqa Han Sans Neo Light" panose="020B0300000000000000" pitchFamily="50" charset="-127"/>
               </a:rPr>
               <a:t>이력</a:t>
             </a:r>
-            <a:endParaRPr lang="en-US" altLang="ko-KR" spc="-20">
+            <a:endParaRPr lang="en-US" altLang="ko-KR" dirty="0">
               <a:solidFill>
-                <a:schemeClr val="tx1">
+                <a:schemeClr val="bg2">
                   <a:lumMod val="50000"/>
-                  <a:lumOff val="50000"/>
                 </a:schemeClr>
               </a:solidFill>
-              <a:latin typeface="Spoqa Han Sans Neo Light" panose="020B0300000000000000" pitchFamily="34" charset="-127"/>
-              <a:ea typeface="Spoqa Han Sans Neo Light" panose="020B0300000000000000" pitchFamily="34" charset="-127"/>
+              <a:latin typeface="Spoqa Han Sans Neo Light" panose="020B0300000000000000" pitchFamily="50" charset="-127"/>
+              <a:ea typeface="Spoqa Han Sans Neo Light" panose="020B0300000000000000" pitchFamily="50" charset="-127"/>
             </a:endParaRPr>
           </a:p>
         </p:txBody>
       </p:sp>
       <p:sp>
         <p:nvSpPr>
-          <p:cNvPr id="9" name="TextBox 8">
+          <p:cNvPr id="12" name="TextBox 11">
             <a:hlinkClick r:id="" action="ppaction://noaction"/>
             <a:extLst>
               <a:ext uri="{FF2B5EF4-FFF2-40B4-BE49-F238E27FC236}">
-                <a16:creationId xmlns:a16="http://schemas.microsoft.com/office/drawing/2014/main" id="{85EA9951-7114-417B-9003-B638141F1E7F}"/>
+                <a16:creationId xmlns:a16="http://schemas.microsoft.com/office/drawing/2014/main" id="{0614C12E-48E9-4E01-936A-A1FEE1B66AED}"/>
               </a:ext>
             </a:extLst>
           </p:cNvPr>
@@ -10976,7 +12188,7 @@
         </p:nvSpPr>
         <p:spPr>
           <a:xfrm>
-            <a:off x="445498" y="3991384"/>
+            <a:off x="435973" y="4436125"/>
             <a:ext cx="612000" cy="396000"/>
           </a:xfrm>
           <a:prstGeom prst="rect">
@@ -11017,21 +12229,15 @@
             </a:lvl1pPr>
           </a:lstStyle>
           <a:p>
-            <a:pPr>
-              <a:lnSpc>
-                <a:spcPct val="140000"/>
-              </a:lnSpc>
-            </a:pPr>
-            <a:r>
-              <a:rPr lang="ko-KR" altLang="en-US" sz="1300" spc="-20">
-                <a:solidFill>
-                  <a:schemeClr val="tx1">
+            <a:r>
+              <a:rPr lang="ko-KR" altLang="en-US" sz="1300" spc="-20" dirty="0">
+                <a:solidFill>
+                  <a:schemeClr val="bg2">
                     <a:lumMod val="50000"/>
-                    <a:lumOff val="50000"/>
                   </a:schemeClr>
                 </a:solidFill>
-                <a:latin typeface="Spoqa Han Sans Neo Light" panose="020B0300000000000000" pitchFamily="34" charset="-127"/>
-                <a:ea typeface="Spoqa Han Sans Neo Light" panose="020B0300000000000000" pitchFamily="34" charset="-127"/>
+                <a:latin typeface="Spoqa Han Sans Neo Light" panose="020B0300000000000000" pitchFamily="50" charset="-127"/>
+                <a:ea typeface="Spoqa Han Sans Neo Light" panose="020B0300000000000000" pitchFamily="50" charset="-127"/>
                 <a:cs typeface="KoPubWorld바탕체 Medium" panose="00000600000000000000" pitchFamily="2" charset="-127"/>
               </a:rPr>
               <a:t>동기</a:t>
@@ -11041,11 +12247,11 @@
       </p:sp>
       <p:sp>
         <p:nvSpPr>
-          <p:cNvPr id="10" name="TextBox 9">
+          <p:cNvPr id="14" name="TextBox 13">
             <a:hlinkClick r:id="" action="ppaction://noaction"/>
             <a:extLst>
               <a:ext uri="{FF2B5EF4-FFF2-40B4-BE49-F238E27FC236}">
-                <a16:creationId xmlns:a16="http://schemas.microsoft.com/office/drawing/2014/main" id="{A4490756-A1C7-4932-BAC5-FCBA0EC728A9}"/>
+                <a16:creationId xmlns:a16="http://schemas.microsoft.com/office/drawing/2014/main" id="{0A9EF7AE-0581-482B-A13C-CFCEC13C7074}"/>
               </a:ext>
             </a:extLst>
           </p:cNvPr>
@@ -11095,28 +12301,23 @@
             </a:lvl1pPr>
           </a:lstStyle>
           <a:p>
-            <a:pPr>
-              <a:lnSpc>
-                <a:spcPct val="140000"/>
-              </a:lnSpc>
-            </a:pPr>
-            <a:r>
-              <a:rPr lang="en-US" altLang="ko-KR" sz="1300" dirty="0">
-                <a:solidFill>
-                  <a:schemeClr val="bg1"/>
-                </a:solidFill>
-                <a:latin typeface="Spoqa Han Sans Neo Bold" panose="020B0800000000000000" pitchFamily="34" charset="-127"/>
-                <a:ea typeface="Spoqa Han Sans Neo Bold" panose="020B0800000000000000" pitchFamily="34" charset="-127"/>
+            <a:r>
+              <a:rPr lang="en-US" altLang="ko-KR" sz="1300" spc="-20" dirty="0">
+                <a:solidFill>
+                  <a:schemeClr val="bg1"/>
+                </a:solidFill>
+                <a:latin typeface="Spoqa Han Sans Neo Bold" panose="020B0800000000000000" pitchFamily="50" charset="-127"/>
+                <a:ea typeface="Spoqa Han Sans Neo Bold" panose="020B0800000000000000" pitchFamily="50" charset="-127"/>
                 <a:cs typeface="KoPubWorld바탕체 Medium" panose="00000600000000000000" pitchFamily="2" charset="-127"/>
               </a:rPr>
               <a:t>PR</a:t>
             </a:r>
-            <a:endParaRPr lang="ko-KR" altLang="en-US" sz="1300" dirty="0">
+            <a:endParaRPr lang="ko-KR" altLang="en-US" sz="1300" spc="-20" dirty="0">
               <a:solidFill>
                 <a:schemeClr val="bg1"/>
               </a:solidFill>
-              <a:latin typeface="Spoqa Han Sans Neo Bold" panose="020B0800000000000000" pitchFamily="34" charset="-127"/>
-              <a:ea typeface="Spoqa Han Sans Neo Bold" panose="020B0800000000000000" pitchFamily="34" charset="-127"/>
+              <a:latin typeface="Spoqa Han Sans Neo Bold" panose="020B0800000000000000" pitchFamily="50" charset="-127"/>
+              <a:ea typeface="Spoqa Han Sans Neo Bold" panose="020B0800000000000000" pitchFamily="50" charset="-127"/>
               <a:cs typeface="KoPubWorld바탕체 Medium" panose="00000600000000000000" pitchFamily="2" charset="-127"/>
             </a:endParaRPr>
           </a:p>
@@ -11124,11 +12325,11 @@
       </p:sp>
       <p:sp>
         <p:nvSpPr>
-          <p:cNvPr id="11" name="TextBox 10">
+          <p:cNvPr id="15" name="TextBox 14">
             <a:hlinkClick r:id="rId2" action="ppaction://hlinksldjump"/>
             <a:extLst>
               <a:ext uri="{FF2B5EF4-FFF2-40B4-BE49-F238E27FC236}">
-                <a16:creationId xmlns:a16="http://schemas.microsoft.com/office/drawing/2014/main" id="{696E72CC-C8E7-4324-BF10-02D17594F640}"/>
+                <a16:creationId xmlns:a16="http://schemas.microsoft.com/office/drawing/2014/main" id="{EBCC8645-A24B-47C8-BDEF-0EEA35DD6AF9}"/>
               </a:ext>
             </a:extLst>
           </p:cNvPr>
@@ -11179,7 +12380,7 @@
           </a:lstStyle>
           <a:p>
             <a:r>
-              <a:rPr lang="ko-KR" altLang="en-US" sz="1300" spc="-20">
+              <a:rPr lang="ko-KR" altLang="en-US" sz="1300" spc="-20" dirty="0">
                 <a:solidFill>
                   <a:schemeClr val="tx1">
                     <a:lumMod val="50000"/>
@@ -11192,7 +12393,7 @@
               </a:rPr>
               <a:t>지원</a:t>
             </a:r>
-            <a:endParaRPr lang="en-US" altLang="ko-KR" sz="1300" spc="-20">
+            <a:endParaRPr lang="en-US" altLang="ko-KR" sz="1300" spc="-20" dirty="0">
               <a:solidFill>
                 <a:schemeClr val="tx1">
                   <a:lumMod val="50000"/>
@@ -11206,6 +12407,120 @@
           </a:p>
         </p:txBody>
       </p:sp>
+      <p:sp>
+        <p:nvSpPr>
+          <p:cNvPr id="16" name="TextBox 15">
+            <a:hlinkClick r:id="rId2" action="ppaction://hlinksldjump"/>
+            <a:extLst>
+              <a:ext uri="{FF2B5EF4-FFF2-40B4-BE49-F238E27FC236}">
+                <a16:creationId xmlns:a16="http://schemas.microsoft.com/office/drawing/2014/main" id="{D751C7E0-A4CF-4848-AD9F-1552367FF6F5}"/>
+              </a:ext>
+            </a:extLst>
+          </p:cNvPr>
+          <p:cNvSpPr txBox="1"/>
+          <p:nvPr/>
+        </p:nvSpPr>
+        <p:spPr>
+          <a:xfrm>
+            <a:off x="445498" y="2007600"/>
+            <a:ext cx="612000" cy="396000"/>
+          </a:xfrm>
+          <a:prstGeom prst="rect">
+            <a:avLst/>
+          </a:prstGeom>
+          <a:noFill/>
+        </p:spPr>
+        <p:txBody>
+          <a:bodyPr wrap="none" rtlCol="0" anchor="t">
+            <a:noAutofit/>
+          </a:bodyPr>
+          <a:lstStyle>
+            <a:defPPr>
+              <a:defRPr lang="ko-KR"/>
+            </a:defPPr>
+            <a:lvl1pPr>
+              <a:lnSpc>
+                <a:spcPct val="150000"/>
+              </a:lnSpc>
+              <a:defRPr sz="1500" spc="-50">
+                <a:ln>
+                  <a:solidFill>
+                    <a:schemeClr val="accent1">
+                      <a:shade val="50000"/>
+                      <a:alpha val="0"/>
+                    </a:schemeClr>
+                  </a:solidFill>
+                </a:ln>
+                <a:solidFill>
+                  <a:schemeClr val="bg1">
+                    <a:lumMod val="85000"/>
+                  </a:schemeClr>
+                </a:solidFill>
+                <a:latin typeface="KoPubWorld돋움체 Bold" panose="00000800000000000000" pitchFamily="2" charset="-127"/>
+                <a:ea typeface="KoPubWorld돋움체 Bold" panose="00000800000000000000" pitchFamily="2" charset="-127"/>
+                <a:cs typeface="KoPubWorld돋움체 Bold" panose="00000800000000000000" pitchFamily="2" charset="-127"/>
+              </a:defRPr>
+            </a:lvl1pPr>
+          </a:lstStyle>
+          <a:p>
+            <a:r>
+              <a:rPr lang="ko-KR" altLang="en-US" sz="1300" spc="-20" dirty="0">
+                <a:solidFill>
+                  <a:schemeClr val="tx1">
+                    <a:lumMod val="50000"/>
+                    <a:lumOff val="50000"/>
+                  </a:schemeClr>
+                </a:solidFill>
+                <a:latin typeface="Spoqa Han Sans Neo Light" panose="020B0300000000000000" pitchFamily="34" charset="-127"/>
+                <a:ea typeface="Spoqa Han Sans Neo Light" panose="020B0300000000000000" pitchFamily="34" charset="-127"/>
+                <a:cs typeface="KoPubWorld바탕체 Medium" panose="00000600000000000000" pitchFamily="2" charset="-127"/>
+              </a:rPr>
+              <a:t>역량</a:t>
+            </a:r>
+            <a:endParaRPr lang="en-US" altLang="ko-KR" sz="1300" spc="-20" dirty="0">
+              <a:solidFill>
+                <a:schemeClr val="tx1">
+                  <a:lumMod val="50000"/>
+                  <a:lumOff val="50000"/>
+                </a:schemeClr>
+              </a:solidFill>
+              <a:latin typeface="Spoqa Han Sans Neo Light" panose="020B0300000000000000" pitchFamily="34" charset="-127"/>
+              <a:ea typeface="Spoqa Han Sans Neo Light" panose="020B0300000000000000" pitchFamily="34" charset="-127"/>
+              <a:cs typeface="KoPubWorld바탕체 Medium" panose="00000600000000000000" pitchFamily="2" charset="-127"/>
+            </a:endParaRPr>
+          </a:p>
+        </p:txBody>
+      </p:sp>
+    </p:spTree>
+    <p:extLst>
+      <p:ext uri="{BB962C8B-B14F-4D97-AF65-F5344CB8AC3E}">
+        <p14:creationId xmlns:p14="http://schemas.microsoft.com/office/powerpoint/2010/main" val="2360214509"/>
+      </p:ext>
+    </p:extLst>
+  </p:cSld>
+  <p:clrMapOvr>
+    <a:masterClrMapping/>
+  </p:clrMapOvr>
+</p:sld>
+</file>
+
+<file path=ppt/slides/slide6.xml><?xml version="1.0" encoding="utf-8"?>
+<p:sld xmlns:a="http://schemas.openxmlformats.org/drawingml/2006/main" xmlns:r="http://schemas.openxmlformats.org/officeDocument/2006/relationships" xmlns:p="http://schemas.openxmlformats.org/presentationml/2006/main">
+  <p:cSld>
+    <p:spTree>
+      <p:nvGrpSpPr>
+        <p:cNvPr id="1" name=""/>
+        <p:cNvGrpSpPr/>
+        <p:nvPr/>
+      </p:nvGrpSpPr>
+      <p:grpSpPr>
+        <a:xfrm>
+          <a:off x="0" y="0"/>
+          <a:ext cx="0" cy="0"/>
+          <a:chOff x="0" y="0"/>
+          <a:chExt cx="0" cy="0"/>
+        </a:xfrm>
+      </p:grpSpPr>
       <p:sp>
         <p:nvSpPr>
           <p:cNvPr id="13" name="TextBox 12">
@@ -12522,6 +13837,402 @@
               </a:solidFill>
               <a:latin typeface="Spoqa Han Sans Neo Medium" pitchFamily="50" charset="-127"/>
               <a:ea typeface="Spoqa Han Sans Neo Medium" pitchFamily="50" charset="-127"/>
+              <a:cs typeface="KoPubWorld바탕체 Medium" panose="00000600000000000000" pitchFamily="2" charset="-127"/>
+            </a:endParaRPr>
+          </a:p>
+        </p:txBody>
+      </p:sp>
+      <p:sp>
+        <p:nvSpPr>
+          <p:cNvPr id="8" name="TextBox 7">
+            <a:hlinkClick r:id="" action="ppaction://noaction"/>
+            <a:extLst>
+              <a:ext uri="{FF2B5EF4-FFF2-40B4-BE49-F238E27FC236}">
+                <a16:creationId xmlns:a16="http://schemas.microsoft.com/office/drawing/2014/main" id="{D3BA75A5-58F6-40B2-A638-1B3FC5A7BC30}"/>
+              </a:ext>
+            </a:extLst>
+          </p:cNvPr>
+          <p:cNvSpPr txBox="1"/>
+          <p:nvPr/>
+        </p:nvSpPr>
+        <p:spPr>
+          <a:xfrm>
+            <a:off x="445498" y="3155855"/>
+            <a:ext cx="612000" cy="396000"/>
+          </a:xfrm>
+          <a:prstGeom prst="rect">
+            <a:avLst/>
+          </a:prstGeom>
+          <a:noFill/>
+        </p:spPr>
+        <p:txBody>
+          <a:bodyPr wrap="none" rtlCol="0" anchor="t">
+            <a:noAutofit/>
+          </a:bodyPr>
+          <a:lstStyle>
+            <a:defPPr>
+              <a:defRPr lang="ko-KR"/>
+            </a:defPPr>
+            <a:lvl1pPr>
+              <a:lnSpc>
+                <a:spcPct val="140000"/>
+              </a:lnSpc>
+              <a:defRPr sz="1300" spc="-50">
+                <a:ln>
+                  <a:solidFill>
+                    <a:schemeClr val="accent1">
+                      <a:shade val="50000"/>
+                      <a:alpha val="0"/>
+                    </a:schemeClr>
+                  </a:solidFill>
+                </a:ln>
+                <a:solidFill>
+                  <a:schemeClr val="bg1"/>
+                </a:solidFill>
+                <a:latin typeface="SpoqaHanSans-Bold" panose="020B0800000000000000" pitchFamily="50" charset="-127"/>
+                <a:ea typeface="SpoqaHanSans-Bold" panose="020B0800000000000000" pitchFamily="50" charset="-127"/>
+                <a:cs typeface="KoPubWorld바탕체 Medium" panose="00000600000000000000" pitchFamily="2" charset="-127"/>
+              </a:defRPr>
+            </a:lvl1pPr>
+          </a:lstStyle>
+          <a:p>
+            <a:r>
+              <a:rPr lang="ko-KR" altLang="en-US" dirty="0">
+                <a:solidFill>
+                  <a:schemeClr val="bg2">
+                    <a:lumMod val="50000"/>
+                  </a:schemeClr>
+                </a:solidFill>
+                <a:latin typeface="Spoqa Han Sans Neo Light" panose="020B0300000000000000" pitchFamily="50" charset="-127"/>
+                <a:ea typeface="Spoqa Han Sans Neo Light" panose="020B0300000000000000" pitchFamily="50" charset="-127"/>
+              </a:rPr>
+              <a:t>이력</a:t>
+            </a:r>
+            <a:endParaRPr lang="en-US" altLang="ko-KR" dirty="0">
+              <a:solidFill>
+                <a:schemeClr val="bg2">
+                  <a:lumMod val="50000"/>
+                </a:schemeClr>
+              </a:solidFill>
+              <a:latin typeface="Spoqa Han Sans Neo Light" panose="020B0300000000000000" pitchFamily="50" charset="-127"/>
+              <a:ea typeface="Spoqa Han Sans Neo Light" panose="020B0300000000000000" pitchFamily="50" charset="-127"/>
+            </a:endParaRPr>
+          </a:p>
+        </p:txBody>
+      </p:sp>
+      <p:sp>
+        <p:nvSpPr>
+          <p:cNvPr id="12" name="TextBox 11">
+            <a:hlinkClick r:id="" action="ppaction://noaction"/>
+            <a:extLst>
+              <a:ext uri="{FF2B5EF4-FFF2-40B4-BE49-F238E27FC236}">
+                <a16:creationId xmlns:a16="http://schemas.microsoft.com/office/drawing/2014/main" id="{80ECF951-2846-4773-819E-26E28603417F}"/>
+              </a:ext>
+            </a:extLst>
+          </p:cNvPr>
+          <p:cNvSpPr txBox="1"/>
+          <p:nvPr/>
+        </p:nvSpPr>
+        <p:spPr>
+          <a:xfrm>
+            <a:off x="435973" y="4436125"/>
+            <a:ext cx="612000" cy="396000"/>
+          </a:xfrm>
+          <a:prstGeom prst="rect">
+            <a:avLst/>
+          </a:prstGeom>
+          <a:noFill/>
+        </p:spPr>
+        <p:txBody>
+          <a:bodyPr wrap="none" rtlCol="0" anchor="t">
+            <a:noAutofit/>
+          </a:bodyPr>
+          <a:lstStyle>
+            <a:defPPr>
+              <a:defRPr lang="ko-KR"/>
+            </a:defPPr>
+            <a:lvl1pPr>
+              <a:lnSpc>
+                <a:spcPct val="150000"/>
+              </a:lnSpc>
+              <a:defRPr sz="1500" spc="-50">
+                <a:ln>
+                  <a:solidFill>
+                    <a:schemeClr val="accent1">
+                      <a:shade val="50000"/>
+                      <a:alpha val="0"/>
+                    </a:schemeClr>
+                  </a:solidFill>
+                </a:ln>
+                <a:solidFill>
+                  <a:schemeClr val="bg1">
+                    <a:lumMod val="85000"/>
+                  </a:schemeClr>
+                </a:solidFill>
+                <a:latin typeface="KoPubWorld돋움체 Bold" panose="00000800000000000000" pitchFamily="2" charset="-127"/>
+                <a:ea typeface="KoPubWorld돋움체 Bold" panose="00000800000000000000" pitchFamily="2" charset="-127"/>
+                <a:cs typeface="KoPubWorld돋움체 Bold" panose="00000800000000000000" pitchFamily="2" charset="-127"/>
+              </a:defRPr>
+            </a:lvl1pPr>
+          </a:lstStyle>
+          <a:p>
+            <a:r>
+              <a:rPr lang="ko-KR" altLang="en-US" sz="1300" spc="-20" dirty="0">
+                <a:solidFill>
+                  <a:schemeClr val="bg2">
+                    <a:lumMod val="50000"/>
+                  </a:schemeClr>
+                </a:solidFill>
+                <a:latin typeface="Spoqa Han Sans Neo Light" panose="020B0300000000000000" pitchFamily="50" charset="-127"/>
+                <a:ea typeface="Spoqa Han Sans Neo Light" panose="020B0300000000000000" pitchFamily="50" charset="-127"/>
+                <a:cs typeface="KoPubWorld바탕체 Medium" panose="00000600000000000000" pitchFamily="2" charset="-127"/>
+              </a:rPr>
+              <a:t>동기</a:t>
+            </a:r>
+          </a:p>
+        </p:txBody>
+      </p:sp>
+      <p:sp>
+        <p:nvSpPr>
+          <p:cNvPr id="14" name="TextBox 13">
+            <a:hlinkClick r:id="" action="ppaction://noaction"/>
+            <a:extLst>
+              <a:ext uri="{FF2B5EF4-FFF2-40B4-BE49-F238E27FC236}">
+                <a16:creationId xmlns:a16="http://schemas.microsoft.com/office/drawing/2014/main" id="{F481D3FC-63F5-4E12-9800-47FB07DAE3E6}"/>
+              </a:ext>
+            </a:extLst>
+          </p:cNvPr>
+          <p:cNvSpPr txBox="1"/>
+          <p:nvPr/>
+        </p:nvSpPr>
+        <p:spPr>
+          <a:xfrm>
+            <a:off x="445498" y="5503189"/>
+            <a:ext cx="612000" cy="396000"/>
+          </a:xfrm>
+          <a:prstGeom prst="rect">
+            <a:avLst/>
+          </a:prstGeom>
+          <a:noFill/>
+        </p:spPr>
+        <p:txBody>
+          <a:bodyPr wrap="none" rtlCol="0" anchor="t">
+            <a:noAutofit/>
+          </a:bodyPr>
+          <a:lstStyle>
+            <a:defPPr>
+              <a:defRPr lang="ko-KR"/>
+            </a:defPPr>
+            <a:lvl1pPr>
+              <a:lnSpc>
+                <a:spcPct val="150000"/>
+              </a:lnSpc>
+              <a:defRPr sz="1500" spc="-50">
+                <a:ln>
+                  <a:solidFill>
+                    <a:schemeClr val="accent1">
+                      <a:shade val="50000"/>
+                      <a:alpha val="0"/>
+                    </a:schemeClr>
+                  </a:solidFill>
+                </a:ln>
+                <a:solidFill>
+                  <a:schemeClr val="bg1">
+                    <a:lumMod val="85000"/>
+                  </a:schemeClr>
+                </a:solidFill>
+                <a:latin typeface="KoPubWorld돋움체 Bold" panose="00000800000000000000" pitchFamily="2" charset="-127"/>
+                <a:ea typeface="KoPubWorld돋움체 Bold" panose="00000800000000000000" pitchFamily="2" charset="-127"/>
+                <a:cs typeface="KoPubWorld돋움체 Bold" panose="00000800000000000000" pitchFamily="2" charset="-127"/>
+              </a:defRPr>
+            </a:lvl1pPr>
+          </a:lstStyle>
+          <a:p>
+            <a:r>
+              <a:rPr lang="en-US" altLang="ko-KR" sz="1300" spc="-20" dirty="0">
+                <a:solidFill>
+                  <a:schemeClr val="bg1"/>
+                </a:solidFill>
+                <a:latin typeface="Spoqa Han Sans Neo Bold" panose="020B0800000000000000" pitchFamily="50" charset="-127"/>
+                <a:ea typeface="Spoqa Han Sans Neo Bold" panose="020B0800000000000000" pitchFamily="50" charset="-127"/>
+                <a:cs typeface="KoPubWorld바탕체 Medium" panose="00000600000000000000" pitchFamily="2" charset="-127"/>
+              </a:rPr>
+              <a:t>PR</a:t>
+            </a:r>
+            <a:endParaRPr lang="ko-KR" altLang="en-US" sz="1300" spc="-20" dirty="0">
+              <a:solidFill>
+                <a:schemeClr val="bg1"/>
+              </a:solidFill>
+              <a:latin typeface="Spoqa Han Sans Neo Bold" panose="020B0800000000000000" pitchFamily="50" charset="-127"/>
+              <a:ea typeface="Spoqa Han Sans Neo Bold" panose="020B0800000000000000" pitchFamily="50" charset="-127"/>
+              <a:cs typeface="KoPubWorld바탕체 Medium" panose="00000600000000000000" pitchFamily="2" charset="-127"/>
+            </a:endParaRPr>
+          </a:p>
+        </p:txBody>
+      </p:sp>
+      <p:sp>
+        <p:nvSpPr>
+          <p:cNvPr id="15" name="TextBox 14">
+            <a:hlinkClick r:id="rId2" action="ppaction://hlinksldjump"/>
+            <a:extLst>
+              <a:ext uri="{FF2B5EF4-FFF2-40B4-BE49-F238E27FC236}">
+                <a16:creationId xmlns:a16="http://schemas.microsoft.com/office/drawing/2014/main" id="{32213043-2855-4E84-9AF2-E9DA0D4098A2}"/>
+              </a:ext>
+            </a:extLst>
+          </p:cNvPr>
+          <p:cNvSpPr txBox="1"/>
+          <p:nvPr/>
+        </p:nvSpPr>
+        <p:spPr>
+          <a:xfrm>
+            <a:off x="445498" y="902700"/>
+            <a:ext cx="612000" cy="396000"/>
+          </a:xfrm>
+          <a:prstGeom prst="rect">
+            <a:avLst/>
+          </a:prstGeom>
+          <a:noFill/>
+        </p:spPr>
+        <p:txBody>
+          <a:bodyPr wrap="none" rtlCol="0" anchor="t">
+            <a:noAutofit/>
+          </a:bodyPr>
+          <a:lstStyle>
+            <a:defPPr>
+              <a:defRPr lang="ko-KR"/>
+            </a:defPPr>
+            <a:lvl1pPr>
+              <a:lnSpc>
+                <a:spcPct val="150000"/>
+              </a:lnSpc>
+              <a:defRPr sz="1500" spc="-50">
+                <a:ln>
+                  <a:solidFill>
+                    <a:schemeClr val="accent1">
+                      <a:shade val="50000"/>
+                      <a:alpha val="0"/>
+                    </a:schemeClr>
+                  </a:solidFill>
+                </a:ln>
+                <a:solidFill>
+                  <a:schemeClr val="bg1">
+                    <a:lumMod val="85000"/>
+                  </a:schemeClr>
+                </a:solidFill>
+                <a:latin typeface="KoPubWorld돋움체 Bold" panose="00000800000000000000" pitchFamily="2" charset="-127"/>
+                <a:ea typeface="KoPubWorld돋움체 Bold" panose="00000800000000000000" pitchFamily="2" charset="-127"/>
+                <a:cs typeface="KoPubWorld돋움체 Bold" panose="00000800000000000000" pitchFamily="2" charset="-127"/>
+              </a:defRPr>
+            </a:lvl1pPr>
+          </a:lstStyle>
+          <a:p>
+            <a:r>
+              <a:rPr lang="ko-KR" altLang="en-US" sz="1300" spc="-20" dirty="0">
+                <a:solidFill>
+                  <a:schemeClr val="tx1">
+                    <a:lumMod val="50000"/>
+                    <a:lumOff val="50000"/>
+                  </a:schemeClr>
+                </a:solidFill>
+                <a:latin typeface="Spoqa Han Sans Neo Light" panose="020B0300000000000000" pitchFamily="34" charset="-127"/>
+                <a:ea typeface="Spoqa Han Sans Neo Light" panose="020B0300000000000000" pitchFamily="34" charset="-127"/>
+                <a:cs typeface="KoPubWorld바탕체 Medium" panose="00000600000000000000" pitchFamily="2" charset="-127"/>
+              </a:rPr>
+              <a:t>지원</a:t>
+            </a:r>
+            <a:endParaRPr lang="en-US" altLang="ko-KR" sz="1300" spc="-20" dirty="0">
+              <a:solidFill>
+                <a:schemeClr val="tx1">
+                  <a:lumMod val="50000"/>
+                  <a:lumOff val="50000"/>
+                </a:schemeClr>
+              </a:solidFill>
+              <a:latin typeface="Spoqa Han Sans Neo Light" panose="020B0300000000000000" pitchFamily="34" charset="-127"/>
+              <a:ea typeface="Spoqa Han Sans Neo Light" panose="020B0300000000000000" pitchFamily="34" charset="-127"/>
+              <a:cs typeface="KoPubWorld바탕체 Medium" panose="00000600000000000000" pitchFamily="2" charset="-127"/>
+            </a:endParaRPr>
+          </a:p>
+        </p:txBody>
+      </p:sp>
+      <p:sp>
+        <p:nvSpPr>
+          <p:cNvPr id="16" name="TextBox 15">
+            <a:hlinkClick r:id="rId2" action="ppaction://hlinksldjump"/>
+            <a:extLst>
+              <a:ext uri="{FF2B5EF4-FFF2-40B4-BE49-F238E27FC236}">
+                <a16:creationId xmlns:a16="http://schemas.microsoft.com/office/drawing/2014/main" id="{E3BD8591-56E4-4041-AE65-3C0D8A6B3D6F}"/>
+              </a:ext>
+            </a:extLst>
+          </p:cNvPr>
+          <p:cNvSpPr txBox="1"/>
+          <p:nvPr/>
+        </p:nvSpPr>
+        <p:spPr>
+          <a:xfrm>
+            <a:off x="445498" y="2007600"/>
+            <a:ext cx="612000" cy="396000"/>
+          </a:xfrm>
+          <a:prstGeom prst="rect">
+            <a:avLst/>
+          </a:prstGeom>
+          <a:noFill/>
+        </p:spPr>
+        <p:txBody>
+          <a:bodyPr wrap="none" rtlCol="0" anchor="t">
+            <a:noAutofit/>
+          </a:bodyPr>
+          <a:lstStyle>
+            <a:defPPr>
+              <a:defRPr lang="ko-KR"/>
+            </a:defPPr>
+            <a:lvl1pPr>
+              <a:lnSpc>
+                <a:spcPct val="150000"/>
+              </a:lnSpc>
+              <a:defRPr sz="1500" spc="-50">
+                <a:ln>
+                  <a:solidFill>
+                    <a:schemeClr val="accent1">
+                      <a:shade val="50000"/>
+                      <a:alpha val="0"/>
+                    </a:schemeClr>
+                  </a:solidFill>
+                </a:ln>
+                <a:solidFill>
+                  <a:schemeClr val="bg1">
+                    <a:lumMod val="85000"/>
+                  </a:schemeClr>
+                </a:solidFill>
+                <a:latin typeface="KoPubWorld돋움체 Bold" panose="00000800000000000000" pitchFamily="2" charset="-127"/>
+                <a:ea typeface="KoPubWorld돋움체 Bold" panose="00000800000000000000" pitchFamily="2" charset="-127"/>
+                <a:cs typeface="KoPubWorld돋움체 Bold" panose="00000800000000000000" pitchFamily="2" charset="-127"/>
+              </a:defRPr>
+            </a:lvl1pPr>
+          </a:lstStyle>
+          <a:p>
+            <a:r>
+              <a:rPr lang="ko-KR" altLang="en-US" sz="1300" spc="-20" dirty="0">
+                <a:solidFill>
+                  <a:schemeClr val="tx1">
+                    <a:lumMod val="50000"/>
+                    <a:lumOff val="50000"/>
+                  </a:schemeClr>
+                </a:solidFill>
+                <a:latin typeface="Spoqa Han Sans Neo Light" panose="020B0300000000000000" pitchFamily="34" charset="-127"/>
+                <a:ea typeface="Spoqa Han Sans Neo Light" panose="020B0300000000000000" pitchFamily="34" charset="-127"/>
+                <a:cs typeface="KoPubWorld바탕체 Medium" panose="00000600000000000000" pitchFamily="2" charset="-127"/>
+              </a:rPr>
+              <a:t>역량</a:t>
+            </a:r>
+            <a:endParaRPr lang="en-US" altLang="ko-KR" sz="1300" spc="-20" dirty="0">
+              <a:solidFill>
+                <a:schemeClr val="tx1">
+                  <a:lumMod val="50000"/>
+                  <a:lumOff val="50000"/>
+                </a:schemeClr>
+              </a:solidFill>
+              <a:latin typeface="Spoqa Han Sans Neo Light" panose="020B0300000000000000" pitchFamily="34" charset="-127"/>
+              <a:ea typeface="Spoqa Han Sans Neo Light" panose="020B0300000000000000" pitchFamily="34" charset="-127"/>
               <a:cs typeface="KoPubWorld바탕체 Medium" panose="00000600000000000000" pitchFamily="2" charset="-127"/>
             </a:endParaRPr>
           </a:p>

--- a/자기소개서.pptx
+++ b/자기소개서.pptx
@@ -198,7 +198,7 @@
               </a:defRPr>
             </a:pPr>
             <a:r>
-              <a:rPr lang="ko-KR">
+              <a:rPr lang="ko-KR" dirty="0">
                 <a:latin typeface="Spoqa Han Sans Neo Bold" panose="020B0800000000000000" pitchFamily="50" charset="-127"/>
                 <a:ea typeface="Spoqa Han Sans Neo Bold" panose="020B0800000000000000" pitchFamily="50" charset="-127"/>
               </a:rPr>
@@ -5704,7 +5704,7 @@
           <p:nvPr>
             <p:extLst>
               <p:ext uri="{D42A27DB-BD31-4B8C-83A1-F6EECF244321}">
-                <p14:modId xmlns:p14="http://schemas.microsoft.com/office/powerpoint/2010/main" val="2944084515"/>
+                <p14:modId xmlns:p14="http://schemas.microsoft.com/office/powerpoint/2010/main" val="3210413327"/>
               </p:ext>
             </p:extLst>
           </p:nvPr>
@@ -5716,6 +5716,1703 @@
         <a:graphic>
           <a:graphicData uri="http://schemas.openxmlformats.org/drawingml/2006/chart">
             <c:chart xmlns:c="http://schemas.openxmlformats.org/drawingml/2006/chart" xmlns:r="http://schemas.openxmlformats.org/officeDocument/2006/relationships" r:id="rId3"/>
+          </a:graphicData>
+        </a:graphic>
+      </p:graphicFrame>
+      <p:graphicFrame>
+        <p:nvGraphicFramePr>
+          <p:cNvPr id="3" name="표 4">
+            <a:extLst>
+              <a:ext uri="{FF2B5EF4-FFF2-40B4-BE49-F238E27FC236}">
+                <a16:creationId xmlns:a16="http://schemas.microsoft.com/office/drawing/2014/main" id="{697EFF78-AB36-42D3-AC2A-D8B910823AD1}"/>
+              </a:ext>
+            </a:extLst>
+          </p:cNvPr>
+          <p:cNvGraphicFramePr>
+            <a:graphicFrameLocks noGrp="1"/>
+          </p:cNvGraphicFramePr>
+          <p:nvPr>
+            <p:extLst>
+              <p:ext uri="{D42A27DB-BD31-4B8C-83A1-F6EECF244321}">
+                <p14:modId xmlns:p14="http://schemas.microsoft.com/office/powerpoint/2010/main" val="227684029"/>
+              </p:ext>
+            </p:extLst>
+          </p:nvPr>
+        </p:nvGraphicFramePr>
+        <p:xfrm>
+          <a:off x="8869420" y="547725"/>
+          <a:ext cx="3002012" cy="3337560"/>
+        </p:xfrm>
+        <a:graphic>
+          <a:graphicData uri="http://schemas.openxmlformats.org/drawingml/2006/table">
+            <a:tbl>
+              <a:tblPr firstRow="1" bandRow="1">
+                <a:tableStyleId>{5C22544A-7EE6-4342-B048-85BDC9FD1C3A}</a:tableStyleId>
+              </a:tblPr>
+              <a:tblGrid>
+                <a:gridCol w="1501006">
+                  <a:extLst>
+                    <a:ext uri="{9D8B030D-6E8A-4147-A177-3AD203B41FA5}">
+                      <a16:colId xmlns:a16="http://schemas.microsoft.com/office/drawing/2014/main" val="617832997"/>
+                    </a:ext>
+                  </a:extLst>
+                </a:gridCol>
+                <a:gridCol w="1501006">
+                  <a:extLst>
+                    <a:ext uri="{9D8B030D-6E8A-4147-A177-3AD203B41FA5}">
+                      <a16:colId xmlns:a16="http://schemas.microsoft.com/office/drawing/2014/main" val="901873533"/>
+                    </a:ext>
+                  </a:extLst>
+                </a:gridCol>
+              </a:tblGrid>
+              <a:tr h="370840">
+                <a:tc gridSpan="2">
+                  <a:txBody>
+                    <a:bodyPr/>
+                    <a:lstStyle/>
+                    <a:p>
+                      <a:pPr algn="ctr" latinLnBrk="1"/>
+                      <a:r>
+                        <a:rPr lang="en-US" altLang="ko-KR" sz="1800" dirty="0">
+                          <a:solidFill>
+                            <a:schemeClr val="bg1"/>
+                          </a:solidFill>
+                          <a:latin typeface="Spoqa Han Sans Neo Medium" pitchFamily="2" charset="-127"/>
+                          <a:ea typeface="Spoqa Han Sans Neo Medium" pitchFamily="2" charset="-127"/>
+                        </a:rPr>
+                        <a:t>Tech Stack</a:t>
+                      </a:r>
+                      <a:endParaRPr lang="ko-KR" altLang="en-US" sz="1800" dirty="0">
+                        <a:solidFill>
+                          <a:schemeClr val="bg1"/>
+                        </a:solidFill>
+                        <a:latin typeface="Spoqa Han Sans Neo Medium" pitchFamily="2" charset="-127"/>
+                        <a:ea typeface="Spoqa Han Sans Neo Medium" pitchFamily="2" charset="-127"/>
+                      </a:endParaRPr>
+                    </a:p>
+                  </a:txBody>
+                  <a:tcPr>
+                    <a:lnL w="12700" cmpd="sng">
+                      <a:noFill/>
+                    </a:lnL>
+                    <a:lnR w="12700" cmpd="sng">
+                      <a:noFill/>
+                    </a:lnR>
+                    <a:lnT w="12700" cmpd="sng">
+                      <a:noFill/>
+                    </a:lnT>
+                    <a:lnB w="38100" cmpd="sng">
+                      <a:noFill/>
+                    </a:lnB>
+                    <a:lnTlToBr w="12700" cmpd="sng">
+                      <a:noFill/>
+                      <a:prstDash val="solid"/>
+                    </a:lnTlToBr>
+                    <a:lnBlToTr w="12700" cmpd="sng">
+                      <a:noFill/>
+                      <a:prstDash val="solid"/>
+                    </a:lnBlToTr>
+                    <a:noFill/>
+                  </a:tcPr>
+                </a:tc>
+                <a:tc hMerge="1">
+                  <a:txBody>
+                    <a:bodyPr/>
+                    <a:lstStyle/>
+                    <a:p>
+                      <a:pPr latinLnBrk="1"/>
+                      <a:endParaRPr lang="ko-KR" altLang="en-US" dirty="0"/>
+                    </a:p>
+                  </a:txBody>
+                  <a:tcPr/>
+                </a:tc>
+                <a:extLst>
+                  <a:ext uri="{0D108BD9-81ED-4DB2-BD59-A6C34878D82A}">
+                    <a16:rowId xmlns:a16="http://schemas.microsoft.com/office/drawing/2014/main" val="1025169898"/>
+                  </a:ext>
+                </a:extLst>
+              </a:tr>
+              <a:tr h="370840">
+                <a:tc>
+                  <a:txBody>
+                    <a:bodyPr/>
+                    <a:lstStyle/>
+                    <a:p>
+                      <a:pPr algn="ctr" latinLnBrk="1"/>
+                      <a:r>
+                        <a:rPr lang="en-US" altLang="ko-KR" sz="1200" dirty="0">
+                          <a:solidFill>
+                            <a:schemeClr val="bg1"/>
+                          </a:solidFill>
+                          <a:latin typeface="Spoqa Han Sans Neo Medium" pitchFamily="2" charset="-127"/>
+                          <a:ea typeface="Spoqa Han Sans Neo Medium" pitchFamily="2" charset="-127"/>
+                        </a:rPr>
+                        <a:t>Python</a:t>
+                      </a:r>
+                      <a:endParaRPr lang="ko-KR" altLang="en-US" sz="1200" dirty="0">
+                        <a:solidFill>
+                          <a:schemeClr val="bg1"/>
+                        </a:solidFill>
+                        <a:latin typeface="Spoqa Han Sans Neo Medium" pitchFamily="2" charset="-127"/>
+                        <a:ea typeface="Spoqa Han Sans Neo Medium" pitchFamily="2" charset="-127"/>
+                      </a:endParaRPr>
+                    </a:p>
+                  </a:txBody>
+                  <a:tcPr>
+                    <a:lnL w="12700" cmpd="sng">
+                      <a:noFill/>
+                    </a:lnL>
+                    <a:lnR w="12700" cmpd="sng">
+                      <a:noFill/>
+                    </a:lnR>
+                    <a:lnT w="38100" cmpd="sng">
+                      <a:noFill/>
+                    </a:lnT>
+                    <a:lnB w="12700" cmpd="sng">
+                      <a:noFill/>
+                    </a:lnB>
+                    <a:lnTlToBr w="12700" cmpd="sng">
+                      <a:noFill/>
+                      <a:prstDash val="solid"/>
+                    </a:lnTlToBr>
+                    <a:lnBlToTr w="12700" cmpd="sng">
+                      <a:noFill/>
+                      <a:prstDash val="solid"/>
+                    </a:lnBlToTr>
+                    <a:noFill/>
+                  </a:tcPr>
+                </a:tc>
+                <a:tc>
+                  <a:txBody>
+                    <a:bodyPr/>
+                    <a:lstStyle/>
+                    <a:p>
+                      <a:pPr algn="l" latinLnBrk="1"/>
+                      <a:r>
+                        <a:rPr lang="ko-KR" altLang="en-US" sz="1200" dirty="0">
+                          <a:solidFill>
+                            <a:schemeClr val="bg1"/>
+                          </a:solidFill>
+                          <a:latin typeface="Spoqa Han Sans Neo Medium" pitchFamily="2" charset="-127"/>
+                          <a:ea typeface="Spoqa Han Sans Neo Medium" pitchFamily="2" charset="-127"/>
+                        </a:rPr>
+                        <a:t>✊✊✊✊✊</a:t>
+                      </a:r>
+                    </a:p>
+                  </a:txBody>
+                  <a:tcPr>
+                    <a:lnL w="12700" cmpd="sng">
+                      <a:noFill/>
+                    </a:lnL>
+                    <a:lnR w="12700" cmpd="sng">
+                      <a:noFill/>
+                    </a:lnR>
+                    <a:lnT w="38100" cmpd="sng">
+                      <a:noFill/>
+                    </a:lnT>
+                    <a:lnB w="12700" cmpd="sng">
+                      <a:noFill/>
+                    </a:lnB>
+                    <a:lnTlToBr w="12700" cmpd="sng">
+                      <a:noFill/>
+                      <a:prstDash val="solid"/>
+                    </a:lnTlToBr>
+                    <a:lnBlToTr w="12700" cmpd="sng">
+                      <a:noFill/>
+                      <a:prstDash val="solid"/>
+                    </a:lnBlToTr>
+                    <a:noFill/>
+                  </a:tcPr>
+                </a:tc>
+                <a:extLst>
+                  <a:ext uri="{0D108BD9-81ED-4DB2-BD59-A6C34878D82A}">
+                    <a16:rowId xmlns:a16="http://schemas.microsoft.com/office/drawing/2014/main" val="3753160021"/>
+                  </a:ext>
+                </a:extLst>
+              </a:tr>
+              <a:tr h="370840">
+                <a:tc>
+                  <a:txBody>
+                    <a:bodyPr/>
+                    <a:lstStyle/>
+                    <a:p>
+                      <a:pPr algn="ctr" latinLnBrk="1"/>
+                      <a:r>
+                        <a:rPr lang="en-US" altLang="ko-KR" sz="1200" dirty="0">
+                          <a:solidFill>
+                            <a:schemeClr val="bg1"/>
+                          </a:solidFill>
+                          <a:latin typeface="Spoqa Han Sans Neo Medium" pitchFamily="2" charset="-127"/>
+                          <a:ea typeface="Spoqa Han Sans Neo Medium" pitchFamily="2" charset="-127"/>
+                        </a:rPr>
+                        <a:t>Tableau Desktop</a:t>
+                      </a:r>
+                      <a:endParaRPr lang="ko-KR" altLang="en-US" sz="1200" dirty="0">
+                        <a:solidFill>
+                          <a:schemeClr val="bg1"/>
+                        </a:solidFill>
+                        <a:latin typeface="Spoqa Han Sans Neo Medium" pitchFamily="2" charset="-127"/>
+                        <a:ea typeface="Spoqa Han Sans Neo Medium" pitchFamily="2" charset="-127"/>
+                      </a:endParaRPr>
+                    </a:p>
+                  </a:txBody>
+                  <a:tcPr>
+                    <a:lnL w="12700" cmpd="sng">
+                      <a:noFill/>
+                    </a:lnL>
+                    <a:lnR w="12700" cmpd="sng">
+                      <a:noFill/>
+                    </a:lnR>
+                    <a:lnT w="12700" cmpd="sng">
+                      <a:noFill/>
+                    </a:lnT>
+                    <a:lnB w="12700" cmpd="sng">
+                      <a:noFill/>
+                    </a:lnB>
+                    <a:lnTlToBr w="12700" cmpd="sng">
+                      <a:noFill/>
+                      <a:prstDash val="solid"/>
+                    </a:lnTlToBr>
+                    <a:lnBlToTr w="12700" cmpd="sng">
+                      <a:noFill/>
+                      <a:prstDash val="solid"/>
+                    </a:lnBlToTr>
+                    <a:noFill/>
+                  </a:tcPr>
+                </a:tc>
+                <a:tc>
+                  <a:txBody>
+                    <a:bodyPr/>
+                    <a:lstStyle/>
+                    <a:p>
+                      <a:pPr algn="l" latinLnBrk="1"/>
+                      <a:r>
+                        <a:rPr lang="ko-KR" altLang="en-US" sz="1200" dirty="0">
+                          <a:solidFill>
+                            <a:schemeClr val="bg1"/>
+                          </a:solidFill>
+                          <a:latin typeface="Spoqa Han Sans Neo Medium" pitchFamily="2" charset="-127"/>
+                          <a:ea typeface="Spoqa Han Sans Neo Medium" pitchFamily="2" charset="-127"/>
+                        </a:rPr>
+                        <a:t>✊✊✊✊</a:t>
+                      </a:r>
+                    </a:p>
+                  </a:txBody>
+                  <a:tcPr>
+                    <a:lnL w="12700" cmpd="sng">
+                      <a:noFill/>
+                    </a:lnL>
+                    <a:lnR w="12700" cmpd="sng">
+                      <a:noFill/>
+                    </a:lnR>
+                    <a:lnT w="12700" cmpd="sng">
+                      <a:noFill/>
+                    </a:lnT>
+                    <a:lnB w="12700" cmpd="sng">
+                      <a:noFill/>
+                    </a:lnB>
+                    <a:lnTlToBr w="12700" cmpd="sng">
+                      <a:noFill/>
+                      <a:prstDash val="solid"/>
+                    </a:lnTlToBr>
+                    <a:lnBlToTr w="12700" cmpd="sng">
+                      <a:noFill/>
+                      <a:prstDash val="solid"/>
+                    </a:lnBlToTr>
+                    <a:noFill/>
+                  </a:tcPr>
+                </a:tc>
+                <a:extLst>
+                  <a:ext uri="{0D108BD9-81ED-4DB2-BD59-A6C34878D82A}">
+                    <a16:rowId xmlns:a16="http://schemas.microsoft.com/office/drawing/2014/main" val="2053152572"/>
+                  </a:ext>
+                </a:extLst>
+              </a:tr>
+              <a:tr h="370840">
+                <a:tc>
+                  <a:txBody>
+                    <a:bodyPr/>
+                    <a:lstStyle/>
+                    <a:p>
+                      <a:pPr algn="ctr" latinLnBrk="1"/>
+                      <a:r>
+                        <a:rPr lang="en-US" altLang="ko-KR" sz="1200" dirty="0">
+                          <a:solidFill>
+                            <a:schemeClr val="bg1"/>
+                          </a:solidFill>
+                          <a:latin typeface="Spoqa Han Sans Neo Medium" pitchFamily="2" charset="-127"/>
+                          <a:ea typeface="Spoqa Han Sans Neo Medium" pitchFamily="2" charset="-127"/>
+                        </a:rPr>
+                        <a:t>SQL</a:t>
+                      </a:r>
+                      <a:endParaRPr lang="ko-KR" altLang="en-US" sz="1200" dirty="0">
+                        <a:solidFill>
+                          <a:schemeClr val="bg1"/>
+                        </a:solidFill>
+                        <a:latin typeface="Spoqa Han Sans Neo Medium" pitchFamily="2" charset="-127"/>
+                        <a:ea typeface="Spoqa Han Sans Neo Medium" pitchFamily="2" charset="-127"/>
+                      </a:endParaRPr>
+                    </a:p>
+                  </a:txBody>
+                  <a:tcPr>
+                    <a:lnL w="12700" cmpd="sng">
+                      <a:noFill/>
+                    </a:lnL>
+                    <a:lnR w="12700" cmpd="sng">
+                      <a:noFill/>
+                    </a:lnR>
+                    <a:lnT w="12700" cmpd="sng">
+                      <a:noFill/>
+                    </a:lnT>
+                    <a:lnB w="12700" cmpd="sng">
+                      <a:noFill/>
+                    </a:lnB>
+                    <a:lnTlToBr w="12700" cmpd="sng">
+                      <a:noFill/>
+                      <a:prstDash val="solid"/>
+                    </a:lnTlToBr>
+                    <a:lnBlToTr w="12700" cmpd="sng">
+                      <a:noFill/>
+                      <a:prstDash val="solid"/>
+                    </a:lnBlToTr>
+                    <a:noFill/>
+                  </a:tcPr>
+                </a:tc>
+                <a:tc>
+                  <a:txBody>
+                    <a:bodyPr/>
+                    <a:lstStyle/>
+                    <a:p>
+                      <a:pPr algn="l" latinLnBrk="1"/>
+                      <a:r>
+                        <a:rPr lang="ko-KR" altLang="en-US" sz="1200" dirty="0">
+                          <a:solidFill>
+                            <a:schemeClr val="bg1"/>
+                          </a:solidFill>
+                          <a:latin typeface="Spoqa Han Sans Neo Medium" pitchFamily="2" charset="-127"/>
+                          <a:ea typeface="Spoqa Han Sans Neo Medium" pitchFamily="2" charset="-127"/>
+                        </a:rPr>
+                        <a:t>✊✊✊</a:t>
+                      </a:r>
+                    </a:p>
+                  </a:txBody>
+                  <a:tcPr>
+                    <a:lnL w="12700" cmpd="sng">
+                      <a:noFill/>
+                    </a:lnL>
+                    <a:lnR w="12700" cmpd="sng">
+                      <a:noFill/>
+                    </a:lnR>
+                    <a:lnT w="12700" cmpd="sng">
+                      <a:noFill/>
+                    </a:lnT>
+                    <a:lnB w="12700" cmpd="sng">
+                      <a:noFill/>
+                    </a:lnB>
+                    <a:lnTlToBr w="12700" cmpd="sng">
+                      <a:noFill/>
+                      <a:prstDash val="solid"/>
+                    </a:lnTlToBr>
+                    <a:lnBlToTr w="12700" cmpd="sng">
+                      <a:noFill/>
+                      <a:prstDash val="solid"/>
+                    </a:lnBlToTr>
+                    <a:noFill/>
+                  </a:tcPr>
+                </a:tc>
+                <a:extLst>
+                  <a:ext uri="{0D108BD9-81ED-4DB2-BD59-A6C34878D82A}">
+                    <a16:rowId xmlns:a16="http://schemas.microsoft.com/office/drawing/2014/main" val="489617923"/>
+                  </a:ext>
+                </a:extLst>
+              </a:tr>
+              <a:tr h="370840">
+                <a:tc>
+                  <a:txBody>
+                    <a:bodyPr/>
+                    <a:lstStyle/>
+                    <a:p>
+                      <a:pPr algn="ctr" latinLnBrk="1"/>
+                      <a:r>
+                        <a:rPr lang="en-US" altLang="ko-KR" sz="1200" dirty="0">
+                          <a:solidFill>
+                            <a:schemeClr val="bg1"/>
+                          </a:solidFill>
+                          <a:latin typeface="Spoqa Han Sans Neo Medium" pitchFamily="2" charset="-127"/>
+                          <a:ea typeface="Spoqa Han Sans Neo Medium" pitchFamily="2" charset="-127"/>
+                        </a:rPr>
+                        <a:t>AWS</a:t>
+                      </a:r>
+                      <a:endParaRPr lang="ko-KR" altLang="en-US" sz="1200" dirty="0">
+                        <a:solidFill>
+                          <a:schemeClr val="bg1"/>
+                        </a:solidFill>
+                        <a:latin typeface="Spoqa Han Sans Neo Medium" pitchFamily="2" charset="-127"/>
+                        <a:ea typeface="Spoqa Han Sans Neo Medium" pitchFamily="2" charset="-127"/>
+                      </a:endParaRPr>
+                    </a:p>
+                  </a:txBody>
+                  <a:tcPr>
+                    <a:lnL w="12700" cmpd="sng">
+                      <a:noFill/>
+                    </a:lnL>
+                    <a:lnR w="12700" cmpd="sng">
+                      <a:noFill/>
+                    </a:lnR>
+                    <a:lnT w="12700" cmpd="sng">
+                      <a:noFill/>
+                    </a:lnT>
+                    <a:lnB w="12700" cmpd="sng">
+                      <a:noFill/>
+                    </a:lnB>
+                    <a:lnTlToBr w="12700" cmpd="sng">
+                      <a:noFill/>
+                      <a:prstDash val="solid"/>
+                    </a:lnTlToBr>
+                    <a:lnBlToTr w="12700" cmpd="sng">
+                      <a:noFill/>
+                      <a:prstDash val="solid"/>
+                    </a:lnBlToTr>
+                    <a:noFill/>
+                  </a:tcPr>
+                </a:tc>
+                <a:tc>
+                  <a:txBody>
+                    <a:bodyPr/>
+                    <a:lstStyle/>
+                    <a:p>
+                      <a:pPr algn="l" latinLnBrk="1"/>
+                      <a:r>
+                        <a:rPr lang="ko-KR" altLang="en-US" sz="1200" dirty="0">
+                          <a:solidFill>
+                            <a:schemeClr val="bg1"/>
+                          </a:solidFill>
+                          <a:latin typeface="Spoqa Han Sans Neo Medium" pitchFamily="2" charset="-127"/>
+                          <a:ea typeface="Spoqa Han Sans Neo Medium" pitchFamily="2" charset="-127"/>
+                        </a:rPr>
+                        <a:t>✊✊</a:t>
+                      </a:r>
+                    </a:p>
+                  </a:txBody>
+                  <a:tcPr>
+                    <a:lnL w="12700" cmpd="sng">
+                      <a:noFill/>
+                    </a:lnL>
+                    <a:lnR w="12700" cmpd="sng">
+                      <a:noFill/>
+                    </a:lnR>
+                    <a:lnT w="12700" cmpd="sng">
+                      <a:noFill/>
+                    </a:lnT>
+                    <a:lnB w="12700" cmpd="sng">
+                      <a:noFill/>
+                    </a:lnB>
+                    <a:lnTlToBr w="12700" cmpd="sng">
+                      <a:noFill/>
+                      <a:prstDash val="solid"/>
+                    </a:lnTlToBr>
+                    <a:lnBlToTr w="12700" cmpd="sng">
+                      <a:noFill/>
+                      <a:prstDash val="solid"/>
+                    </a:lnBlToTr>
+                    <a:noFill/>
+                  </a:tcPr>
+                </a:tc>
+                <a:extLst>
+                  <a:ext uri="{0D108BD9-81ED-4DB2-BD59-A6C34878D82A}">
+                    <a16:rowId xmlns:a16="http://schemas.microsoft.com/office/drawing/2014/main" val="832167103"/>
+                  </a:ext>
+                </a:extLst>
+              </a:tr>
+              <a:tr h="370840">
+                <a:tc>
+                  <a:txBody>
+                    <a:bodyPr/>
+                    <a:lstStyle/>
+                    <a:p>
+                      <a:pPr algn="ctr" latinLnBrk="1"/>
+                      <a:r>
+                        <a:rPr lang="en-US" altLang="ko-KR" sz="1200" dirty="0">
+                          <a:solidFill>
+                            <a:schemeClr val="bg1"/>
+                          </a:solidFill>
+                          <a:latin typeface="Spoqa Han Sans Neo Medium" pitchFamily="2" charset="-127"/>
+                          <a:ea typeface="Spoqa Han Sans Neo Medium" pitchFamily="2" charset="-127"/>
+                        </a:rPr>
+                        <a:t>MONGO DB</a:t>
+                      </a:r>
+                      <a:endParaRPr lang="ko-KR" altLang="en-US" sz="1200" dirty="0">
+                        <a:solidFill>
+                          <a:schemeClr val="bg1"/>
+                        </a:solidFill>
+                        <a:latin typeface="Spoqa Han Sans Neo Medium" pitchFamily="2" charset="-127"/>
+                        <a:ea typeface="Spoqa Han Sans Neo Medium" pitchFamily="2" charset="-127"/>
+                      </a:endParaRPr>
+                    </a:p>
+                  </a:txBody>
+                  <a:tcPr>
+                    <a:lnL w="12700" cmpd="sng">
+                      <a:noFill/>
+                    </a:lnL>
+                    <a:lnR w="12700" cmpd="sng">
+                      <a:noFill/>
+                    </a:lnR>
+                    <a:lnT w="12700" cmpd="sng">
+                      <a:noFill/>
+                    </a:lnT>
+                    <a:lnB w="12700" cmpd="sng">
+                      <a:noFill/>
+                    </a:lnB>
+                    <a:lnTlToBr w="12700" cmpd="sng">
+                      <a:noFill/>
+                      <a:prstDash val="solid"/>
+                    </a:lnTlToBr>
+                    <a:lnBlToTr w="12700" cmpd="sng">
+                      <a:noFill/>
+                      <a:prstDash val="solid"/>
+                    </a:lnBlToTr>
+                    <a:noFill/>
+                  </a:tcPr>
+                </a:tc>
+                <a:tc>
+                  <a:txBody>
+                    <a:bodyPr/>
+                    <a:lstStyle/>
+                    <a:p>
+                      <a:pPr algn="l" latinLnBrk="1"/>
+                      <a:r>
+                        <a:rPr lang="ko-KR" altLang="en-US" sz="1200" dirty="0">
+                          <a:solidFill>
+                            <a:schemeClr val="bg1"/>
+                          </a:solidFill>
+                          <a:latin typeface="Spoqa Han Sans Neo Medium" pitchFamily="2" charset="-127"/>
+                          <a:ea typeface="Spoqa Han Sans Neo Medium" pitchFamily="2" charset="-127"/>
+                        </a:rPr>
+                        <a:t>✊</a:t>
+                      </a:r>
+                    </a:p>
+                  </a:txBody>
+                  <a:tcPr>
+                    <a:lnL w="12700" cmpd="sng">
+                      <a:noFill/>
+                    </a:lnL>
+                    <a:lnR w="12700" cmpd="sng">
+                      <a:noFill/>
+                    </a:lnR>
+                    <a:lnT w="12700" cmpd="sng">
+                      <a:noFill/>
+                    </a:lnT>
+                    <a:lnB w="12700" cmpd="sng">
+                      <a:noFill/>
+                    </a:lnB>
+                    <a:lnTlToBr w="12700" cmpd="sng">
+                      <a:noFill/>
+                      <a:prstDash val="solid"/>
+                    </a:lnTlToBr>
+                    <a:lnBlToTr w="12700" cmpd="sng">
+                      <a:noFill/>
+                      <a:prstDash val="solid"/>
+                    </a:lnBlToTr>
+                    <a:noFill/>
+                  </a:tcPr>
+                </a:tc>
+                <a:extLst>
+                  <a:ext uri="{0D108BD9-81ED-4DB2-BD59-A6C34878D82A}">
+                    <a16:rowId xmlns:a16="http://schemas.microsoft.com/office/drawing/2014/main" val="4031930654"/>
+                  </a:ext>
+                </a:extLst>
+              </a:tr>
+              <a:tr h="370840">
+                <a:tc>
+                  <a:txBody>
+                    <a:bodyPr/>
+                    <a:lstStyle/>
+                    <a:p>
+                      <a:pPr algn="ctr" latinLnBrk="1"/>
+                      <a:r>
+                        <a:rPr lang="en-US" altLang="ko-KR" sz="1200" dirty="0">
+                          <a:solidFill>
+                            <a:schemeClr val="bg1"/>
+                          </a:solidFill>
+                          <a:latin typeface="Spoqa Han Sans Neo Medium" pitchFamily="2" charset="-127"/>
+                          <a:ea typeface="Spoqa Han Sans Neo Medium" pitchFamily="2" charset="-127"/>
+                        </a:rPr>
+                        <a:t>CSS</a:t>
+                      </a:r>
+                      <a:endParaRPr lang="ko-KR" altLang="en-US" sz="1200" dirty="0">
+                        <a:solidFill>
+                          <a:schemeClr val="bg1"/>
+                        </a:solidFill>
+                        <a:latin typeface="Spoqa Han Sans Neo Medium" pitchFamily="2" charset="-127"/>
+                        <a:ea typeface="Spoqa Han Sans Neo Medium" pitchFamily="2" charset="-127"/>
+                      </a:endParaRPr>
+                    </a:p>
+                  </a:txBody>
+                  <a:tcPr>
+                    <a:lnL w="12700" cmpd="sng">
+                      <a:noFill/>
+                    </a:lnL>
+                    <a:lnR w="12700" cmpd="sng">
+                      <a:noFill/>
+                    </a:lnR>
+                    <a:lnT w="12700" cmpd="sng">
+                      <a:noFill/>
+                    </a:lnT>
+                    <a:lnB w="12700" cmpd="sng">
+                      <a:noFill/>
+                    </a:lnB>
+                    <a:lnTlToBr w="12700" cmpd="sng">
+                      <a:noFill/>
+                      <a:prstDash val="solid"/>
+                    </a:lnTlToBr>
+                    <a:lnBlToTr w="12700" cmpd="sng">
+                      <a:noFill/>
+                      <a:prstDash val="solid"/>
+                    </a:lnBlToTr>
+                    <a:noFill/>
+                  </a:tcPr>
+                </a:tc>
+                <a:tc>
+                  <a:txBody>
+                    <a:bodyPr/>
+                    <a:lstStyle/>
+                    <a:p>
+                      <a:pPr algn="l" latinLnBrk="1"/>
+                      <a:r>
+                        <a:rPr lang="ko-KR" altLang="en-US" sz="1200" dirty="0">
+                          <a:solidFill>
+                            <a:schemeClr val="bg1"/>
+                          </a:solidFill>
+                          <a:latin typeface="Spoqa Han Sans Neo Medium" pitchFamily="2" charset="-127"/>
+                          <a:ea typeface="Spoqa Han Sans Neo Medium" pitchFamily="2" charset="-127"/>
+                        </a:rPr>
+                        <a:t>✊</a:t>
+                      </a:r>
+                    </a:p>
+                  </a:txBody>
+                  <a:tcPr>
+                    <a:lnL w="12700" cmpd="sng">
+                      <a:noFill/>
+                    </a:lnL>
+                    <a:lnR w="12700" cmpd="sng">
+                      <a:noFill/>
+                    </a:lnR>
+                    <a:lnT w="12700" cmpd="sng">
+                      <a:noFill/>
+                    </a:lnT>
+                    <a:lnB w="12700" cmpd="sng">
+                      <a:noFill/>
+                    </a:lnB>
+                    <a:lnTlToBr w="12700" cmpd="sng">
+                      <a:noFill/>
+                      <a:prstDash val="solid"/>
+                    </a:lnTlToBr>
+                    <a:lnBlToTr w="12700" cmpd="sng">
+                      <a:noFill/>
+                      <a:prstDash val="solid"/>
+                    </a:lnBlToTr>
+                    <a:noFill/>
+                  </a:tcPr>
+                </a:tc>
+                <a:extLst>
+                  <a:ext uri="{0D108BD9-81ED-4DB2-BD59-A6C34878D82A}">
+                    <a16:rowId xmlns:a16="http://schemas.microsoft.com/office/drawing/2014/main" val="3080989694"/>
+                  </a:ext>
+                </a:extLst>
+              </a:tr>
+              <a:tr h="370840">
+                <a:tc>
+                  <a:txBody>
+                    <a:bodyPr/>
+                    <a:lstStyle/>
+                    <a:p>
+                      <a:pPr algn="ctr" latinLnBrk="1"/>
+                      <a:r>
+                        <a:rPr lang="en-US" altLang="ko-KR" sz="1200" dirty="0">
+                          <a:solidFill>
+                            <a:schemeClr val="bg1"/>
+                          </a:solidFill>
+                          <a:latin typeface="Spoqa Han Sans Neo Medium" pitchFamily="2" charset="-127"/>
+                          <a:ea typeface="Spoqa Han Sans Neo Medium" pitchFamily="2" charset="-127"/>
+                        </a:rPr>
+                        <a:t>HTML</a:t>
+                      </a:r>
+                      <a:endParaRPr lang="ko-KR" altLang="en-US" sz="1200" dirty="0">
+                        <a:solidFill>
+                          <a:schemeClr val="bg1"/>
+                        </a:solidFill>
+                        <a:latin typeface="Spoqa Han Sans Neo Medium" pitchFamily="2" charset="-127"/>
+                        <a:ea typeface="Spoqa Han Sans Neo Medium" pitchFamily="2" charset="-127"/>
+                      </a:endParaRPr>
+                    </a:p>
+                  </a:txBody>
+                  <a:tcPr>
+                    <a:lnL w="12700" cmpd="sng">
+                      <a:noFill/>
+                    </a:lnL>
+                    <a:lnR w="12700" cmpd="sng">
+                      <a:noFill/>
+                    </a:lnR>
+                    <a:lnT w="12700" cmpd="sng">
+                      <a:noFill/>
+                    </a:lnT>
+                    <a:lnB w="12700" cmpd="sng">
+                      <a:noFill/>
+                    </a:lnB>
+                    <a:lnTlToBr w="12700" cmpd="sng">
+                      <a:noFill/>
+                      <a:prstDash val="solid"/>
+                    </a:lnTlToBr>
+                    <a:lnBlToTr w="12700" cmpd="sng">
+                      <a:noFill/>
+                      <a:prstDash val="solid"/>
+                    </a:lnBlToTr>
+                    <a:noFill/>
+                  </a:tcPr>
+                </a:tc>
+                <a:tc>
+                  <a:txBody>
+                    <a:bodyPr/>
+                    <a:lstStyle/>
+                    <a:p>
+                      <a:pPr algn="l" latinLnBrk="1"/>
+                      <a:r>
+                        <a:rPr lang="ko-KR" altLang="en-US" sz="1200" dirty="0">
+                          <a:solidFill>
+                            <a:schemeClr val="bg1"/>
+                          </a:solidFill>
+                          <a:latin typeface="Spoqa Han Sans Neo Medium" pitchFamily="2" charset="-127"/>
+                          <a:ea typeface="Spoqa Han Sans Neo Medium" pitchFamily="2" charset="-127"/>
+                        </a:rPr>
+                        <a:t>✊</a:t>
+                      </a:r>
+                    </a:p>
+                  </a:txBody>
+                  <a:tcPr>
+                    <a:lnL w="12700" cmpd="sng">
+                      <a:noFill/>
+                    </a:lnL>
+                    <a:lnR w="12700" cmpd="sng">
+                      <a:noFill/>
+                    </a:lnR>
+                    <a:lnT w="12700" cmpd="sng">
+                      <a:noFill/>
+                    </a:lnT>
+                    <a:lnB w="12700" cmpd="sng">
+                      <a:noFill/>
+                    </a:lnB>
+                    <a:lnTlToBr w="12700" cmpd="sng">
+                      <a:noFill/>
+                      <a:prstDash val="solid"/>
+                    </a:lnTlToBr>
+                    <a:lnBlToTr w="12700" cmpd="sng">
+                      <a:noFill/>
+                      <a:prstDash val="solid"/>
+                    </a:lnBlToTr>
+                    <a:noFill/>
+                  </a:tcPr>
+                </a:tc>
+                <a:extLst>
+                  <a:ext uri="{0D108BD9-81ED-4DB2-BD59-A6C34878D82A}">
+                    <a16:rowId xmlns:a16="http://schemas.microsoft.com/office/drawing/2014/main" val="329299796"/>
+                  </a:ext>
+                </a:extLst>
+              </a:tr>
+              <a:tr h="370840">
+                <a:tc>
+                  <a:txBody>
+                    <a:bodyPr/>
+                    <a:lstStyle/>
+                    <a:p>
+                      <a:pPr algn="ctr" latinLnBrk="1"/>
+                      <a:r>
+                        <a:rPr lang="en-US" altLang="ko-KR" sz="1200" dirty="0">
+                          <a:solidFill>
+                            <a:schemeClr val="bg1"/>
+                          </a:solidFill>
+                          <a:latin typeface="Spoqa Han Sans Neo Medium" pitchFamily="2" charset="-127"/>
+                          <a:ea typeface="Spoqa Han Sans Neo Medium" pitchFamily="2" charset="-127"/>
+                        </a:rPr>
+                        <a:t>GA</a:t>
+                      </a:r>
+                      <a:endParaRPr lang="ko-KR" altLang="en-US" sz="1200" dirty="0">
+                        <a:solidFill>
+                          <a:schemeClr val="bg1"/>
+                        </a:solidFill>
+                        <a:latin typeface="Spoqa Han Sans Neo Medium" pitchFamily="2" charset="-127"/>
+                        <a:ea typeface="Spoqa Han Sans Neo Medium" pitchFamily="2" charset="-127"/>
+                      </a:endParaRPr>
+                    </a:p>
+                  </a:txBody>
+                  <a:tcPr>
+                    <a:lnL w="12700" cmpd="sng">
+                      <a:noFill/>
+                    </a:lnL>
+                    <a:lnR w="12700" cmpd="sng">
+                      <a:noFill/>
+                    </a:lnR>
+                    <a:lnT w="12700" cmpd="sng">
+                      <a:noFill/>
+                    </a:lnT>
+                    <a:lnB w="12700" cmpd="sng">
+                      <a:noFill/>
+                    </a:lnB>
+                    <a:lnTlToBr w="12700" cmpd="sng">
+                      <a:noFill/>
+                      <a:prstDash val="solid"/>
+                    </a:lnTlToBr>
+                    <a:lnBlToTr w="12700" cmpd="sng">
+                      <a:noFill/>
+                      <a:prstDash val="solid"/>
+                    </a:lnBlToTr>
+                    <a:noFill/>
+                  </a:tcPr>
+                </a:tc>
+                <a:tc>
+                  <a:txBody>
+                    <a:bodyPr/>
+                    <a:lstStyle/>
+                    <a:p>
+                      <a:pPr algn="l" latinLnBrk="1"/>
+                      <a:r>
+                        <a:rPr lang="ko-KR" altLang="en-US" sz="1200" dirty="0">
+                          <a:solidFill>
+                            <a:schemeClr val="bg1"/>
+                          </a:solidFill>
+                          <a:latin typeface="Spoqa Han Sans Neo Medium" pitchFamily="2" charset="-127"/>
+                          <a:ea typeface="Spoqa Han Sans Neo Medium" pitchFamily="2" charset="-127"/>
+                        </a:rPr>
+                        <a:t>✊</a:t>
+                      </a:r>
+                    </a:p>
+                  </a:txBody>
+                  <a:tcPr>
+                    <a:lnL w="12700" cmpd="sng">
+                      <a:noFill/>
+                    </a:lnL>
+                    <a:lnR w="12700" cmpd="sng">
+                      <a:noFill/>
+                    </a:lnR>
+                    <a:lnT w="12700" cmpd="sng">
+                      <a:noFill/>
+                    </a:lnT>
+                    <a:lnB w="12700" cmpd="sng">
+                      <a:noFill/>
+                    </a:lnB>
+                    <a:lnTlToBr w="12700" cmpd="sng">
+                      <a:noFill/>
+                      <a:prstDash val="solid"/>
+                    </a:lnTlToBr>
+                    <a:lnBlToTr w="12700" cmpd="sng">
+                      <a:noFill/>
+                      <a:prstDash val="solid"/>
+                    </a:lnBlToTr>
+                    <a:noFill/>
+                  </a:tcPr>
+                </a:tc>
+                <a:extLst>
+                  <a:ext uri="{0D108BD9-81ED-4DB2-BD59-A6C34878D82A}">
+                    <a16:rowId xmlns:a16="http://schemas.microsoft.com/office/drawing/2014/main" val="1011992485"/>
+                  </a:ext>
+                </a:extLst>
+              </a:tr>
+            </a:tbl>
+          </a:graphicData>
+        </a:graphic>
+      </p:graphicFrame>
+      <p:graphicFrame>
+        <p:nvGraphicFramePr>
+          <p:cNvPr id="13" name="표 4">
+            <a:extLst>
+              <a:ext uri="{FF2B5EF4-FFF2-40B4-BE49-F238E27FC236}">
+                <a16:creationId xmlns:a16="http://schemas.microsoft.com/office/drawing/2014/main" id="{3548FD7F-E922-44C2-BA78-FE069D9D67ED}"/>
+              </a:ext>
+            </a:extLst>
+          </p:cNvPr>
+          <p:cNvGraphicFramePr>
+            <a:graphicFrameLocks noGrp="1"/>
+          </p:cNvGraphicFramePr>
+          <p:nvPr>
+            <p:extLst>
+              <p:ext uri="{D42A27DB-BD31-4B8C-83A1-F6EECF244321}">
+                <p14:modId xmlns:p14="http://schemas.microsoft.com/office/powerpoint/2010/main" val="3935228647"/>
+              </p:ext>
+            </p:extLst>
+          </p:nvPr>
+        </p:nvGraphicFramePr>
+        <p:xfrm>
+          <a:off x="5980237" y="547725"/>
+          <a:ext cx="3002012" cy="2595880"/>
+        </p:xfrm>
+        <a:graphic>
+          <a:graphicData uri="http://schemas.openxmlformats.org/drawingml/2006/table">
+            <a:tbl>
+              <a:tblPr firstRow="1" bandRow="1">
+                <a:tableStyleId>{5C22544A-7EE6-4342-B048-85BDC9FD1C3A}</a:tableStyleId>
+              </a:tblPr>
+              <a:tblGrid>
+                <a:gridCol w="1501006">
+                  <a:extLst>
+                    <a:ext uri="{9D8B030D-6E8A-4147-A177-3AD203B41FA5}">
+                      <a16:colId xmlns:a16="http://schemas.microsoft.com/office/drawing/2014/main" val="617832997"/>
+                    </a:ext>
+                  </a:extLst>
+                </a:gridCol>
+                <a:gridCol w="1501006">
+                  <a:extLst>
+                    <a:ext uri="{9D8B030D-6E8A-4147-A177-3AD203B41FA5}">
+                      <a16:colId xmlns:a16="http://schemas.microsoft.com/office/drawing/2014/main" val="901873533"/>
+                    </a:ext>
+                  </a:extLst>
+                </a:gridCol>
+              </a:tblGrid>
+              <a:tr h="370840">
+                <a:tc gridSpan="2">
+                  <a:txBody>
+                    <a:bodyPr/>
+                    <a:lstStyle/>
+                    <a:p>
+                      <a:pPr algn="ctr" latinLnBrk="1"/>
+                      <a:r>
+                        <a:rPr lang="en-US" altLang="ko-KR" sz="1800" dirty="0">
+                          <a:solidFill>
+                            <a:schemeClr val="bg1"/>
+                          </a:solidFill>
+                          <a:latin typeface="Spoqa Han Sans Neo Medium" pitchFamily="2" charset="-127"/>
+                          <a:ea typeface="Spoqa Han Sans Neo Medium" pitchFamily="2" charset="-127"/>
+                        </a:rPr>
+                        <a:t>Certificate &amp; Awards</a:t>
+                      </a:r>
+                      <a:endParaRPr lang="ko-KR" altLang="en-US" sz="1800" dirty="0">
+                        <a:solidFill>
+                          <a:schemeClr val="bg1"/>
+                        </a:solidFill>
+                        <a:latin typeface="Spoqa Han Sans Neo Medium" pitchFamily="2" charset="-127"/>
+                        <a:ea typeface="Spoqa Han Sans Neo Medium" pitchFamily="2" charset="-127"/>
+                      </a:endParaRPr>
+                    </a:p>
+                  </a:txBody>
+                  <a:tcPr>
+                    <a:lnL w="12700" cmpd="sng">
+                      <a:noFill/>
+                    </a:lnL>
+                    <a:lnR w="12700" cmpd="sng">
+                      <a:noFill/>
+                    </a:lnR>
+                    <a:lnT w="12700" cmpd="sng">
+                      <a:noFill/>
+                    </a:lnT>
+                    <a:lnB w="38100" cmpd="sng">
+                      <a:noFill/>
+                    </a:lnB>
+                    <a:lnTlToBr w="12700" cmpd="sng">
+                      <a:noFill/>
+                      <a:prstDash val="solid"/>
+                    </a:lnTlToBr>
+                    <a:lnBlToTr w="12700" cmpd="sng">
+                      <a:noFill/>
+                      <a:prstDash val="solid"/>
+                    </a:lnBlToTr>
+                    <a:noFill/>
+                  </a:tcPr>
+                </a:tc>
+                <a:tc hMerge="1">
+                  <a:txBody>
+                    <a:bodyPr/>
+                    <a:lstStyle/>
+                    <a:p>
+                      <a:pPr latinLnBrk="1"/>
+                      <a:endParaRPr lang="ko-KR" altLang="en-US" dirty="0"/>
+                    </a:p>
+                  </a:txBody>
+                  <a:tcPr/>
+                </a:tc>
+                <a:extLst>
+                  <a:ext uri="{0D108BD9-81ED-4DB2-BD59-A6C34878D82A}">
+                    <a16:rowId xmlns:a16="http://schemas.microsoft.com/office/drawing/2014/main" val="1025169898"/>
+                  </a:ext>
+                </a:extLst>
+              </a:tr>
+              <a:tr h="370840">
+                <a:tc>
+                  <a:txBody>
+                    <a:bodyPr/>
+                    <a:lstStyle/>
+                    <a:p>
+                      <a:pPr algn="ctr" latinLnBrk="1"/>
+                      <a:r>
+                        <a:rPr lang="en-US" altLang="ko-KR" sz="1200" dirty="0" err="1">
+                          <a:solidFill>
+                            <a:schemeClr val="bg1"/>
+                          </a:solidFill>
+                          <a:latin typeface="Spoqa Han Sans Neo Medium" pitchFamily="2" charset="-127"/>
+                          <a:ea typeface="Spoqa Han Sans Neo Medium" pitchFamily="2" charset="-127"/>
+                        </a:rPr>
+                        <a:t>ADsP</a:t>
+                      </a:r>
+                      <a:endParaRPr lang="ko-KR" altLang="en-US" sz="1200" dirty="0">
+                        <a:solidFill>
+                          <a:schemeClr val="bg1"/>
+                        </a:solidFill>
+                        <a:latin typeface="Spoqa Han Sans Neo Medium" pitchFamily="2" charset="-127"/>
+                        <a:ea typeface="Spoqa Han Sans Neo Medium" pitchFamily="2" charset="-127"/>
+                      </a:endParaRPr>
+                    </a:p>
+                  </a:txBody>
+                  <a:tcPr>
+                    <a:lnL w="12700" cmpd="sng">
+                      <a:noFill/>
+                    </a:lnL>
+                    <a:lnR w="12700" cmpd="sng">
+                      <a:noFill/>
+                    </a:lnR>
+                    <a:lnT w="38100" cmpd="sng">
+                      <a:noFill/>
+                    </a:lnT>
+                    <a:lnB w="12700" cmpd="sng">
+                      <a:noFill/>
+                    </a:lnB>
+                    <a:lnTlToBr w="12700" cmpd="sng">
+                      <a:noFill/>
+                      <a:prstDash val="solid"/>
+                    </a:lnTlToBr>
+                    <a:lnBlToTr w="12700" cmpd="sng">
+                      <a:noFill/>
+                      <a:prstDash val="solid"/>
+                    </a:lnBlToTr>
+                    <a:noFill/>
+                  </a:tcPr>
+                </a:tc>
+                <a:tc>
+                  <a:txBody>
+                    <a:bodyPr/>
+                    <a:lstStyle/>
+                    <a:p>
+                      <a:pPr algn="l" latinLnBrk="1"/>
+                      <a:r>
+                        <a:rPr lang="en-US" altLang="ko-KR" sz="1200" dirty="0">
+                          <a:solidFill>
+                            <a:schemeClr val="bg1"/>
+                          </a:solidFill>
+                          <a:latin typeface="Spoqa Han Sans Neo Medium" pitchFamily="2" charset="-127"/>
+                          <a:ea typeface="Spoqa Han Sans Neo Medium" pitchFamily="2" charset="-127"/>
+                        </a:rPr>
+                        <a:t>2021.09.24</a:t>
+                      </a:r>
+                      <a:endParaRPr lang="ko-KR" altLang="en-US" sz="1200" dirty="0">
+                        <a:solidFill>
+                          <a:schemeClr val="bg1"/>
+                        </a:solidFill>
+                        <a:latin typeface="Spoqa Han Sans Neo Medium" pitchFamily="2" charset="-127"/>
+                        <a:ea typeface="Spoqa Han Sans Neo Medium" pitchFamily="2" charset="-127"/>
+                      </a:endParaRPr>
+                    </a:p>
+                  </a:txBody>
+                  <a:tcPr>
+                    <a:lnL w="12700" cmpd="sng">
+                      <a:noFill/>
+                    </a:lnL>
+                    <a:lnR w="12700" cmpd="sng">
+                      <a:noFill/>
+                    </a:lnR>
+                    <a:lnT w="38100" cmpd="sng">
+                      <a:noFill/>
+                    </a:lnT>
+                    <a:lnB w="12700" cmpd="sng">
+                      <a:noFill/>
+                    </a:lnB>
+                    <a:lnTlToBr w="12700" cmpd="sng">
+                      <a:noFill/>
+                      <a:prstDash val="solid"/>
+                    </a:lnTlToBr>
+                    <a:lnBlToTr w="12700" cmpd="sng">
+                      <a:noFill/>
+                      <a:prstDash val="solid"/>
+                    </a:lnBlToTr>
+                    <a:noFill/>
+                  </a:tcPr>
+                </a:tc>
+                <a:extLst>
+                  <a:ext uri="{0D108BD9-81ED-4DB2-BD59-A6C34878D82A}">
+                    <a16:rowId xmlns:a16="http://schemas.microsoft.com/office/drawing/2014/main" val="3753160021"/>
+                  </a:ext>
+                </a:extLst>
+              </a:tr>
+              <a:tr h="370840">
+                <a:tc>
+                  <a:txBody>
+                    <a:bodyPr/>
+                    <a:lstStyle/>
+                    <a:p>
+                      <a:pPr algn="ctr" latinLnBrk="1"/>
+                      <a:r>
+                        <a:rPr lang="en-US" altLang="ko-KR" sz="1200" dirty="0">
+                          <a:solidFill>
+                            <a:schemeClr val="bg1"/>
+                          </a:solidFill>
+                          <a:latin typeface="Spoqa Han Sans Neo Medium" pitchFamily="2" charset="-127"/>
+                          <a:ea typeface="Spoqa Han Sans Neo Medium" pitchFamily="2" charset="-127"/>
+                        </a:rPr>
+                        <a:t>SQLD</a:t>
+                      </a:r>
+                      <a:endParaRPr lang="ko-KR" altLang="en-US" sz="1200" dirty="0">
+                        <a:solidFill>
+                          <a:schemeClr val="bg1"/>
+                        </a:solidFill>
+                        <a:latin typeface="Spoqa Han Sans Neo Medium" pitchFamily="2" charset="-127"/>
+                        <a:ea typeface="Spoqa Han Sans Neo Medium" pitchFamily="2" charset="-127"/>
+                      </a:endParaRPr>
+                    </a:p>
+                  </a:txBody>
+                  <a:tcPr>
+                    <a:lnL w="12700" cmpd="sng">
+                      <a:noFill/>
+                    </a:lnL>
+                    <a:lnR w="12700" cmpd="sng">
+                      <a:noFill/>
+                    </a:lnR>
+                    <a:lnT w="12700" cmpd="sng">
+                      <a:noFill/>
+                    </a:lnT>
+                    <a:lnB w="12700" cmpd="sng">
+                      <a:noFill/>
+                    </a:lnB>
+                    <a:lnTlToBr w="12700" cmpd="sng">
+                      <a:noFill/>
+                      <a:prstDash val="solid"/>
+                    </a:lnTlToBr>
+                    <a:lnBlToTr w="12700" cmpd="sng">
+                      <a:noFill/>
+                      <a:prstDash val="solid"/>
+                    </a:lnBlToTr>
+                    <a:noFill/>
+                  </a:tcPr>
+                </a:tc>
+                <a:tc>
+                  <a:txBody>
+                    <a:bodyPr/>
+                    <a:lstStyle/>
+                    <a:p>
+                      <a:pPr algn="l" latinLnBrk="1"/>
+                      <a:r>
+                        <a:rPr lang="en-US" altLang="ko-KR" sz="1200" dirty="0">
+                          <a:solidFill>
+                            <a:schemeClr val="bg1"/>
+                          </a:solidFill>
+                          <a:latin typeface="Spoqa Han Sans Neo Medium" pitchFamily="2" charset="-127"/>
+                          <a:ea typeface="Spoqa Han Sans Neo Medium" pitchFamily="2" charset="-127"/>
+                        </a:rPr>
+                        <a:t>2021.12.17</a:t>
+                      </a:r>
+                      <a:endParaRPr lang="ko-KR" altLang="en-US" sz="1200" dirty="0">
+                        <a:solidFill>
+                          <a:schemeClr val="bg1"/>
+                        </a:solidFill>
+                        <a:latin typeface="Spoqa Han Sans Neo Medium" pitchFamily="2" charset="-127"/>
+                        <a:ea typeface="Spoqa Han Sans Neo Medium" pitchFamily="2" charset="-127"/>
+                      </a:endParaRPr>
+                    </a:p>
+                  </a:txBody>
+                  <a:tcPr>
+                    <a:lnL w="12700" cmpd="sng">
+                      <a:noFill/>
+                    </a:lnL>
+                    <a:lnR w="12700" cmpd="sng">
+                      <a:noFill/>
+                    </a:lnR>
+                    <a:lnT w="12700" cmpd="sng">
+                      <a:noFill/>
+                    </a:lnT>
+                    <a:lnB w="12700" cmpd="sng">
+                      <a:noFill/>
+                    </a:lnB>
+                    <a:lnTlToBr w="12700" cmpd="sng">
+                      <a:noFill/>
+                      <a:prstDash val="solid"/>
+                    </a:lnTlToBr>
+                    <a:lnBlToTr w="12700" cmpd="sng">
+                      <a:noFill/>
+                      <a:prstDash val="solid"/>
+                    </a:lnBlToTr>
+                    <a:noFill/>
+                  </a:tcPr>
+                </a:tc>
+                <a:extLst>
+                  <a:ext uri="{0D108BD9-81ED-4DB2-BD59-A6C34878D82A}">
+                    <a16:rowId xmlns:a16="http://schemas.microsoft.com/office/drawing/2014/main" val="2053152572"/>
+                  </a:ext>
+                </a:extLst>
+              </a:tr>
+              <a:tr h="370840">
+                <a:tc>
+                  <a:txBody>
+                    <a:bodyPr/>
+                    <a:lstStyle/>
+                    <a:p>
+                      <a:pPr algn="ctr" latinLnBrk="1"/>
+                      <a:r>
+                        <a:rPr lang="ko-KR" altLang="en-US" sz="1200" dirty="0">
+                          <a:solidFill>
+                            <a:schemeClr val="bg1"/>
+                          </a:solidFill>
+                          <a:latin typeface="Spoqa Han Sans Neo Medium" pitchFamily="2" charset="-127"/>
+                          <a:ea typeface="Spoqa Han Sans Neo Medium" pitchFamily="2" charset="-127"/>
+                        </a:rPr>
+                        <a:t>컴퓨터활용능력 </a:t>
+                      </a:r>
+                      <a:r>
+                        <a:rPr lang="en-US" altLang="ko-KR" sz="1200" dirty="0">
+                          <a:solidFill>
+                            <a:schemeClr val="bg1"/>
+                          </a:solidFill>
+                          <a:latin typeface="Spoqa Han Sans Neo Medium" pitchFamily="2" charset="-127"/>
+                          <a:ea typeface="Spoqa Han Sans Neo Medium" pitchFamily="2" charset="-127"/>
+                        </a:rPr>
+                        <a:t>1</a:t>
+                      </a:r>
+                      <a:r>
+                        <a:rPr lang="ko-KR" altLang="en-US" sz="1200" dirty="0">
+                          <a:solidFill>
+                            <a:schemeClr val="bg1"/>
+                          </a:solidFill>
+                          <a:latin typeface="Spoqa Han Sans Neo Medium" pitchFamily="2" charset="-127"/>
+                          <a:ea typeface="Spoqa Han Sans Neo Medium" pitchFamily="2" charset="-127"/>
+                        </a:rPr>
+                        <a:t>급</a:t>
+                      </a:r>
+                    </a:p>
+                  </a:txBody>
+                  <a:tcPr>
+                    <a:lnL w="12700" cmpd="sng">
+                      <a:noFill/>
+                    </a:lnL>
+                    <a:lnR w="12700" cmpd="sng">
+                      <a:noFill/>
+                    </a:lnR>
+                    <a:lnT w="12700" cmpd="sng">
+                      <a:noFill/>
+                    </a:lnT>
+                    <a:lnB w="12700" cmpd="sng">
+                      <a:noFill/>
+                    </a:lnB>
+                    <a:lnTlToBr w="12700" cmpd="sng">
+                      <a:noFill/>
+                      <a:prstDash val="solid"/>
+                    </a:lnTlToBr>
+                    <a:lnBlToTr w="12700" cmpd="sng">
+                      <a:noFill/>
+                      <a:prstDash val="solid"/>
+                    </a:lnBlToTr>
+                    <a:noFill/>
+                  </a:tcPr>
+                </a:tc>
+                <a:tc>
+                  <a:txBody>
+                    <a:bodyPr/>
+                    <a:lstStyle/>
+                    <a:p>
+                      <a:pPr algn="l" latinLnBrk="1"/>
+                      <a:r>
+                        <a:rPr lang="en-US" altLang="ko-KR" sz="1200" dirty="0">
+                          <a:solidFill>
+                            <a:schemeClr val="bg1"/>
+                          </a:solidFill>
+                          <a:latin typeface="Spoqa Han Sans Neo Medium" pitchFamily="2" charset="-127"/>
+                          <a:ea typeface="Spoqa Han Sans Neo Medium" pitchFamily="2" charset="-127"/>
+                        </a:rPr>
+                        <a:t>2020.10.09</a:t>
+                      </a:r>
+                      <a:endParaRPr lang="ko-KR" altLang="en-US" sz="1200" dirty="0">
+                        <a:solidFill>
+                          <a:schemeClr val="bg1"/>
+                        </a:solidFill>
+                        <a:latin typeface="Spoqa Han Sans Neo Medium" pitchFamily="2" charset="-127"/>
+                        <a:ea typeface="Spoqa Han Sans Neo Medium" pitchFamily="2" charset="-127"/>
+                      </a:endParaRPr>
+                    </a:p>
+                  </a:txBody>
+                  <a:tcPr>
+                    <a:lnL w="12700" cmpd="sng">
+                      <a:noFill/>
+                    </a:lnL>
+                    <a:lnR w="12700" cmpd="sng">
+                      <a:noFill/>
+                    </a:lnR>
+                    <a:lnT w="12700" cmpd="sng">
+                      <a:noFill/>
+                    </a:lnT>
+                    <a:lnB w="12700" cmpd="sng">
+                      <a:noFill/>
+                    </a:lnB>
+                    <a:lnTlToBr w="12700" cmpd="sng">
+                      <a:noFill/>
+                      <a:prstDash val="solid"/>
+                    </a:lnTlToBr>
+                    <a:lnBlToTr w="12700" cmpd="sng">
+                      <a:noFill/>
+                      <a:prstDash val="solid"/>
+                    </a:lnBlToTr>
+                    <a:noFill/>
+                  </a:tcPr>
+                </a:tc>
+                <a:extLst>
+                  <a:ext uri="{0D108BD9-81ED-4DB2-BD59-A6C34878D82A}">
+                    <a16:rowId xmlns:a16="http://schemas.microsoft.com/office/drawing/2014/main" val="489617923"/>
+                  </a:ext>
+                </a:extLst>
+              </a:tr>
+              <a:tr h="370840">
+                <a:tc>
+                  <a:txBody>
+                    <a:bodyPr/>
+                    <a:lstStyle/>
+                    <a:p>
+                      <a:pPr algn="ctr" latinLnBrk="1"/>
+                      <a:r>
+                        <a:rPr lang="ko-KR" altLang="en-US" sz="1200" dirty="0">
+                          <a:solidFill>
+                            <a:schemeClr val="bg1"/>
+                          </a:solidFill>
+                          <a:latin typeface="Spoqa Han Sans Neo Medium" pitchFamily="2" charset="-127"/>
+                          <a:ea typeface="Spoqa Han Sans Neo Medium" pitchFamily="2" charset="-127"/>
+                        </a:rPr>
+                        <a:t>정보처리기능사</a:t>
+                      </a:r>
+                    </a:p>
+                  </a:txBody>
+                  <a:tcPr>
+                    <a:lnL w="12700" cmpd="sng">
+                      <a:noFill/>
+                    </a:lnL>
+                    <a:lnR w="12700" cmpd="sng">
+                      <a:noFill/>
+                    </a:lnR>
+                    <a:lnT w="12700" cmpd="sng">
+                      <a:noFill/>
+                    </a:lnT>
+                    <a:lnB w="12700" cmpd="sng">
+                      <a:noFill/>
+                    </a:lnB>
+                    <a:lnTlToBr w="12700" cmpd="sng">
+                      <a:noFill/>
+                      <a:prstDash val="solid"/>
+                    </a:lnTlToBr>
+                    <a:lnBlToTr w="12700" cmpd="sng">
+                      <a:noFill/>
+                      <a:prstDash val="solid"/>
+                    </a:lnBlToTr>
+                    <a:noFill/>
+                  </a:tcPr>
+                </a:tc>
+                <a:tc>
+                  <a:txBody>
+                    <a:bodyPr/>
+                    <a:lstStyle/>
+                    <a:p>
+                      <a:pPr algn="l" latinLnBrk="1"/>
+                      <a:r>
+                        <a:rPr lang="en-US" altLang="ko-KR" sz="1200" dirty="0">
+                          <a:solidFill>
+                            <a:schemeClr val="bg1"/>
+                          </a:solidFill>
+                          <a:latin typeface="Spoqa Han Sans Neo Medium" pitchFamily="2" charset="-127"/>
+                          <a:ea typeface="Spoqa Han Sans Neo Medium" pitchFamily="2" charset="-127"/>
+                        </a:rPr>
+                        <a:t>2015.12.14</a:t>
+                      </a:r>
+                      <a:endParaRPr lang="ko-KR" altLang="en-US" sz="1200" dirty="0">
+                        <a:solidFill>
+                          <a:schemeClr val="bg1"/>
+                        </a:solidFill>
+                        <a:latin typeface="Spoqa Han Sans Neo Medium" pitchFamily="2" charset="-127"/>
+                        <a:ea typeface="Spoqa Han Sans Neo Medium" pitchFamily="2" charset="-127"/>
+                      </a:endParaRPr>
+                    </a:p>
+                  </a:txBody>
+                  <a:tcPr>
+                    <a:lnL w="12700" cmpd="sng">
+                      <a:noFill/>
+                    </a:lnL>
+                    <a:lnR w="12700" cmpd="sng">
+                      <a:noFill/>
+                    </a:lnR>
+                    <a:lnT w="12700" cmpd="sng">
+                      <a:noFill/>
+                    </a:lnT>
+                    <a:lnB w="12700" cmpd="sng">
+                      <a:noFill/>
+                    </a:lnB>
+                    <a:lnTlToBr w="12700" cmpd="sng">
+                      <a:noFill/>
+                      <a:prstDash val="solid"/>
+                    </a:lnTlToBr>
+                    <a:lnBlToTr w="12700" cmpd="sng">
+                      <a:noFill/>
+                      <a:prstDash val="solid"/>
+                    </a:lnBlToTr>
+                    <a:noFill/>
+                  </a:tcPr>
+                </a:tc>
+                <a:extLst>
+                  <a:ext uri="{0D108BD9-81ED-4DB2-BD59-A6C34878D82A}">
+                    <a16:rowId xmlns:a16="http://schemas.microsoft.com/office/drawing/2014/main" val="832167103"/>
+                  </a:ext>
+                </a:extLst>
+              </a:tr>
+              <a:tr h="370840">
+                <a:tc rowSpan="2">
+                  <a:txBody>
+                    <a:bodyPr/>
+                    <a:lstStyle/>
+                    <a:p>
+                      <a:pPr algn="ctr" latinLnBrk="1"/>
+                      <a:r>
+                        <a:rPr lang="ko-KR" altLang="en-US" sz="1200" dirty="0">
+                          <a:solidFill>
+                            <a:schemeClr val="bg1"/>
+                          </a:solidFill>
+                          <a:latin typeface="Spoqa Han Sans Neo Medium" pitchFamily="2" charset="-127"/>
+                          <a:ea typeface="Spoqa Han Sans Neo Medium" pitchFamily="2" charset="-127"/>
+                        </a:rPr>
+                        <a:t>멀티캠퍼스</a:t>
+                      </a:r>
+                      <a:endParaRPr lang="en-US" altLang="ko-KR" sz="1200" dirty="0">
+                        <a:solidFill>
+                          <a:schemeClr val="bg1"/>
+                        </a:solidFill>
+                        <a:latin typeface="Spoqa Han Sans Neo Medium" pitchFamily="2" charset="-127"/>
+                        <a:ea typeface="Spoqa Han Sans Neo Medium" pitchFamily="2" charset="-127"/>
+                      </a:endParaRPr>
+                    </a:p>
+                    <a:p>
+                      <a:pPr algn="ctr" latinLnBrk="1"/>
+                      <a:r>
+                        <a:rPr lang="ko-KR" altLang="en-US" sz="1200" dirty="0">
+                          <a:solidFill>
+                            <a:schemeClr val="bg1"/>
+                          </a:solidFill>
+                          <a:latin typeface="Spoqa Han Sans Neo Medium" pitchFamily="2" charset="-127"/>
+                          <a:ea typeface="Spoqa Han Sans Neo Medium" pitchFamily="2" charset="-127"/>
+                        </a:rPr>
+                        <a:t>기업 요구사항</a:t>
+                      </a:r>
+                      <a:endParaRPr lang="en-US" altLang="ko-KR" sz="1200" dirty="0">
+                        <a:solidFill>
+                          <a:schemeClr val="bg1"/>
+                        </a:solidFill>
+                        <a:latin typeface="Spoqa Han Sans Neo Medium" pitchFamily="2" charset="-127"/>
+                        <a:ea typeface="Spoqa Han Sans Neo Medium" pitchFamily="2" charset="-127"/>
+                      </a:endParaRPr>
+                    </a:p>
+                    <a:p>
+                      <a:pPr algn="ctr" latinLnBrk="1"/>
+                      <a:r>
+                        <a:rPr lang="ko-KR" altLang="en-US" sz="1200" dirty="0">
+                          <a:solidFill>
+                            <a:schemeClr val="bg1"/>
+                          </a:solidFill>
+                          <a:latin typeface="Spoqa Han Sans Neo Medium" pitchFamily="2" charset="-127"/>
+                          <a:ea typeface="Spoqa Han Sans Neo Medium" pitchFamily="2" charset="-127"/>
+                        </a:rPr>
+                        <a:t>서비스 경진대회</a:t>
+                      </a:r>
+                      <a:endParaRPr lang="en-US" altLang="ko-KR" sz="1200" dirty="0">
+                        <a:solidFill>
+                          <a:schemeClr val="bg1"/>
+                        </a:solidFill>
+                        <a:latin typeface="Spoqa Han Sans Neo Medium" pitchFamily="2" charset="-127"/>
+                        <a:ea typeface="Spoqa Han Sans Neo Medium" pitchFamily="2" charset="-127"/>
+                      </a:endParaRPr>
+                    </a:p>
+                  </a:txBody>
+                  <a:tcPr>
+                    <a:lnL w="12700" cmpd="sng">
+                      <a:noFill/>
+                    </a:lnL>
+                    <a:lnR w="12700" cmpd="sng">
+                      <a:noFill/>
+                    </a:lnR>
+                    <a:lnT w="12700" cmpd="sng">
+                      <a:noFill/>
+                    </a:lnT>
+                    <a:lnB w="12700" cmpd="sng">
+                      <a:noFill/>
+                    </a:lnB>
+                    <a:lnTlToBr w="12700" cmpd="sng">
+                      <a:noFill/>
+                      <a:prstDash val="solid"/>
+                    </a:lnTlToBr>
+                    <a:lnBlToTr w="12700" cmpd="sng">
+                      <a:noFill/>
+                      <a:prstDash val="solid"/>
+                    </a:lnBlToTr>
+                    <a:noFill/>
+                  </a:tcPr>
+                </a:tc>
+                <a:tc>
+                  <a:txBody>
+                    <a:bodyPr/>
+                    <a:lstStyle/>
+                    <a:p>
+                      <a:pPr algn="l" latinLnBrk="1"/>
+                      <a:r>
+                        <a:rPr lang="en-US" altLang="ko-KR" sz="1200" dirty="0">
+                          <a:solidFill>
+                            <a:schemeClr val="bg1"/>
+                          </a:solidFill>
+                          <a:latin typeface="Spoqa Han Sans Neo Medium" pitchFamily="2" charset="-127"/>
+                          <a:ea typeface="Spoqa Han Sans Neo Medium" pitchFamily="2" charset="-127"/>
+                        </a:rPr>
+                        <a:t>2021.10.08</a:t>
+                      </a:r>
+                      <a:endParaRPr lang="ko-KR" altLang="en-US" sz="1200" dirty="0">
+                        <a:solidFill>
+                          <a:schemeClr val="bg1"/>
+                        </a:solidFill>
+                        <a:latin typeface="Spoqa Han Sans Neo Medium" pitchFamily="2" charset="-127"/>
+                        <a:ea typeface="Spoqa Han Sans Neo Medium" pitchFamily="2" charset="-127"/>
+                      </a:endParaRPr>
+                    </a:p>
+                  </a:txBody>
+                  <a:tcPr>
+                    <a:lnL w="12700" cmpd="sng">
+                      <a:noFill/>
+                    </a:lnL>
+                    <a:lnR w="12700" cmpd="sng">
+                      <a:noFill/>
+                    </a:lnR>
+                    <a:lnT w="12700" cmpd="sng">
+                      <a:noFill/>
+                    </a:lnT>
+                    <a:lnB w="12700" cmpd="sng">
+                      <a:noFill/>
+                    </a:lnB>
+                    <a:lnTlToBr w="12700" cmpd="sng">
+                      <a:noFill/>
+                      <a:prstDash val="solid"/>
+                    </a:lnTlToBr>
+                    <a:lnBlToTr w="12700" cmpd="sng">
+                      <a:noFill/>
+                      <a:prstDash val="solid"/>
+                    </a:lnBlToTr>
+                    <a:noFill/>
+                  </a:tcPr>
+                </a:tc>
+                <a:extLst>
+                  <a:ext uri="{0D108BD9-81ED-4DB2-BD59-A6C34878D82A}">
+                    <a16:rowId xmlns:a16="http://schemas.microsoft.com/office/drawing/2014/main" val="4031930654"/>
+                  </a:ext>
+                </a:extLst>
+              </a:tr>
+              <a:tr h="370840">
+                <a:tc vMerge="1">
+                  <a:txBody>
+                    <a:bodyPr/>
+                    <a:lstStyle/>
+                    <a:p>
+                      <a:pPr algn="ctr" latinLnBrk="1"/>
+                      <a:r>
+                        <a:rPr lang="en-US" altLang="ko-KR" sz="1200" dirty="0">
+                          <a:solidFill>
+                            <a:schemeClr val="bg1"/>
+                          </a:solidFill>
+                          <a:latin typeface="Spoqa Han Sans Neo Medium" pitchFamily="2" charset="-127"/>
+                          <a:ea typeface="Spoqa Han Sans Neo Medium" pitchFamily="2" charset="-127"/>
+                        </a:rPr>
+                        <a:t>CSS</a:t>
+                      </a:r>
+                      <a:endParaRPr lang="ko-KR" altLang="en-US" sz="1200" dirty="0">
+                        <a:solidFill>
+                          <a:schemeClr val="bg1"/>
+                        </a:solidFill>
+                        <a:latin typeface="Spoqa Han Sans Neo Medium" pitchFamily="2" charset="-127"/>
+                        <a:ea typeface="Spoqa Han Sans Neo Medium" pitchFamily="2" charset="-127"/>
+                      </a:endParaRPr>
+                    </a:p>
+                  </a:txBody>
+                  <a:tcPr>
+                    <a:lnL w="12700" cmpd="sng">
+                      <a:noFill/>
+                    </a:lnL>
+                    <a:lnR w="12700" cmpd="sng">
+                      <a:noFill/>
+                    </a:lnR>
+                    <a:lnT w="12700" cmpd="sng">
+                      <a:noFill/>
+                    </a:lnT>
+                    <a:lnB w="12700" cmpd="sng">
+                      <a:noFill/>
+                    </a:lnB>
+                    <a:lnTlToBr w="12700" cmpd="sng">
+                      <a:noFill/>
+                      <a:prstDash val="solid"/>
+                    </a:lnTlToBr>
+                    <a:lnBlToTr w="12700" cmpd="sng">
+                      <a:noFill/>
+                      <a:prstDash val="solid"/>
+                    </a:lnBlToTr>
+                    <a:noFill/>
+                  </a:tcPr>
+                </a:tc>
+                <a:tc>
+                  <a:txBody>
+                    <a:bodyPr/>
+                    <a:lstStyle/>
+                    <a:p>
+                      <a:pPr algn="l" latinLnBrk="1"/>
+                      <a:r>
+                        <a:rPr lang="en-US" altLang="ko-KR" sz="1200" dirty="0">
+                          <a:solidFill>
+                            <a:schemeClr val="bg1"/>
+                          </a:solidFill>
+                          <a:latin typeface="Spoqa Han Sans Neo Medium" pitchFamily="2" charset="-127"/>
+                          <a:ea typeface="Spoqa Han Sans Neo Medium" pitchFamily="2" charset="-127"/>
+                        </a:rPr>
+                        <a:t>2</a:t>
+                      </a:r>
+                      <a:r>
+                        <a:rPr lang="ko-KR" altLang="en-US" sz="1200" dirty="0">
+                          <a:solidFill>
+                            <a:schemeClr val="bg1"/>
+                          </a:solidFill>
+                          <a:latin typeface="Spoqa Han Sans Neo Medium" pitchFamily="2" charset="-127"/>
+                          <a:ea typeface="Spoqa Han Sans Neo Medium" pitchFamily="2" charset="-127"/>
+                        </a:rPr>
+                        <a:t>등상 수상</a:t>
+                      </a:r>
+                    </a:p>
+                  </a:txBody>
+                  <a:tcPr>
+                    <a:lnL w="12700" cmpd="sng">
+                      <a:noFill/>
+                    </a:lnL>
+                    <a:lnR w="12700" cmpd="sng">
+                      <a:noFill/>
+                    </a:lnR>
+                    <a:lnT w="12700" cmpd="sng">
+                      <a:noFill/>
+                    </a:lnT>
+                    <a:lnB w="12700" cmpd="sng">
+                      <a:noFill/>
+                    </a:lnB>
+                    <a:lnTlToBr w="12700" cmpd="sng">
+                      <a:noFill/>
+                      <a:prstDash val="solid"/>
+                    </a:lnTlToBr>
+                    <a:lnBlToTr w="12700" cmpd="sng">
+                      <a:noFill/>
+                      <a:prstDash val="solid"/>
+                    </a:lnBlToTr>
+                    <a:noFill/>
+                  </a:tcPr>
+                </a:tc>
+                <a:extLst>
+                  <a:ext uri="{0D108BD9-81ED-4DB2-BD59-A6C34878D82A}">
+                    <a16:rowId xmlns:a16="http://schemas.microsoft.com/office/drawing/2014/main" val="3080989694"/>
+                  </a:ext>
+                </a:extLst>
+              </a:tr>
+            </a:tbl>
           </a:graphicData>
         </a:graphic>
       </p:graphicFrame>

--- a/자기소개서.pptx
+++ b/자기소개서.pptx
@@ -29834,7 +29834,7 @@
           <p:nvPr>
             <p:extLst>
               <p:ext uri="{D42A27DB-BD31-4B8C-83A1-F6EECF244321}">
-                <p14:modId xmlns:p14="http://schemas.microsoft.com/office/powerpoint/2010/main" val="3789073326"/>
+                <p14:modId xmlns:p14="http://schemas.microsoft.com/office/powerpoint/2010/main" val="832136782"/>
               </p:ext>
             </p:extLst>
           </p:nvPr>
@@ -30507,7 +30507,7 @@
                           <a:latin typeface="Spoqa Han Sans Neo Medium" pitchFamily="2" charset="-127"/>
                           <a:ea typeface="Spoqa Han Sans Neo Medium" pitchFamily="2" charset="-127"/>
                         </a:rPr>
-                        <a:t>✊✊✊✊</a:t>
+                        <a:t>✊✊✊</a:t>
                       </a:r>
                     </a:p>
                   </a:txBody>
@@ -30734,7 +30734,7 @@
                           <a:latin typeface="Spoqa Han Sans Neo Medium" pitchFamily="2" charset="-127"/>
                           <a:ea typeface="Spoqa Han Sans Neo Medium" pitchFamily="2" charset="-127"/>
                         </a:rPr>
-                        <a:t>✊✊✊</a:t>
+                        <a:t>✊✊</a:t>
                       </a:r>
                     </a:p>
                   </a:txBody>
@@ -30961,7 +30961,7 @@
                           <a:latin typeface="Spoqa Han Sans Neo Medium" pitchFamily="2" charset="-127"/>
                           <a:ea typeface="Spoqa Han Sans Neo Medium" pitchFamily="2" charset="-127"/>
                         </a:rPr>
-                        <a:t>✊✊✊</a:t>
+                        <a:t>✊✊</a:t>
                       </a:r>
                     </a:p>
                   </a:txBody>
@@ -34077,45 +34077,7 @@
                 <a:ea typeface="Spoqa Han Sans Neo Medium" pitchFamily="50" charset="-127"/>
                 <a:cs typeface="KoPubWorld바탕체 Medium" panose="00000600000000000000" pitchFamily="2" charset="-127"/>
               </a:rPr>
-              <a:t>역량을 발휘하여 조직과 </a:t>
-            </a:r>
-            <a:r>
-              <a:rPr lang="ko-KR" altLang="en-US" sz="1500" spc="-30">
-                <a:ln>
-                  <a:solidFill>
-                    <a:schemeClr val="accent1">
-                      <a:shade val="50000"/>
-                      <a:alpha val="0"/>
-                    </a:schemeClr>
-                  </a:solidFill>
-                </a:ln>
-                <a:solidFill>
-                  <a:schemeClr val="bg1"/>
-                </a:solidFill>
-                <a:latin typeface="Spoqa Han Sans Neo Medium" pitchFamily="50" charset="-127"/>
-                <a:ea typeface="Spoqa Han Sans Neo Medium" pitchFamily="50" charset="-127"/>
-                <a:cs typeface="KoPubWorld바탕체 Medium" panose="00000600000000000000" pitchFamily="2" charset="-127"/>
-              </a:rPr>
-              <a:t>개인의 진취적인 </a:t>
-            </a:r>
-            <a:r>
-              <a:rPr lang="ko-KR" altLang="en-US" sz="1500" spc="-30" dirty="0">
-                <a:ln>
-                  <a:solidFill>
-                    <a:schemeClr val="accent1">
-                      <a:shade val="50000"/>
-                      <a:alpha val="0"/>
-                    </a:schemeClr>
-                  </a:solidFill>
-                </a:ln>
-                <a:solidFill>
-                  <a:schemeClr val="bg1"/>
-                </a:solidFill>
-                <a:latin typeface="Spoqa Han Sans Neo Medium" pitchFamily="50" charset="-127"/>
-                <a:ea typeface="Spoqa Han Sans Neo Medium" pitchFamily="50" charset="-127"/>
-                <a:cs typeface="KoPubWorld바탕체 Medium" panose="00000600000000000000" pitchFamily="2" charset="-127"/>
-              </a:rPr>
-              <a:t>성과를 만들어내겠습니다</a:t>
+              <a:t>역량을 발휘하여 조직과 개인의 진취적인 성과를 만들어내겠습니다</a:t>
             </a:r>
             <a:r>
               <a:rPr lang="en-US" altLang="ko-KR" sz="1500" spc="-30" dirty="0">
@@ -35260,7 +35222,7 @@
               <a:t> 큰 역할을 수행할 것이라 </a:t>
             </a:r>
             <a:r>
-              <a:rPr lang="ko-KR" altLang="en-US" sz="1050" spc="-30">
+              <a:rPr lang="ko-KR" altLang="en-US" sz="1050" spc="-30" dirty="0" err="1">
                 <a:ln>
                   <a:solidFill>
                     <a:schemeClr val="accent1">
